--- a/documentation/VortexSystem.pptx
+++ b/documentation/VortexSystem.pptx
@@ -4,6 +4,9 @@
   <p:sldMasterIdLst>
     <p:sldMasterId id="2147483648" r:id="rId1"/>
   </p:sldMasterIdLst>
+  <p:notesMasterIdLst>
+    <p:notesMasterId r:id="rId12"/>
+  </p:notesMasterIdLst>
   <p:sldIdLst>
     <p:sldId id="256" r:id="rId2"/>
     <p:sldId id="257" r:id="rId3"/>
@@ -11,6 +14,10 @@
     <p:sldId id="259" r:id="rId5"/>
     <p:sldId id="261" r:id="rId6"/>
     <p:sldId id="260" r:id="rId7"/>
+    <p:sldId id="262" r:id="rId8"/>
+    <p:sldId id="263" r:id="rId9"/>
+    <p:sldId id="264" r:id="rId10"/>
+    <p:sldId id="265" r:id="rId11"/>
   </p:sldIdLst>
   <p:sldSz cx="12192000" cy="6858000"/>
   <p:notesSz cx="6858000" cy="9144000"/>
@@ -109,6 +116,11 @@
       </a:defRPr>
     </a:lvl9pPr>
   </p:defaultTextStyle>
+  <p:extLst>
+    <p:ext uri="{EFAFB233-063F-42B5-8137-9DF3F51BA10A}">
+      <p15:sldGuideLst xmlns:p15="http://schemas.microsoft.com/office/powerpoint/2012/main"/>
+    </p:ext>
+  </p:extLst>
 </p:presentation>
 </file>
 
@@ -191,6 +203,409 @@
 </inkml:ink>
 </file>
 
+<file path=ppt/ink/ink2.xml><?xml version="1.0" encoding="utf-8"?>
+<inkml:ink xmlns:inkml="http://www.w3.org/2003/InkML">
+  <inkml:definitions>
+    <inkml:context xml:id="ctx0">
+      <inkml:inkSource xml:id="inkSrc0">
+        <inkml:traceFormat>
+          <inkml:channel name="X" type="integer" min="-2.14748E9" max="2.14748E9" units="cm"/>
+          <inkml:channel name="Y" type="integer" min="-2.14748E9" max="2.14748E9" units="cm"/>
+        </inkml:traceFormat>
+        <inkml:channelProperties>
+          <inkml:channelProperty channel="X" name="resolution" value="1000" units="1/cm"/>
+          <inkml:channelProperty channel="Y" name="resolution" value="1000" units="1/cm"/>
+        </inkml:channelProperties>
+      </inkml:inkSource>
+      <inkml:timestamp xml:id="ts0" timeString="2023-05-08T17:26:50.314"/>
+    </inkml:context>
+    <inkml:brush xml:id="br0">
+      <inkml:brushProperty name="width" value="0.035" units="cm"/>
+      <inkml:brushProperty name="height" value="0.035" units="cm"/>
+    </inkml:brush>
+  </inkml:definitions>
+  <inkml:trace contextRef="#ctx0" brushRef="#br0">65 1,'0'5673,"5331"-5673</inkml:trace>
+  <inkml:trace contextRef="#ctx0" brushRef="#br0" timeOffset="1">1 172,'64'-171,"1"342</inkml:trace>
+  <inkml:trace contextRef="#ctx0" brushRef="#br0" timeOffset="2">5267 5588,'129'86,"-258"-1</inkml:trace>
+</inkml:ink>
+</file>
+
+<file path=ppt/ink/ink3.xml><?xml version="1.0" encoding="utf-8"?>
+<inkml:ink xmlns:inkml="http://www.w3.org/2003/InkML">
+  <inkml:definitions>
+    <inkml:context xml:id="ctx0">
+      <inkml:inkSource xml:id="inkSrc0">
+        <inkml:traceFormat>
+          <inkml:channel name="X" type="integer" min="-2.14748E9" max="2.14748E9" units="cm"/>
+          <inkml:channel name="Y" type="integer" min="-2.14748E9" max="2.14748E9" units="cm"/>
+        </inkml:traceFormat>
+        <inkml:channelProperties>
+          <inkml:channelProperty channel="X" name="resolution" value="1000" units="1/cm"/>
+          <inkml:channelProperty channel="Y" name="resolution" value="1000" units="1/cm"/>
+        </inkml:channelProperties>
+      </inkml:inkSource>
+      <inkml:timestamp xml:id="ts0" timeString="2023-05-08T17:34:21.170"/>
+    </inkml:context>
+    <inkml:brush xml:id="br0">
+      <inkml:brushProperty name="width" value="0.035" units="cm"/>
+      <inkml:brushProperty name="height" value="0.035" units="cm"/>
+    </inkml:brush>
+  </inkml:definitions>
+  <inkml:trace contextRef="#ctx0" brushRef="#br0">65 1,'0'5673,"5331"-5673</inkml:trace>
+  <inkml:trace contextRef="#ctx0" brushRef="#br0" timeOffset="1">1 172,'64'-171,"1"342</inkml:trace>
+  <inkml:trace contextRef="#ctx0" brushRef="#br0" timeOffset="2">5267 5588,'129'86,"-258"-1</inkml:trace>
+</inkml:ink>
+</file>
+
+<file path=ppt/notesMasters/notesMaster1.xml><?xml version="1.0" encoding="utf-8"?>
+<p:notesMaster xmlns:a="http://schemas.openxmlformats.org/drawingml/2006/main" xmlns:r="http://schemas.openxmlformats.org/officeDocument/2006/relationships" xmlns:p="http://schemas.openxmlformats.org/presentationml/2006/main">
+  <p:cSld>
+    <p:bg>
+      <p:bgRef idx="1001">
+        <a:schemeClr val="bg1"/>
+      </p:bgRef>
+    </p:bg>
+    <p:spTree>
+      <p:nvGrpSpPr>
+        <p:cNvPr id="1" name=""/>
+        <p:cNvGrpSpPr/>
+        <p:nvPr/>
+      </p:nvGrpSpPr>
+      <p:grpSpPr>
+        <a:xfrm>
+          <a:off x="0" y="0"/>
+          <a:ext cx="0" cy="0"/>
+          <a:chOff x="0" y="0"/>
+          <a:chExt cx="0" cy="0"/>
+        </a:xfrm>
+      </p:grpSpPr>
+      <p:sp>
+        <p:nvSpPr>
+          <p:cNvPr id="2" name="Header Placeholder 1"/>
+          <p:cNvSpPr>
+            <a:spLocks noGrp="1"/>
+          </p:cNvSpPr>
+          <p:nvPr>
+            <p:ph type="hdr" sz="quarter"/>
+          </p:nvPr>
+        </p:nvSpPr>
+        <p:spPr>
+          <a:xfrm>
+            <a:off x="0" y="0"/>
+            <a:ext cx="2971800" cy="458788"/>
+          </a:xfrm>
+          <a:prstGeom prst="rect">
+            <a:avLst/>
+          </a:prstGeom>
+        </p:spPr>
+        <p:txBody>
+          <a:bodyPr vert="horz" lIns="91440" tIns="45720" rIns="91440" bIns="45720" rtlCol="0"/>
+          <a:lstStyle>
+            <a:lvl1pPr algn="l">
+              <a:defRPr sz="1200"/>
+            </a:lvl1pPr>
+          </a:lstStyle>
+          <a:p>
+            <a:endParaRPr lang="en-GB"/>
+          </a:p>
+        </p:txBody>
+      </p:sp>
+      <p:sp>
+        <p:nvSpPr>
+          <p:cNvPr id="3" name="Date Placeholder 2"/>
+          <p:cNvSpPr>
+            <a:spLocks noGrp="1"/>
+          </p:cNvSpPr>
+          <p:nvPr>
+            <p:ph type="dt" idx="1"/>
+          </p:nvPr>
+        </p:nvSpPr>
+        <p:spPr>
+          <a:xfrm>
+            <a:off x="3884613" y="0"/>
+            <a:ext cx="2971800" cy="458788"/>
+          </a:xfrm>
+          <a:prstGeom prst="rect">
+            <a:avLst/>
+          </a:prstGeom>
+        </p:spPr>
+        <p:txBody>
+          <a:bodyPr vert="horz" lIns="91440" tIns="45720" rIns="91440" bIns="45720" rtlCol="0"/>
+          <a:lstStyle>
+            <a:lvl1pPr algn="r">
+              <a:defRPr sz="1200"/>
+            </a:lvl1pPr>
+          </a:lstStyle>
+          <a:p>
+            <a:fld id="{92B7CA57-BCDB-4CDF-AB74-F5DED1A15207}" type="datetimeFigureOut">
+              <a:rPr lang="en-GB" smtClean="0"/>
+              <a:t>08/05/2023</a:t>
+            </a:fld>
+            <a:endParaRPr lang="en-GB"/>
+          </a:p>
+        </p:txBody>
+      </p:sp>
+      <p:sp>
+        <p:nvSpPr>
+          <p:cNvPr id="4" name="Slide Image Placeholder 3"/>
+          <p:cNvSpPr>
+            <a:spLocks noGrp="1" noRot="1" noChangeAspect="1"/>
+          </p:cNvSpPr>
+          <p:nvPr>
+            <p:ph type="sldImg" idx="2"/>
+          </p:nvPr>
+        </p:nvSpPr>
+        <p:spPr>
+          <a:xfrm>
+            <a:off x="685800" y="1143000"/>
+            <a:ext cx="5486400" cy="3086100"/>
+          </a:xfrm>
+          <a:prstGeom prst="rect">
+            <a:avLst/>
+          </a:prstGeom>
+          <a:noFill/>
+          <a:ln w="12700">
+            <a:solidFill>
+              <a:prstClr val="black"/>
+            </a:solidFill>
+          </a:ln>
+        </p:spPr>
+        <p:txBody>
+          <a:bodyPr vert="horz" lIns="91440" tIns="45720" rIns="91440" bIns="45720" rtlCol="0" anchor="ctr"/>
+          <a:lstStyle/>
+          <a:p>
+            <a:endParaRPr lang="en-GB"/>
+          </a:p>
+        </p:txBody>
+      </p:sp>
+      <p:sp>
+        <p:nvSpPr>
+          <p:cNvPr id="5" name="Notes Placeholder 4"/>
+          <p:cNvSpPr>
+            <a:spLocks noGrp="1"/>
+          </p:cNvSpPr>
+          <p:nvPr>
+            <p:ph type="body" sz="quarter" idx="3"/>
+          </p:nvPr>
+        </p:nvSpPr>
+        <p:spPr>
+          <a:xfrm>
+            <a:off x="685800" y="4400550"/>
+            <a:ext cx="5486400" cy="3600450"/>
+          </a:xfrm>
+          <a:prstGeom prst="rect">
+            <a:avLst/>
+          </a:prstGeom>
+        </p:spPr>
+        <p:txBody>
+          <a:bodyPr vert="horz" lIns="91440" tIns="45720" rIns="91440" bIns="45720" rtlCol="0"/>
+          <a:lstStyle/>
+          <a:p>
+            <a:pPr lvl="0"/>
+            <a:r>
+              <a:rPr lang="en-GB"/>
+              <a:t>Click to edit Master text styles</a:t>
+            </a:r>
+          </a:p>
+          <a:p>
+            <a:pPr lvl="1"/>
+            <a:r>
+              <a:rPr lang="en-GB"/>
+              <a:t>Second level</a:t>
+            </a:r>
+          </a:p>
+          <a:p>
+            <a:pPr lvl="2"/>
+            <a:r>
+              <a:rPr lang="en-GB"/>
+              <a:t>Third level</a:t>
+            </a:r>
+          </a:p>
+          <a:p>
+            <a:pPr lvl="3"/>
+            <a:r>
+              <a:rPr lang="en-GB"/>
+              <a:t>Fourth level</a:t>
+            </a:r>
+          </a:p>
+          <a:p>
+            <a:pPr lvl="4"/>
+            <a:r>
+              <a:rPr lang="en-GB"/>
+              <a:t>Fifth level</a:t>
+            </a:r>
+          </a:p>
+        </p:txBody>
+      </p:sp>
+      <p:sp>
+        <p:nvSpPr>
+          <p:cNvPr id="6" name="Footer Placeholder 5"/>
+          <p:cNvSpPr>
+            <a:spLocks noGrp="1"/>
+          </p:cNvSpPr>
+          <p:nvPr>
+            <p:ph type="ftr" sz="quarter" idx="4"/>
+          </p:nvPr>
+        </p:nvSpPr>
+        <p:spPr>
+          <a:xfrm>
+            <a:off x="0" y="8685213"/>
+            <a:ext cx="2971800" cy="458787"/>
+          </a:xfrm>
+          <a:prstGeom prst="rect">
+            <a:avLst/>
+          </a:prstGeom>
+        </p:spPr>
+        <p:txBody>
+          <a:bodyPr vert="horz" lIns="91440" tIns="45720" rIns="91440" bIns="45720" rtlCol="0" anchor="b"/>
+          <a:lstStyle>
+            <a:lvl1pPr algn="l">
+              <a:defRPr sz="1200"/>
+            </a:lvl1pPr>
+          </a:lstStyle>
+          <a:p>
+            <a:endParaRPr lang="en-GB"/>
+          </a:p>
+        </p:txBody>
+      </p:sp>
+      <p:sp>
+        <p:nvSpPr>
+          <p:cNvPr id="7" name="Slide Number Placeholder 6"/>
+          <p:cNvSpPr>
+            <a:spLocks noGrp="1"/>
+          </p:cNvSpPr>
+          <p:nvPr>
+            <p:ph type="sldNum" sz="quarter" idx="5"/>
+          </p:nvPr>
+        </p:nvSpPr>
+        <p:spPr>
+          <a:xfrm>
+            <a:off x="3884613" y="8685213"/>
+            <a:ext cx="2971800" cy="458787"/>
+          </a:xfrm>
+          <a:prstGeom prst="rect">
+            <a:avLst/>
+          </a:prstGeom>
+        </p:spPr>
+        <p:txBody>
+          <a:bodyPr vert="horz" lIns="91440" tIns="45720" rIns="91440" bIns="45720" rtlCol="0" anchor="b"/>
+          <a:lstStyle>
+            <a:lvl1pPr algn="r">
+              <a:defRPr sz="1200"/>
+            </a:lvl1pPr>
+          </a:lstStyle>
+          <a:p>
+            <a:fld id="{E2454CCB-59BB-4D0B-87EF-E005F0B59EA2}" type="slidenum">
+              <a:rPr lang="en-GB" smtClean="0"/>
+              <a:t>‹#›</a:t>
+            </a:fld>
+            <a:endParaRPr lang="en-GB"/>
+          </a:p>
+        </p:txBody>
+      </p:sp>
+    </p:spTree>
+    <p:extLst>
+      <p:ext uri="{BB962C8B-B14F-4D97-AF65-F5344CB8AC3E}">
+        <p14:creationId xmlns:p14="http://schemas.microsoft.com/office/powerpoint/2010/main" val="1171456419"/>
+      </p:ext>
+    </p:extLst>
+  </p:cSld>
+  <p:clrMap bg1="lt1" tx1="dk1" bg2="lt2" tx2="dk2" accent1="accent1" accent2="accent2" accent3="accent3" accent4="accent4" accent5="accent5" accent6="accent6" hlink="hlink" folHlink="folHlink"/>
+  <p:notesStyle>
+    <a:lvl1pPr marL="0" algn="l" defTabSz="914400" rtl="0" eaLnBrk="1" latinLnBrk="0" hangingPunct="1">
+      <a:defRPr sz="1200" kern="1200">
+        <a:solidFill>
+          <a:schemeClr val="tx1"/>
+        </a:solidFill>
+        <a:latin typeface="+mn-lt"/>
+        <a:ea typeface="+mn-ea"/>
+        <a:cs typeface="+mn-cs"/>
+      </a:defRPr>
+    </a:lvl1pPr>
+    <a:lvl2pPr marL="457200" algn="l" defTabSz="914400" rtl="0" eaLnBrk="1" latinLnBrk="0" hangingPunct="1">
+      <a:defRPr sz="1200" kern="1200">
+        <a:solidFill>
+          <a:schemeClr val="tx1"/>
+        </a:solidFill>
+        <a:latin typeface="+mn-lt"/>
+        <a:ea typeface="+mn-ea"/>
+        <a:cs typeface="+mn-cs"/>
+      </a:defRPr>
+    </a:lvl2pPr>
+    <a:lvl3pPr marL="914400" algn="l" defTabSz="914400" rtl="0" eaLnBrk="1" latinLnBrk="0" hangingPunct="1">
+      <a:defRPr sz="1200" kern="1200">
+        <a:solidFill>
+          <a:schemeClr val="tx1"/>
+        </a:solidFill>
+        <a:latin typeface="+mn-lt"/>
+        <a:ea typeface="+mn-ea"/>
+        <a:cs typeface="+mn-cs"/>
+      </a:defRPr>
+    </a:lvl3pPr>
+    <a:lvl4pPr marL="1371600" algn="l" defTabSz="914400" rtl="0" eaLnBrk="1" latinLnBrk="0" hangingPunct="1">
+      <a:defRPr sz="1200" kern="1200">
+        <a:solidFill>
+          <a:schemeClr val="tx1"/>
+        </a:solidFill>
+        <a:latin typeface="+mn-lt"/>
+        <a:ea typeface="+mn-ea"/>
+        <a:cs typeface="+mn-cs"/>
+      </a:defRPr>
+    </a:lvl4pPr>
+    <a:lvl5pPr marL="1828800" algn="l" defTabSz="914400" rtl="0" eaLnBrk="1" latinLnBrk="0" hangingPunct="1">
+      <a:defRPr sz="1200" kern="1200">
+        <a:solidFill>
+          <a:schemeClr val="tx1"/>
+        </a:solidFill>
+        <a:latin typeface="+mn-lt"/>
+        <a:ea typeface="+mn-ea"/>
+        <a:cs typeface="+mn-cs"/>
+      </a:defRPr>
+    </a:lvl5pPr>
+    <a:lvl6pPr marL="2286000" algn="l" defTabSz="914400" rtl="0" eaLnBrk="1" latinLnBrk="0" hangingPunct="1">
+      <a:defRPr sz="1200" kern="1200">
+        <a:solidFill>
+          <a:schemeClr val="tx1"/>
+        </a:solidFill>
+        <a:latin typeface="+mn-lt"/>
+        <a:ea typeface="+mn-ea"/>
+        <a:cs typeface="+mn-cs"/>
+      </a:defRPr>
+    </a:lvl6pPr>
+    <a:lvl7pPr marL="2743200" algn="l" defTabSz="914400" rtl="0" eaLnBrk="1" latinLnBrk="0" hangingPunct="1">
+      <a:defRPr sz="1200" kern="1200">
+        <a:solidFill>
+          <a:schemeClr val="tx1"/>
+        </a:solidFill>
+        <a:latin typeface="+mn-lt"/>
+        <a:ea typeface="+mn-ea"/>
+        <a:cs typeface="+mn-cs"/>
+      </a:defRPr>
+    </a:lvl7pPr>
+    <a:lvl8pPr marL="3200400" algn="l" defTabSz="914400" rtl="0" eaLnBrk="1" latinLnBrk="0" hangingPunct="1">
+      <a:defRPr sz="1200" kern="1200">
+        <a:solidFill>
+          <a:schemeClr val="tx1"/>
+        </a:solidFill>
+        <a:latin typeface="+mn-lt"/>
+        <a:ea typeface="+mn-ea"/>
+        <a:cs typeface="+mn-cs"/>
+      </a:defRPr>
+    </a:lvl8pPr>
+    <a:lvl9pPr marL="3657600" algn="l" defTabSz="914400" rtl="0" eaLnBrk="1" latinLnBrk="0" hangingPunct="1">
+      <a:defRPr sz="1200" kern="1200">
+        <a:solidFill>
+          <a:schemeClr val="tx1"/>
+        </a:solidFill>
+        <a:latin typeface="+mn-lt"/>
+        <a:ea typeface="+mn-ea"/>
+        <a:cs typeface="+mn-cs"/>
+      </a:defRPr>
+    </a:lvl9pPr>
+  </p:notesStyle>
+</p:notesMaster>
+</file>
+
 <file path=ppt/slideLayouts/slideLayout1.xml><?xml version="1.0" encoding="utf-8"?>
 <p:sldLayout xmlns:a="http://schemas.openxmlformats.org/drawingml/2006/main" xmlns:r="http://schemas.openxmlformats.org/officeDocument/2006/relationships" xmlns:p="http://schemas.openxmlformats.org/presentationml/2006/main" type="title" preserve="1">
   <p:cSld name="Titelfolie">
@@ -336,7 +751,7 @@
           <a:bodyPr/>
           <a:lstStyle/>
           <a:p>
-            <a:fld id="{1301BC3E-2FFC-4F11-8FB1-A9311866F469}" type="datetimeFigureOut">
+            <a:fld id="{CF4CC8B1-562D-4B61-BC3A-2A5E7C4F8D62}" type="datetime1">
               <a:rPr lang="de-DE" smtClean="0"/>
               <a:t>08.05.2023</a:t>
             </a:fld>
@@ -392,7 +807,7 @@
           <a:p>
             <a:fld id="{978F724D-8C6F-42B5-AA71-1C7F80E824C8}" type="slidenum">
               <a:rPr lang="de-DE" smtClean="0"/>
-              <a:t>‹Nr.›</a:t>
+              <a:t>‹#›</a:t>
             </a:fld>
             <a:endParaRPr lang="de-DE"/>
           </a:p>
@@ -534,7 +949,7 @@
           <a:bodyPr/>
           <a:lstStyle/>
           <a:p>
-            <a:fld id="{1301BC3E-2FFC-4F11-8FB1-A9311866F469}" type="datetimeFigureOut">
+            <a:fld id="{D9A29FD8-822F-4945-844D-D28ECC94D4A6}" type="datetime1">
               <a:rPr lang="de-DE" smtClean="0"/>
               <a:t>08.05.2023</a:t>
             </a:fld>
@@ -590,7 +1005,7 @@
           <a:p>
             <a:fld id="{978F724D-8C6F-42B5-AA71-1C7F80E824C8}" type="slidenum">
               <a:rPr lang="de-DE" smtClean="0"/>
-              <a:t>‹Nr.›</a:t>
+              <a:t>‹#›</a:t>
             </a:fld>
             <a:endParaRPr lang="de-DE"/>
           </a:p>
@@ -742,7 +1157,7 @@
           <a:bodyPr/>
           <a:lstStyle/>
           <a:p>
-            <a:fld id="{1301BC3E-2FFC-4F11-8FB1-A9311866F469}" type="datetimeFigureOut">
+            <a:fld id="{BD8BFB0D-56C6-4F0E-A5BE-4085217F9971}" type="datetime1">
               <a:rPr lang="de-DE" smtClean="0"/>
               <a:t>08.05.2023</a:t>
             </a:fld>
@@ -798,7 +1213,7 @@
           <a:p>
             <a:fld id="{978F724D-8C6F-42B5-AA71-1C7F80E824C8}" type="slidenum">
               <a:rPr lang="de-DE" smtClean="0"/>
-              <a:t>‹Nr.›</a:t>
+              <a:t>‹#›</a:t>
             </a:fld>
             <a:endParaRPr lang="de-DE"/>
           </a:p>
@@ -940,7 +1355,7 @@
           <a:bodyPr/>
           <a:lstStyle/>
           <a:p>
-            <a:fld id="{1301BC3E-2FFC-4F11-8FB1-A9311866F469}" type="datetimeFigureOut">
+            <a:fld id="{84D1CD49-9A99-4F07-B682-CB0A003E0EC5}" type="datetime1">
               <a:rPr lang="de-DE" smtClean="0"/>
               <a:t>08.05.2023</a:t>
             </a:fld>
@@ -996,7 +1411,7 @@
           <a:p>
             <a:fld id="{978F724D-8C6F-42B5-AA71-1C7F80E824C8}" type="slidenum">
               <a:rPr lang="de-DE" smtClean="0"/>
-              <a:t>‹Nr.›</a:t>
+              <a:t>‹#›</a:t>
             </a:fld>
             <a:endParaRPr lang="de-DE"/>
           </a:p>
@@ -1215,7 +1630,7 @@
           <a:bodyPr/>
           <a:lstStyle/>
           <a:p>
-            <a:fld id="{1301BC3E-2FFC-4F11-8FB1-A9311866F469}" type="datetimeFigureOut">
+            <a:fld id="{33DCF9B6-C906-4DD7-BA43-BBF9EFE81B3C}" type="datetime1">
               <a:rPr lang="de-DE" smtClean="0"/>
               <a:t>08.05.2023</a:t>
             </a:fld>
@@ -1271,7 +1686,7 @@
           <a:p>
             <a:fld id="{978F724D-8C6F-42B5-AA71-1C7F80E824C8}" type="slidenum">
               <a:rPr lang="de-DE" smtClean="0"/>
-              <a:t>‹Nr.›</a:t>
+              <a:t>‹#›</a:t>
             </a:fld>
             <a:endParaRPr lang="de-DE"/>
           </a:p>
@@ -1480,7 +1895,7 @@
           <a:bodyPr/>
           <a:lstStyle/>
           <a:p>
-            <a:fld id="{1301BC3E-2FFC-4F11-8FB1-A9311866F469}" type="datetimeFigureOut">
+            <a:fld id="{3072ED1F-F225-4F31-AB6A-742267AA9957}" type="datetime1">
               <a:rPr lang="de-DE" smtClean="0"/>
               <a:t>08.05.2023</a:t>
             </a:fld>
@@ -1536,7 +1951,7 @@
           <a:p>
             <a:fld id="{978F724D-8C6F-42B5-AA71-1C7F80E824C8}" type="slidenum">
               <a:rPr lang="de-DE" smtClean="0"/>
-              <a:t>‹Nr.›</a:t>
+              <a:t>‹#›</a:t>
             </a:fld>
             <a:endParaRPr lang="de-DE"/>
           </a:p>
@@ -1892,7 +2307,7 @@
           <a:bodyPr/>
           <a:lstStyle/>
           <a:p>
-            <a:fld id="{1301BC3E-2FFC-4F11-8FB1-A9311866F469}" type="datetimeFigureOut">
+            <a:fld id="{BE55FC6A-0BC9-4F09-9434-3428704C0A9D}" type="datetime1">
               <a:rPr lang="de-DE" smtClean="0"/>
               <a:t>08.05.2023</a:t>
             </a:fld>
@@ -1948,7 +2363,7 @@
           <a:p>
             <a:fld id="{978F724D-8C6F-42B5-AA71-1C7F80E824C8}" type="slidenum">
               <a:rPr lang="de-DE" smtClean="0"/>
-              <a:t>‹Nr.›</a:t>
+              <a:t>‹#›</a:t>
             </a:fld>
             <a:endParaRPr lang="de-DE"/>
           </a:p>
@@ -2033,7 +2448,7 @@
           <a:bodyPr/>
           <a:lstStyle/>
           <a:p>
-            <a:fld id="{1301BC3E-2FFC-4F11-8FB1-A9311866F469}" type="datetimeFigureOut">
+            <a:fld id="{3016AE02-CD27-4BCA-8FBA-62F5AFEE207C}" type="datetime1">
               <a:rPr lang="de-DE" smtClean="0"/>
               <a:t>08.05.2023</a:t>
             </a:fld>
@@ -2089,7 +2504,7 @@
           <a:p>
             <a:fld id="{978F724D-8C6F-42B5-AA71-1C7F80E824C8}" type="slidenum">
               <a:rPr lang="de-DE" smtClean="0"/>
-              <a:t>‹Nr.›</a:t>
+              <a:t>‹#›</a:t>
             </a:fld>
             <a:endParaRPr lang="de-DE"/>
           </a:p>
@@ -2146,7 +2561,7 @@
           <a:bodyPr/>
           <a:lstStyle/>
           <a:p>
-            <a:fld id="{1301BC3E-2FFC-4F11-8FB1-A9311866F469}" type="datetimeFigureOut">
+            <a:fld id="{FF8E4B2A-2D8D-498F-9959-29980267DA97}" type="datetime1">
               <a:rPr lang="de-DE" smtClean="0"/>
               <a:t>08.05.2023</a:t>
             </a:fld>
@@ -2202,7 +2617,7 @@
           <a:p>
             <a:fld id="{978F724D-8C6F-42B5-AA71-1C7F80E824C8}" type="slidenum">
               <a:rPr lang="de-DE" smtClean="0"/>
-              <a:t>‹Nr.›</a:t>
+              <a:t>‹#›</a:t>
             </a:fld>
             <a:endParaRPr lang="de-DE"/>
           </a:p>
@@ -2457,7 +2872,7 @@
           <a:bodyPr/>
           <a:lstStyle/>
           <a:p>
-            <a:fld id="{1301BC3E-2FFC-4F11-8FB1-A9311866F469}" type="datetimeFigureOut">
+            <a:fld id="{DE572FC0-EE23-44F2-BDDB-B66FFBA0B8CC}" type="datetime1">
               <a:rPr lang="de-DE" smtClean="0"/>
               <a:t>08.05.2023</a:t>
             </a:fld>
@@ -2513,7 +2928,7 @@
           <a:p>
             <a:fld id="{978F724D-8C6F-42B5-AA71-1C7F80E824C8}" type="slidenum">
               <a:rPr lang="de-DE" smtClean="0"/>
-              <a:t>‹Nr.›</a:t>
+              <a:t>‹#›</a:t>
             </a:fld>
             <a:endParaRPr lang="de-DE"/>
           </a:p>
@@ -2745,7 +3160,7 @@
           <a:bodyPr/>
           <a:lstStyle/>
           <a:p>
-            <a:fld id="{1301BC3E-2FFC-4F11-8FB1-A9311866F469}" type="datetimeFigureOut">
+            <a:fld id="{45F35E0F-46D8-4A03-A4A9-B91D09B98311}" type="datetime1">
               <a:rPr lang="de-DE" smtClean="0"/>
               <a:t>08.05.2023</a:t>
             </a:fld>
@@ -2801,7 +3216,7 @@
           <a:p>
             <a:fld id="{978F724D-8C6F-42B5-AA71-1C7F80E824C8}" type="slidenum">
               <a:rPr lang="de-DE" smtClean="0"/>
-              <a:t>‹Nr.›</a:t>
+              <a:t>‹#›</a:t>
             </a:fld>
             <a:endParaRPr lang="de-DE"/>
           </a:p>
@@ -2986,7 +3401,7 @@
             </a:lvl1pPr>
           </a:lstStyle>
           <a:p>
-            <a:fld id="{1301BC3E-2FFC-4F11-8FB1-A9311866F469}" type="datetimeFigureOut">
+            <a:fld id="{0A1E03C6-FA1D-4808-8541-9BEA5B6B1E0B}" type="datetime1">
               <a:rPr lang="de-DE" smtClean="0"/>
               <a:t>08.05.2023</a:t>
             </a:fld>
@@ -3078,7 +3493,7 @@
           <a:p>
             <a:fld id="{978F724D-8C6F-42B5-AA71-1C7F80E824C8}" type="slidenum">
               <a:rPr lang="de-DE" smtClean="0"/>
-              <a:t>‹Nr.›</a:t>
+              <a:t>‹#›</a:t>
             </a:fld>
             <a:endParaRPr lang="de-DE"/>
           </a:p>
@@ -3105,6 +3520,7 @@
     <p:sldLayoutId id="2147483658" r:id="rId10"/>
     <p:sldLayoutId id="2147483659" r:id="rId11"/>
   </p:sldLayoutIdLst>
+  <p:hf hdr="0" ftr="0" dt="0"/>
   <p:txStyles>
     <p:titleStyle>
       <a:lvl1pPr algn="l" defTabSz="914400" rtl="0" eaLnBrk="1" latinLnBrk="0" hangingPunct="1">
@@ -3585,10 +4001,211 @@
           </a:prstGeom>
         </p:spPr>
       </p:pic>
+      <p:sp>
+        <p:nvSpPr>
+          <p:cNvPr id="2" name="Slide Number Placeholder 1">
+            <a:extLst>
+              <a:ext uri="{FF2B5EF4-FFF2-40B4-BE49-F238E27FC236}">
+                <a16:creationId xmlns:a16="http://schemas.microsoft.com/office/drawing/2014/main" id="{B47EDB56-4280-9983-85AF-6CB7EA48D105}"/>
+              </a:ext>
+            </a:extLst>
+          </p:cNvPr>
+          <p:cNvSpPr>
+            <a:spLocks noGrp="1"/>
+          </p:cNvSpPr>
+          <p:nvPr>
+            <p:ph type="sldNum" sz="quarter" idx="12"/>
+          </p:nvPr>
+        </p:nvSpPr>
+        <p:spPr/>
+        <p:txBody>
+          <a:bodyPr/>
+          <a:lstStyle/>
+          <a:p>
+            <a:fld id="{978F724D-8C6F-42B5-AA71-1C7F80E824C8}" type="slidenum">
+              <a:rPr lang="de-DE" smtClean="0"/>
+              <a:t>1</a:t>
+            </a:fld>
+            <a:endParaRPr lang="de-DE"/>
+          </a:p>
+        </p:txBody>
+      </p:sp>
     </p:spTree>
     <p:extLst>
       <p:ext uri="{BB962C8B-B14F-4D97-AF65-F5344CB8AC3E}">
         <p14:creationId xmlns:p14="http://schemas.microsoft.com/office/powerpoint/2010/main" val="813583786"/>
+      </p:ext>
+    </p:extLst>
+  </p:cSld>
+  <p:clrMapOvr>
+    <a:masterClrMapping/>
+  </p:clrMapOvr>
+</p:sld>
+</file>
+
+<file path=ppt/slides/slide10.xml><?xml version="1.0" encoding="utf-8"?>
+<p:sld xmlns:a="http://schemas.openxmlformats.org/drawingml/2006/main" xmlns:r="http://schemas.openxmlformats.org/officeDocument/2006/relationships" xmlns:p="http://schemas.openxmlformats.org/presentationml/2006/main">
+  <p:cSld>
+    <p:spTree>
+      <p:nvGrpSpPr>
+        <p:cNvPr id="1" name=""/>
+        <p:cNvGrpSpPr/>
+        <p:nvPr/>
+      </p:nvGrpSpPr>
+      <p:grpSpPr>
+        <a:xfrm>
+          <a:off x="0" y="0"/>
+          <a:ext cx="0" cy="0"/>
+          <a:chOff x="0" y="0"/>
+          <a:chExt cx="0" cy="0"/>
+        </a:xfrm>
+      </p:grpSpPr>
+      <p:sp>
+        <p:nvSpPr>
+          <p:cNvPr id="2" name="Title 1">
+            <a:extLst>
+              <a:ext uri="{FF2B5EF4-FFF2-40B4-BE49-F238E27FC236}">
+                <a16:creationId xmlns:a16="http://schemas.microsoft.com/office/drawing/2014/main" id="{B77629A8-796B-EB33-A02B-3E3A5790B259}"/>
+              </a:ext>
+            </a:extLst>
+          </p:cNvPr>
+          <p:cNvSpPr>
+            <a:spLocks noGrp="1"/>
+          </p:cNvSpPr>
+          <p:nvPr>
+            <p:ph type="title"/>
+          </p:nvPr>
+        </p:nvSpPr>
+        <p:spPr/>
+        <p:txBody>
+          <a:bodyPr/>
+          <a:lstStyle/>
+          <a:p>
+            <a:r>
+              <a:rPr lang="en-GB" dirty="0"/>
+              <a:t>For the coder – idea of calculating the induction matrices</a:t>
+            </a:r>
+          </a:p>
+        </p:txBody>
+      </p:sp>
+      <p:sp>
+        <p:nvSpPr>
+          <p:cNvPr id="3" name="Content Placeholder 2">
+            <a:extLst>
+              <a:ext uri="{FF2B5EF4-FFF2-40B4-BE49-F238E27FC236}">
+                <a16:creationId xmlns:a16="http://schemas.microsoft.com/office/drawing/2014/main" id="{8DA9F95E-75AC-9158-4A39-575624B8C5E0}"/>
+              </a:ext>
+            </a:extLst>
+          </p:cNvPr>
+          <p:cNvSpPr>
+            <a:spLocks noGrp="1"/>
+          </p:cNvSpPr>
+          <p:nvPr>
+            <p:ph idx="1"/>
+          </p:nvPr>
+        </p:nvSpPr>
+        <p:spPr/>
+        <p:txBody>
+          <a:bodyPr>
+            <a:normAutofit/>
+          </a:bodyPr>
+          <a:lstStyle/>
+          <a:p>
+            <a:pPr marL="0" indent="0">
+              <a:buNone/>
+            </a:pPr>
+            <a:r>
+              <a:rPr lang="en-GB" sz="2400" dirty="0"/>
+              <a:t>This one is simpler. The methods </a:t>
+            </a:r>
+            <a:r>
+              <a:rPr lang="en-GB" sz="2400" dirty="0" err="1"/>
+              <a:t>trailing_induction_matrices</a:t>
+            </a:r>
+            <a:r>
+              <a:rPr lang="en-GB" sz="2400" dirty="0"/>
+              <a:t>() and </a:t>
+            </a:r>
+            <a:r>
+              <a:rPr lang="en-GB" sz="2400" dirty="0" err="1"/>
+              <a:t>bound_induction_matrices</a:t>
+            </a:r>
+            <a:r>
+              <a:rPr lang="en-GB" sz="2400" dirty="0"/>
+              <a:t>() work like this:</a:t>
+            </a:r>
+          </a:p>
+          <a:p>
+            <a:pPr marL="514350" indent="-514350">
+              <a:buAutoNum type="arabicPeriod"/>
+            </a:pPr>
+            <a:r>
+              <a:rPr lang="en-GB" sz="2400" dirty="0"/>
+              <a:t>Loop over the vortex system of each blade</a:t>
+            </a:r>
+          </a:p>
+          <a:p>
+            <a:pPr marL="457200" lvl="1" indent="0">
+              <a:buNone/>
+            </a:pPr>
+            <a:r>
+              <a:rPr lang="en-GB" dirty="0"/>
+              <a:t>2.   Loop over all control points</a:t>
+            </a:r>
+          </a:p>
+          <a:p>
+            <a:pPr marL="457200" lvl="1" indent="0">
+              <a:buNone/>
+            </a:pPr>
+            <a:r>
+              <a:rPr lang="en-GB" dirty="0"/>
+              <a:t>	3.   Loop over the vortex filaments of the current vortex system</a:t>
+            </a:r>
+          </a:p>
+          <a:p>
+            <a:pPr marL="457200" lvl="1" indent="0">
+              <a:buNone/>
+            </a:pPr>
+            <a:r>
+              <a:rPr lang="en-GB" dirty="0"/>
+              <a:t>	      4.   Calculate the vortex induction factor</a:t>
+            </a:r>
+          </a:p>
+        </p:txBody>
+      </p:sp>
+      <p:sp>
+        <p:nvSpPr>
+          <p:cNvPr id="4" name="Slide Number Placeholder 3">
+            <a:extLst>
+              <a:ext uri="{FF2B5EF4-FFF2-40B4-BE49-F238E27FC236}">
+                <a16:creationId xmlns:a16="http://schemas.microsoft.com/office/drawing/2014/main" id="{568EC5D6-1798-F32D-2665-9A0242B7E90F}"/>
+              </a:ext>
+            </a:extLst>
+          </p:cNvPr>
+          <p:cNvSpPr>
+            <a:spLocks noGrp="1"/>
+          </p:cNvSpPr>
+          <p:nvPr>
+            <p:ph type="sldNum" sz="quarter" idx="12"/>
+          </p:nvPr>
+        </p:nvSpPr>
+        <p:spPr/>
+        <p:txBody>
+          <a:bodyPr/>
+          <a:lstStyle/>
+          <a:p>
+            <a:fld id="{978F724D-8C6F-42B5-AA71-1C7F80E824C8}" type="slidenum">
+              <a:rPr lang="de-DE" smtClean="0"/>
+              <a:t>10</a:t>
+            </a:fld>
+            <a:endParaRPr lang="de-DE"/>
+          </a:p>
+        </p:txBody>
+      </p:sp>
+    </p:spTree>
+    <p:extLst>
+      <p:ext uri="{BB962C8B-B14F-4D97-AF65-F5344CB8AC3E}">
+        <p14:creationId xmlns:p14="http://schemas.microsoft.com/office/powerpoint/2010/main" val="2411467455"/>
       </p:ext>
     </p:extLst>
   </p:cSld>
@@ -3729,7 +4346,7 @@
             </a:pPr>
             <a:r>
               <a:rPr lang="en-GB" dirty="0"/>
-              <a:t>Visualise the vortex system</a:t>
+              <a:t>Visualise the vortex system and control points</a:t>
             </a:r>
           </a:p>
           <a:p>
@@ -3758,8 +4375,8 @@
         </p:nvSpPr>
         <p:spPr>
           <a:xfrm>
-            <a:off x="8427493" y="3022979"/>
-            <a:ext cx="3052823" cy="369332"/>
+            <a:off x="8145785" y="4815169"/>
+            <a:ext cx="3930115" cy="646331"/>
           </a:xfrm>
           <a:prstGeom prst="rect">
             <a:avLst/>
@@ -3774,12 +4391,85 @@
           <a:p>
             <a:r>
               <a:rPr lang="en-GB" dirty="0"/>
-              <a:t>Insert picture of wing use here</a:t>
+              <a:t>Using </a:t>
+            </a:r>
+            <a:r>
+              <a:rPr lang="en-GB" dirty="0" err="1"/>
+              <a:t>VortexSystem</a:t>
+            </a:r>
+            <a:r>
+              <a:rPr lang="en-GB" dirty="0"/>
+              <a:t> for a flat plate. </a:t>
+            </a:r>
+          </a:p>
+          <a:p>
+            <a:r>
+              <a:rPr lang="en-GB" dirty="0"/>
+              <a:t>Blue: vortices, black dots: control points</a:t>
             </a:r>
             <a:endParaRPr lang="de-DE" dirty="0"/>
           </a:p>
         </p:txBody>
       </p:sp>
+      <p:sp>
+        <p:nvSpPr>
+          <p:cNvPr id="2" name="Slide Number Placeholder 1">
+            <a:extLst>
+              <a:ext uri="{FF2B5EF4-FFF2-40B4-BE49-F238E27FC236}">
+                <a16:creationId xmlns:a16="http://schemas.microsoft.com/office/drawing/2014/main" id="{EF3DC989-741F-5627-37ED-12935FFD04A2}"/>
+              </a:ext>
+            </a:extLst>
+          </p:cNvPr>
+          <p:cNvSpPr>
+            <a:spLocks noGrp="1"/>
+          </p:cNvSpPr>
+          <p:nvPr>
+            <p:ph type="sldNum" sz="quarter" idx="12"/>
+          </p:nvPr>
+        </p:nvSpPr>
+        <p:spPr/>
+        <p:txBody>
+          <a:bodyPr/>
+          <a:lstStyle/>
+          <a:p>
+            <a:fld id="{978F724D-8C6F-42B5-AA71-1C7F80E824C8}" type="slidenum">
+              <a:rPr lang="de-DE" smtClean="0"/>
+              <a:t>2</a:t>
+            </a:fld>
+            <a:endParaRPr lang="de-DE"/>
+          </a:p>
+        </p:txBody>
+      </p:sp>
+      <p:pic>
+        <p:nvPicPr>
+          <p:cNvPr id="4" name="Picture 3">
+            <a:extLst>
+              <a:ext uri="{FF2B5EF4-FFF2-40B4-BE49-F238E27FC236}">
+                <a16:creationId xmlns:a16="http://schemas.microsoft.com/office/drawing/2014/main" id="{6F4F3A02-A752-E9A0-A5BC-D128C3EB18DC}"/>
+              </a:ext>
+            </a:extLst>
+          </p:cNvPr>
+          <p:cNvPicPr>
+            <a:picLocks noChangeAspect="1"/>
+          </p:cNvPicPr>
+          <p:nvPr/>
+        </p:nvPicPr>
+        <p:blipFill>
+          <a:blip r:embed="rId2"/>
+          <a:stretch>
+            <a:fillRect/>
+          </a:stretch>
+        </p:blipFill>
+        <p:spPr>
+          <a:xfrm>
+            <a:off x="7359074" y="759735"/>
+            <a:ext cx="4641272" cy="4110098"/>
+          </a:xfrm>
+          <a:prstGeom prst="rect">
+            <a:avLst/>
+          </a:prstGeom>
+        </p:spPr>
+      </p:pic>
     </p:spTree>
     <p:extLst>
       <p:ext uri="{BB962C8B-B14F-4D97-AF65-F5344CB8AC3E}">
@@ -4132,9 +4822,38 @@
             </a:br>
             <a:r>
               <a:rPr lang="en-GB" dirty="0"/>
-              <a:t>The circulation values for each bound vortex. From those, the circulation for the trailing vortices can be calculated. Additionally, control points have to be given for which the induced velocities will be calculated.</a:t>
+              <a:t>Blade geometry, rotor properties, and control points for which the induced velocities will be calculated.</a:t>
             </a:r>
             <a:endParaRPr lang="en-GB" b="1" dirty="0"/>
+          </a:p>
+        </p:txBody>
+      </p:sp>
+      <p:sp>
+        <p:nvSpPr>
+          <p:cNvPr id="4" name="Slide Number Placeholder 3">
+            <a:extLst>
+              <a:ext uri="{FF2B5EF4-FFF2-40B4-BE49-F238E27FC236}">
+                <a16:creationId xmlns:a16="http://schemas.microsoft.com/office/drawing/2014/main" id="{8F559D44-BD20-1600-B8E4-2066BEACDA66}"/>
+              </a:ext>
+            </a:extLst>
+          </p:cNvPr>
+          <p:cNvSpPr>
+            <a:spLocks noGrp="1"/>
+          </p:cNvSpPr>
+          <p:nvPr>
+            <p:ph type="sldNum" sz="quarter" idx="12"/>
+          </p:nvPr>
+        </p:nvSpPr>
+        <p:spPr/>
+        <p:txBody>
+          <a:bodyPr/>
+          <a:lstStyle/>
+          <a:p>
+            <a:fld id="{978F724D-8C6F-42B5-AA71-1C7F80E824C8}" type="slidenum">
+              <a:rPr lang="de-DE" smtClean="0"/>
+              <a:t>3</a:t>
+            </a:fld>
+            <a:endParaRPr lang="de-DE"/>
           </a:p>
         </p:txBody>
       </p:sp>
@@ -4846,6 +5565,35 @@
               <a:buNone/>
             </a:pPr>
             <a:endParaRPr lang="en-GB" dirty="0"/>
+          </a:p>
+        </p:txBody>
+      </p:sp>
+      <p:sp>
+        <p:nvSpPr>
+          <p:cNvPr id="4" name="Slide Number Placeholder 3">
+            <a:extLst>
+              <a:ext uri="{FF2B5EF4-FFF2-40B4-BE49-F238E27FC236}">
+                <a16:creationId xmlns:a16="http://schemas.microsoft.com/office/drawing/2014/main" id="{FDBA2C28-B51F-9302-32B4-B1C54001AB79}"/>
+              </a:ext>
+            </a:extLst>
+          </p:cNvPr>
+          <p:cNvSpPr>
+            <a:spLocks noGrp="1"/>
+          </p:cNvSpPr>
+          <p:nvPr>
+            <p:ph type="sldNum" sz="quarter" idx="12"/>
+          </p:nvPr>
+        </p:nvSpPr>
+        <p:spPr/>
+        <p:txBody>
+          <a:bodyPr/>
+          <a:lstStyle/>
+          <a:p>
+            <a:fld id="{978F724D-8C6F-42B5-AA71-1C7F80E824C8}" type="slidenum">
+              <a:rPr lang="de-DE" smtClean="0"/>
+              <a:t>4</a:t>
+            </a:fld>
+            <a:endParaRPr lang="de-DE"/>
           </a:p>
         </p:txBody>
       </p:sp>
@@ -5456,6 +6204,35 @@
           </a:graphicData>
         </a:graphic>
       </p:graphicFrame>
+      <p:sp>
+        <p:nvSpPr>
+          <p:cNvPr id="3" name="Slide Number Placeholder 2">
+            <a:extLst>
+              <a:ext uri="{FF2B5EF4-FFF2-40B4-BE49-F238E27FC236}">
+                <a16:creationId xmlns:a16="http://schemas.microsoft.com/office/drawing/2014/main" id="{77291774-1A00-8432-0ED5-460C20BB0E0B}"/>
+              </a:ext>
+            </a:extLst>
+          </p:cNvPr>
+          <p:cNvSpPr>
+            <a:spLocks noGrp="1"/>
+          </p:cNvSpPr>
+          <p:nvPr>
+            <p:ph type="sldNum" sz="quarter" idx="12"/>
+          </p:nvPr>
+        </p:nvSpPr>
+        <p:spPr/>
+        <p:txBody>
+          <a:bodyPr/>
+          <a:lstStyle/>
+          <a:p>
+            <a:fld id="{978F724D-8C6F-42B5-AA71-1C7F80E824C8}" type="slidenum">
+              <a:rPr lang="de-DE" smtClean="0"/>
+              <a:t>5</a:t>
+            </a:fld>
+            <a:endParaRPr lang="de-DE"/>
+          </a:p>
+        </p:txBody>
+      </p:sp>
     </p:spTree>
     <p:extLst>
       <p:ext uri="{BB962C8B-B14F-4D97-AF65-F5344CB8AC3E}">
@@ -5486,8 +6263,8 @@
           <a:chExt cx="0" cy="0"/>
         </a:xfrm>
       </p:grpSpPr>
-      <mc:AlternateContent xmlns:mc="http://schemas.openxmlformats.org/markup-compatibility/2006">
-        <mc:Choice xmlns:p14="http://schemas.microsoft.com/office/powerpoint/2010/main" Requires="p14">
+      <mc:AlternateContent xmlns:mc="http://schemas.openxmlformats.org/markup-compatibility/2006" xmlns:p14="http://schemas.microsoft.com/office/powerpoint/2010/main">
+        <mc:Choice Requires="p14">
           <p:contentPart p14:bwMode="auto" r:id="rId2">
             <p14:nvContentPartPr>
               <p14:cNvPr id="4" name="Freihand 3">
@@ -5506,7 +6283,7 @@
             </p14:xfrm>
           </p:contentPart>
         </mc:Choice>
-        <mc:Fallback>
+        <mc:Fallback xmlns="">
           <p:pic>
             <p:nvPicPr>
               <p:cNvPr id="4" name="Freihand 3">
@@ -5971,10 +6748,5873 @@
           </a:p>
         </p:txBody>
       </p:sp>
+      <mc:AlternateContent xmlns:mc="http://schemas.openxmlformats.org/markup-compatibility/2006">
+        <mc:Choice xmlns:p14="http://schemas.microsoft.com/office/powerpoint/2010/main" Requires="p14">
+          <p:contentPart p14:bwMode="auto" r:id="rId4">
+            <p14:nvContentPartPr>
+              <p14:cNvPr id="2" name="Ink 1">
+                <a:extLst>
+                  <a:ext uri="{FF2B5EF4-FFF2-40B4-BE49-F238E27FC236}">
+                    <a16:creationId xmlns:a16="http://schemas.microsoft.com/office/drawing/2014/main" id="{DEC415E0-C541-1ACC-2482-AED4B97B30A9}"/>
+                  </a:ext>
+                </a:extLst>
+              </p14:cNvPr>
+              <p14:cNvContentPartPr/>
+              <p14:nvPr/>
+            </p14:nvContentPartPr>
+            <p14:xfrm rot="16200000">
+              <a:off x="911976" y="3394614"/>
+              <a:ext cx="1943052" cy="2074081"/>
+            </p14:xfrm>
+          </p:contentPart>
+        </mc:Choice>
+        <mc:Fallback>
+          <p:pic>
+            <p:nvPicPr>
+              <p:cNvPr id="2" name="Ink 1">
+                <a:extLst>
+                  <a:ext uri="{FF2B5EF4-FFF2-40B4-BE49-F238E27FC236}">
+                    <a16:creationId xmlns:a16="http://schemas.microsoft.com/office/drawing/2014/main" id="{DEC415E0-C541-1ACC-2482-AED4B97B30A9}"/>
+                  </a:ext>
+                </a:extLst>
+              </p:cNvPr>
+              <p:cNvPicPr/>
+              <p:nvPr/>
+            </p:nvPicPr>
+            <p:blipFill>
+              <a:blip r:embed="rId5"/>
+              <a:stretch>
+                <a:fillRect/>
+              </a:stretch>
+            </p:blipFill>
+            <p:spPr>
+              <a:xfrm rot="16200000">
+                <a:off x="905854" y="3388492"/>
+                <a:ext cx="1955295" cy="2086326"/>
+              </a:xfrm>
+              <a:prstGeom prst="rect">
+                <a:avLst/>
+              </a:prstGeom>
+            </p:spPr>
+          </p:pic>
+        </mc:Fallback>
+      </mc:AlternateContent>
+      <p:sp>
+        <p:nvSpPr>
+          <p:cNvPr id="3" name="Textfeld 4">
+            <a:extLst>
+              <a:ext uri="{FF2B5EF4-FFF2-40B4-BE49-F238E27FC236}">
+                <a16:creationId xmlns:a16="http://schemas.microsoft.com/office/drawing/2014/main" id="{AEAB5025-E6A7-1CD9-B9F6-7F116361C092}"/>
+              </a:ext>
+            </a:extLst>
+          </p:cNvPr>
+          <p:cNvSpPr txBox="1"/>
+          <p:nvPr/>
+        </p:nvSpPr>
+        <p:spPr>
+          <a:xfrm>
+            <a:off x="2920542" y="3244334"/>
+            <a:ext cx="301686" cy="369332"/>
+          </a:xfrm>
+          <a:prstGeom prst="rect">
+            <a:avLst/>
+          </a:prstGeom>
+          <a:noFill/>
+        </p:spPr>
+        <p:txBody>
+          <a:bodyPr wrap="none" rtlCol="0">
+            <a:spAutoFit/>
+          </a:bodyPr>
+          <a:lstStyle/>
+          <a:p>
+            <a:r>
+              <a:rPr lang="en-GB" dirty="0"/>
+              <a:t>1</a:t>
+            </a:r>
+            <a:endParaRPr lang="de-DE" dirty="0"/>
+          </a:p>
+        </p:txBody>
+      </p:sp>
+      <p:sp>
+        <p:nvSpPr>
+          <p:cNvPr id="6" name="Textfeld 6">
+            <a:extLst>
+              <a:ext uri="{FF2B5EF4-FFF2-40B4-BE49-F238E27FC236}">
+                <a16:creationId xmlns:a16="http://schemas.microsoft.com/office/drawing/2014/main" id="{BF86F526-45C0-1533-650E-5BF5B73F43CE}"/>
+              </a:ext>
+            </a:extLst>
+          </p:cNvPr>
+          <p:cNvSpPr txBox="1"/>
+          <p:nvPr/>
+        </p:nvSpPr>
+        <p:spPr>
+          <a:xfrm>
+            <a:off x="518023" y="5218515"/>
+            <a:ext cx="301686" cy="369332"/>
+          </a:xfrm>
+          <a:prstGeom prst="rect">
+            <a:avLst/>
+          </a:prstGeom>
+          <a:noFill/>
+        </p:spPr>
+        <p:txBody>
+          <a:bodyPr wrap="none" rtlCol="0">
+            <a:spAutoFit/>
+          </a:bodyPr>
+          <a:lstStyle/>
+          <a:p>
+            <a:r>
+              <a:rPr lang="en-GB" dirty="0"/>
+              <a:t>2</a:t>
+            </a:r>
+            <a:endParaRPr lang="de-DE" dirty="0"/>
+          </a:p>
+        </p:txBody>
+      </p:sp>
+      <p:sp>
+        <p:nvSpPr>
+          <p:cNvPr id="13" name="Oval 12">
+            <a:extLst>
+              <a:ext uri="{FF2B5EF4-FFF2-40B4-BE49-F238E27FC236}">
+                <a16:creationId xmlns:a16="http://schemas.microsoft.com/office/drawing/2014/main" id="{8805F14C-7F1D-3AAD-C9E6-804262C8FC71}"/>
+              </a:ext>
+            </a:extLst>
+          </p:cNvPr>
+          <p:cNvSpPr>
+            <a:spLocks noChangeAspect="1"/>
+          </p:cNvSpPr>
+          <p:nvPr/>
+        </p:nvSpPr>
+        <p:spPr>
+          <a:xfrm>
+            <a:off x="2782773" y="5278581"/>
+            <a:ext cx="180000" cy="180000"/>
+          </a:xfrm>
+          <a:prstGeom prst="ellipse">
+            <a:avLst/>
+          </a:prstGeom>
+          <a:solidFill>
+            <a:schemeClr val="tx1"/>
+          </a:solidFill>
+          <a:ln>
+            <a:solidFill>
+              <a:schemeClr val="tx1"/>
+            </a:solidFill>
+          </a:ln>
+        </p:spPr>
+        <p:style>
+          <a:lnRef idx="2">
+            <a:schemeClr val="accent1">
+              <a:shade val="50000"/>
+            </a:schemeClr>
+          </a:lnRef>
+          <a:fillRef idx="1">
+            <a:schemeClr val="accent1"/>
+          </a:fillRef>
+          <a:effectRef idx="0">
+            <a:schemeClr val="accent1"/>
+          </a:effectRef>
+          <a:fontRef idx="minor">
+            <a:schemeClr val="lt1"/>
+          </a:fontRef>
+        </p:style>
+        <p:txBody>
+          <a:bodyPr rtlCol="0" anchor="ctr"/>
+          <a:lstStyle/>
+          <a:p>
+            <a:pPr algn="ctr"/>
+            <a:endParaRPr lang="en-GB"/>
+          </a:p>
+        </p:txBody>
+      </p:sp>
+      <p:sp>
+        <p:nvSpPr>
+          <p:cNvPr id="15" name="Textfeld 7">
+            <a:extLst>
+              <a:ext uri="{FF2B5EF4-FFF2-40B4-BE49-F238E27FC236}">
+                <a16:creationId xmlns:a16="http://schemas.microsoft.com/office/drawing/2014/main" id="{D3845019-ED29-F027-985C-0B4836D56D5E}"/>
+              </a:ext>
+            </a:extLst>
+          </p:cNvPr>
+          <p:cNvSpPr txBox="1"/>
+          <p:nvPr/>
+        </p:nvSpPr>
+        <p:spPr>
+          <a:xfrm>
+            <a:off x="2882356" y="5039322"/>
+            <a:ext cx="301686" cy="369332"/>
+          </a:xfrm>
+          <a:prstGeom prst="rect">
+            <a:avLst/>
+          </a:prstGeom>
+          <a:noFill/>
+        </p:spPr>
+        <p:txBody>
+          <a:bodyPr wrap="none" rtlCol="0">
+            <a:spAutoFit/>
+          </a:bodyPr>
+          <a:lstStyle/>
+          <a:p>
+            <a:r>
+              <a:rPr lang="en-GB" dirty="0"/>
+              <a:t>3</a:t>
+            </a:r>
+            <a:endParaRPr lang="de-DE" dirty="0"/>
+          </a:p>
+        </p:txBody>
+      </p:sp>
+      <p:sp>
+        <p:nvSpPr>
+          <p:cNvPr id="19" name="Block Arc 18">
+            <a:extLst>
+              <a:ext uri="{FF2B5EF4-FFF2-40B4-BE49-F238E27FC236}">
+                <a16:creationId xmlns:a16="http://schemas.microsoft.com/office/drawing/2014/main" id="{706FEB81-4792-7EB7-C12D-BD1798CA9722}"/>
+              </a:ext>
+            </a:extLst>
+          </p:cNvPr>
+          <p:cNvSpPr/>
+          <p:nvPr/>
+        </p:nvSpPr>
+        <p:spPr>
+          <a:xfrm flipH="1" flipV="1">
+            <a:off x="1108502" y="4891175"/>
+            <a:ext cx="923637" cy="954811"/>
+          </a:xfrm>
+          <a:prstGeom prst="blockArc">
+            <a:avLst>
+              <a:gd name="adj1" fmla="val 18525036"/>
+              <a:gd name="adj2" fmla="val 21421117"/>
+              <a:gd name="adj3" fmla="val 1935"/>
+            </a:avLst>
+          </a:prstGeom>
+          <a:solidFill>
+            <a:schemeClr val="tx1"/>
+          </a:solidFill>
+          <a:ln>
+            <a:solidFill>
+              <a:schemeClr val="tx1"/>
+            </a:solidFill>
+          </a:ln>
+        </p:spPr>
+        <p:style>
+          <a:lnRef idx="2">
+            <a:schemeClr val="accent1">
+              <a:shade val="50000"/>
+            </a:schemeClr>
+          </a:lnRef>
+          <a:fillRef idx="1">
+            <a:schemeClr val="accent1"/>
+          </a:fillRef>
+          <a:effectRef idx="0">
+            <a:schemeClr val="accent1"/>
+          </a:effectRef>
+          <a:fontRef idx="minor">
+            <a:schemeClr val="lt1"/>
+          </a:fontRef>
+        </p:style>
+        <p:txBody>
+          <a:bodyPr rtlCol="0" anchor="ctr"/>
+          <a:lstStyle/>
+          <a:p>
+            <a:pPr algn="ctr"/>
+            <a:endParaRPr lang="en-GB">
+              <a:solidFill>
+                <a:schemeClr val="tx1"/>
+              </a:solidFill>
+            </a:endParaRPr>
+          </a:p>
+        </p:txBody>
+      </p:sp>
+      <p:sp>
+        <p:nvSpPr>
+          <p:cNvPr id="20" name="Half Frame 19">
+            <a:extLst>
+              <a:ext uri="{FF2B5EF4-FFF2-40B4-BE49-F238E27FC236}">
+                <a16:creationId xmlns:a16="http://schemas.microsoft.com/office/drawing/2014/main" id="{87165B03-4A5F-5333-2072-CA9EFACDCF35}"/>
+              </a:ext>
+            </a:extLst>
+          </p:cNvPr>
+          <p:cNvSpPr>
+            <a:spLocks noChangeAspect="1"/>
+          </p:cNvSpPr>
+          <p:nvPr/>
+        </p:nvSpPr>
+        <p:spPr>
+          <a:xfrm rot="11070600">
+            <a:off x="1188659" y="5623577"/>
+            <a:ext cx="121860" cy="121860"/>
+          </a:xfrm>
+          <a:prstGeom prst="halfFrame">
+            <a:avLst>
+              <a:gd name="adj1" fmla="val 9707"/>
+              <a:gd name="adj2" fmla="val 9503"/>
+            </a:avLst>
+          </a:prstGeom>
+          <a:solidFill>
+            <a:schemeClr val="tx1"/>
+          </a:solidFill>
+          <a:ln>
+            <a:solidFill>
+              <a:schemeClr val="tx1"/>
+            </a:solidFill>
+          </a:ln>
+        </p:spPr>
+        <p:style>
+          <a:lnRef idx="2">
+            <a:schemeClr val="accent1">
+              <a:shade val="50000"/>
+            </a:schemeClr>
+          </a:lnRef>
+          <a:fillRef idx="1">
+            <a:schemeClr val="accent1"/>
+          </a:fillRef>
+          <a:effectRef idx="0">
+            <a:schemeClr val="accent1"/>
+          </a:effectRef>
+          <a:fontRef idx="minor">
+            <a:schemeClr val="lt1"/>
+          </a:fontRef>
+        </p:style>
+        <p:txBody>
+          <a:bodyPr rtlCol="0" anchor="ctr"/>
+          <a:lstStyle/>
+          <a:p>
+            <a:pPr algn="ctr"/>
+            <a:endParaRPr lang="en-GB">
+              <a:solidFill>
+                <a:schemeClr val="tx1"/>
+              </a:solidFill>
+            </a:endParaRPr>
+          </a:p>
+        </p:txBody>
+      </p:sp>
+      <p:sp>
+        <p:nvSpPr>
+          <p:cNvPr id="21" name="TextBox 20">
+            <a:extLst>
+              <a:ext uri="{FF2B5EF4-FFF2-40B4-BE49-F238E27FC236}">
+                <a16:creationId xmlns:a16="http://schemas.microsoft.com/office/drawing/2014/main" id="{6BE0A812-8C02-0959-FE61-920BC566DB4D}"/>
+              </a:ext>
+            </a:extLst>
+          </p:cNvPr>
+          <p:cNvSpPr txBox="1"/>
+          <p:nvPr/>
+        </p:nvSpPr>
+        <p:spPr>
+          <a:xfrm>
+            <a:off x="946866" y="5692446"/>
+            <a:ext cx="1577035" cy="369332"/>
+          </a:xfrm>
+          <a:prstGeom prst="rect">
+            <a:avLst/>
+          </a:prstGeom>
+          <a:noFill/>
+        </p:spPr>
+        <p:txBody>
+          <a:bodyPr wrap="none" rtlCol="0">
+            <a:spAutoFit/>
+          </a:bodyPr>
+          <a:lstStyle/>
+          <a:p>
+            <a:r>
+              <a:rPr lang="en-GB" dirty="0" err="1"/>
+              <a:t>blade_rotation</a:t>
+            </a:r>
+            <a:endParaRPr lang="en-GB" dirty="0"/>
+          </a:p>
+        </p:txBody>
+      </p:sp>
+      <p:cxnSp>
+        <p:nvCxnSpPr>
+          <p:cNvPr id="23" name="Straight Connector 22">
+            <a:extLst>
+              <a:ext uri="{FF2B5EF4-FFF2-40B4-BE49-F238E27FC236}">
+                <a16:creationId xmlns:a16="http://schemas.microsoft.com/office/drawing/2014/main" id="{BDCBBB68-869E-2236-4B39-ED48CEB603A1}"/>
+              </a:ext>
+            </a:extLst>
+          </p:cNvPr>
+          <p:cNvCxnSpPr>
+            <a:cxnSpLocks/>
+          </p:cNvCxnSpPr>
+          <p:nvPr/>
+        </p:nvCxnSpPr>
+        <p:spPr>
+          <a:xfrm flipH="1" flipV="1">
+            <a:off x="1599637" y="4440902"/>
+            <a:ext cx="1240489" cy="900545"/>
+          </a:xfrm>
+          <a:prstGeom prst="line">
+            <a:avLst/>
+          </a:prstGeom>
+          <a:ln w="28575">
+            <a:solidFill>
+              <a:schemeClr val="tx1"/>
+            </a:solidFill>
+          </a:ln>
+        </p:spPr>
+        <p:style>
+          <a:lnRef idx="1">
+            <a:schemeClr val="accent1"/>
+          </a:lnRef>
+          <a:fillRef idx="0">
+            <a:schemeClr val="accent1"/>
+          </a:fillRef>
+          <a:effectRef idx="0">
+            <a:schemeClr val="accent1"/>
+          </a:effectRef>
+          <a:fontRef idx="minor">
+            <a:schemeClr val="tx1"/>
+          </a:fontRef>
+        </p:style>
+      </p:cxnSp>
+      <p:sp>
+        <p:nvSpPr>
+          <p:cNvPr id="25" name="TextBox 24">
+            <a:extLst>
+              <a:ext uri="{FF2B5EF4-FFF2-40B4-BE49-F238E27FC236}">
+                <a16:creationId xmlns:a16="http://schemas.microsoft.com/office/drawing/2014/main" id="{38FFC16F-4D70-3EAB-1445-3ED027BAB152}"/>
+              </a:ext>
+            </a:extLst>
+          </p:cNvPr>
+          <p:cNvSpPr txBox="1"/>
+          <p:nvPr/>
+        </p:nvSpPr>
+        <p:spPr>
+          <a:xfrm>
+            <a:off x="1800374" y="4300441"/>
+            <a:ext cx="707245" cy="369332"/>
+          </a:xfrm>
+          <a:prstGeom prst="rect">
+            <a:avLst/>
+          </a:prstGeom>
+          <a:noFill/>
+        </p:spPr>
+        <p:txBody>
+          <a:bodyPr wrap="none" rtlCol="0">
+            <a:spAutoFit/>
+          </a:bodyPr>
+          <a:lstStyle/>
+          <a:p>
+            <a:r>
+              <a:rPr lang="en-GB" dirty="0"/>
+              <a:t>blade</a:t>
+            </a:r>
+          </a:p>
+        </p:txBody>
+      </p:sp>
+      <p:sp>
+        <p:nvSpPr>
+          <p:cNvPr id="26" name="TextBox 25">
+            <a:extLst>
+              <a:ext uri="{FF2B5EF4-FFF2-40B4-BE49-F238E27FC236}">
+                <a16:creationId xmlns:a16="http://schemas.microsoft.com/office/drawing/2014/main" id="{855EA6C7-4886-E09B-7D1B-457041757E5C}"/>
+              </a:ext>
+            </a:extLst>
+          </p:cNvPr>
+          <p:cNvSpPr txBox="1"/>
+          <p:nvPr/>
+        </p:nvSpPr>
+        <p:spPr>
+          <a:xfrm>
+            <a:off x="2966285" y="4003328"/>
+            <a:ext cx="3100785" cy="646331"/>
+          </a:xfrm>
+          <a:prstGeom prst="rect">
+            <a:avLst/>
+          </a:prstGeom>
+          <a:noFill/>
+        </p:spPr>
+        <p:txBody>
+          <a:bodyPr wrap="none" rtlCol="0">
+            <a:spAutoFit/>
+          </a:bodyPr>
+          <a:lstStyle/>
+          <a:p>
+            <a:r>
+              <a:rPr lang="en-GB" dirty="0"/>
+              <a:t>The blade is parallel to the </a:t>
+            </a:r>
+            <a:br>
+              <a:rPr lang="en-GB" dirty="0"/>
+            </a:br>
+            <a:r>
+              <a:rPr lang="en-GB" dirty="0"/>
+              <a:t>inflow for </a:t>
+            </a:r>
+            <a:r>
+              <a:rPr lang="en-GB" dirty="0" err="1"/>
+              <a:t>blade_rotation</a:t>
+            </a:r>
+            <a:r>
+              <a:rPr lang="en-GB" dirty="0"/>
+              <a:t>=-pi/2</a:t>
+            </a:r>
+          </a:p>
+        </p:txBody>
+      </p:sp>
+      <mc:AlternateContent xmlns:mc="http://schemas.openxmlformats.org/markup-compatibility/2006">
+        <mc:Choice xmlns:p14="http://schemas.microsoft.com/office/powerpoint/2010/main" Requires="p14">
+          <p:contentPart p14:bwMode="auto" r:id="rId6">
+            <p14:nvContentPartPr>
+              <p14:cNvPr id="27" name="Ink 26">
+                <a:extLst>
+                  <a:ext uri="{FF2B5EF4-FFF2-40B4-BE49-F238E27FC236}">
+                    <a16:creationId xmlns:a16="http://schemas.microsoft.com/office/drawing/2014/main" id="{C3AD0417-7DCE-53EB-1EA7-B4AC33992B79}"/>
+                  </a:ext>
+                </a:extLst>
+              </p14:cNvPr>
+              <p14:cNvContentPartPr/>
+              <p14:nvPr/>
+            </p14:nvContentPartPr>
+            <p14:xfrm rot="16200000">
+              <a:off x="7540723" y="367565"/>
+              <a:ext cx="1943052" cy="2074081"/>
+            </p14:xfrm>
+          </p:contentPart>
+        </mc:Choice>
+        <mc:Fallback>
+          <p:pic>
+            <p:nvPicPr>
+              <p:cNvPr id="27" name="Ink 26">
+                <a:extLst>
+                  <a:ext uri="{FF2B5EF4-FFF2-40B4-BE49-F238E27FC236}">
+                    <a16:creationId xmlns:a16="http://schemas.microsoft.com/office/drawing/2014/main" id="{C3AD0417-7DCE-53EB-1EA7-B4AC33992B79}"/>
+                  </a:ext>
+                </a:extLst>
+              </p:cNvPr>
+              <p:cNvPicPr/>
+              <p:nvPr/>
+            </p:nvPicPr>
+            <p:blipFill>
+              <a:blip r:embed="rId5"/>
+              <a:stretch>
+                <a:fillRect/>
+              </a:stretch>
+            </p:blipFill>
+            <p:spPr>
+              <a:xfrm rot="16200000">
+                <a:off x="7534601" y="361443"/>
+                <a:ext cx="1955295" cy="2086326"/>
+              </a:xfrm>
+              <a:prstGeom prst="rect">
+                <a:avLst/>
+              </a:prstGeom>
+            </p:spPr>
+          </p:pic>
+        </mc:Fallback>
+      </mc:AlternateContent>
+      <p:sp>
+        <p:nvSpPr>
+          <p:cNvPr id="28" name="Multiplication Sign 27">
+            <a:extLst>
+              <a:ext uri="{FF2B5EF4-FFF2-40B4-BE49-F238E27FC236}">
+                <a16:creationId xmlns:a16="http://schemas.microsoft.com/office/drawing/2014/main" id="{02C40B61-3339-3B06-69D5-EC403D2D3207}"/>
+              </a:ext>
+            </a:extLst>
+          </p:cNvPr>
+          <p:cNvSpPr/>
+          <p:nvPr/>
+        </p:nvSpPr>
+        <p:spPr>
+          <a:xfrm>
+            <a:off x="9311655" y="2149095"/>
+            <a:ext cx="401782" cy="431739"/>
+          </a:xfrm>
+          <a:prstGeom prst="mathMultiply">
+            <a:avLst>
+              <a:gd name="adj1" fmla="val 4658"/>
+            </a:avLst>
+          </a:prstGeom>
+          <a:solidFill>
+            <a:schemeClr val="tx1"/>
+          </a:solidFill>
+          <a:ln>
+            <a:solidFill>
+              <a:schemeClr val="tx1"/>
+            </a:solidFill>
+          </a:ln>
+        </p:spPr>
+        <p:style>
+          <a:lnRef idx="2">
+            <a:schemeClr val="accent1">
+              <a:shade val="50000"/>
+            </a:schemeClr>
+          </a:lnRef>
+          <a:fillRef idx="1">
+            <a:schemeClr val="accent1"/>
+          </a:fillRef>
+          <a:effectRef idx="0">
+            <a:schemeClr val="accent1"/>
+          </a:effectRef>
+          <a:fontRef idx="minor">
+            <a:schemeClr val="lt1"/>
+          </a:fontRef>
+        </p:style>
+        <p:txBody>
+          <a:bodyPr rtlCol="0" anchor="ctr"/>
+          <a:lstStyle/>
+          <a:p>
+            <a:pPr algn="ctr"/>
+            <a:endParaRPr lang="en-GB" dirty="0"/>
+          </a:p>
+        </p:txBody>
+      </p:sp>
+      <p:sp>
+        <p:nvSpPr>
+          <p:cNvPr id="29" name="Textfeld 4">
+            <a:extLst>
+              <a:ext uri="{FF2B5EF4-FFF2-40B4-BE49-F238E27FC236}">
+                <a16:creationId xmlns:a16="http://schemas.microsoft.com/office/drawing/2014/main" id="{80A491A1-E6BA-A9F0-A482-61947242ED95}"/>
+              </a:ext>
+            </a:extLst>
+          </p:cNvPr>
+          <p:cNvSpPr txBox="1"/>
+          <p:nvPr/>
+        </p:nvSpPr>
+        <p:spPr>
+          <a:xfrm>
+            <a:off x="9549290" y="2149095"/>
+            <a:ext cx="301686" cy="369332"/>
+          </a:xfrm>
+          <a:prstGeom prst="rect">
+            <a:avLst/>
+          </a:prstGeom>
+          <a:noFill/>
+        </p:spPr>
+        <p:txBody>
+          <a:bodyPr wrap="none" rtlCol="0">
+            <a:spAutoFit/>
+          </a:bodyPr>
+          <a:lstStyle/>
+          <a:p>
+            <a:r>
+              <a:rPr lang="en-GB" dirty="0"/>
+              <a:t>1</a:t>
+            </a:r>
+            <a:endParaRPr lang="de-DE" dirty="0"/>
+          </a:p>
+        </p:txBody>
+      </p:sp>
+      <p:sp>
+        <p:nvSpPr>
+          <p:cNvPr id="30" name="Textfeld 7">
+            <a:extLst>
+              <a:ext uri="{FF2B5EF4-FFF2-40B4-BE49-F238E27FC236}">
+                <a16:creationId xmlns:a16="http://schemas.microsoft.com/office/drawing/2014/main" id="{BEFC83AD-9DFE-6165-C3D8-2C25D28B4F8E}"/>
+              </a:ext>
+            </a:extLst>
+          </p:cNvPr>
+          <p:cNvSpPr txBox="1"/>
+          <p:nvPr/>
+        </p:nvSpPr>
+        <p:spPr>
+          <a:xfrm>
+            <a:off x="9560078" y="217145"/>
+            <a:ext cx="301686" cy="369332"/>
+          </a:xfrm>
+          <a:prstGeom prst="rect">
+            <a:avLst/>
+          </a:prstGeom>
+          <a:noFill/>
+        </p:spPr>
+        <p:txBody>
+          <a:bodyPr wrap="none" rtlCol="0">
+            <a:spAutoFit/>
+          </a:bodyPr>
+          <a:lstStyle/>
+          <a:p>
+            <a:r>
+              <a:rPr lang="en-GB" dirty="0"/>
+              <a:t>3</a:t>
+            </a:r>
+            <a:endParaRPr lang="de-DE" dirty="0"/>
+          </a:p>
+        </p:txBody>
+      </p:sp>
+      <p:sp>
+        <p:nvSpPr>
+          <p:cNvPr id="31" name="Textfeld 6">
+            <a:extLst>
+              <a:ext uri="{FF2B5EF4-FFF2-40B4-BE49-F238E27FC236}">
+                <a16:creationId xmlns:a16="http://schemas.microsoft.com/office/drawing/2014/main" id="{78CCF555-8C25-FAAB-EB78-9FBED71D6FFB}"/>
+              </a:ext>
+            </a:extLst>
+          </p:cNvPr>
+          <p:cNvSpPr txBox="1"/>
+          <p:nvPr/>
+        </p:nvSpPr>
+        <p:spPr>
+          <a:xfrm>
+            <a:off x="7176924" y="2182291"/>
+            <a:ext cx="301686" cy="369332"/>
+          </a:xfrm>
+          <a:prstGeom prst="rect">
+            <a:avLst/>
+          </a:prstGeom>
+          <a:noFill/>
+        </p:spPr>
+        <p:txBody>
+          <a:bodyPr wrap="none" rtlCol="0">
+            <a:spAutoFit/>
+          </a:bodyPr>
+          <a:lstStyle/>
+          <a:p>
+            <a:r>
+              <a:rPr lang="en-GB" dirty="0"/>
+              <a:t>2</a:t>
+            </a:r>
+            <a:endParaRPr lang="de-DE" dirty="0"/>
+          </a:p>
+        </p:txBody>
+      </p:sp>
+      <p:cxnSp>
+        <p:nvCxnSpPr>
+          <p:cNvPr id="35" name="Straight Connector 34">
+            <a:extLst>
+              <a:ext uri="{FF2B5EF4-FFF2-40B4-BE49-F238E27FC236}">
+                <a16:creationId xmlns:a16="http://schemas.microsoft.com/office/drawing/2014/main" id="{1D0B72D1-28FB-C20C-B93B-2C58488E12E9}"/>
+              </a:ext>
+            </a:extLst>
+          </p:cNvPr>
+          <p:cNvCxnSpPr>
+            <a:cxnSpLocks/>
+          </p:cNvCxnSpPr>
+          <p:nvPr/>
+        </p:nvCxnSpPr>
+        <p:spPr>
+          <a:xfrm flipH="1" flipV="1">
+            <a:off x="8832399" y="1910301"/>
+            <a:ext cx="311150" cy="446617"/>
+          </a:xfrm>
+          <a:prstGeom prst="line">
+            <a:avLst/>
+          </a:prstGeom>
+          <a:ln w="19050"/>
+        </p:spPr>
+        <p:style>
+          <a:lnRef idx="1">
+            <a:schemeClr val="accent1"/>
+          </a:lnRef>
+          <a:fillRef idx="0">
+            <a:schemeClr val="accent1"/>
+          </a:fillRef>
+          <a:effectRef idx="0">
+            <a:schemeClr val="accent1"/>
+          </a:effectRef>
+          <a:fontRef idx="minor">
+            <a:schemeClr val="tx1"/>
+          </a:fontRef>
+        </p:style>
+      </p:cxnSp>
+      <p:cxnSp>
+        <p:nvCxnSpPr>
+          <p:cNvPr id="37" name="Straight Connector 36">
+            <a:extLst>
+              <a:ext uri="{FF2B5EF4-FFF2-40B4-BE49-F238E27FC236}">
+                <a16:creationId xmlns:a16="http://schemas.microsoft.com/office/drawing/2014/main" id="{5BD3D1F3-AABB-5D49-00E1-76B053583546}"/>
+              </a:ext>
+            </a:extLst>
+          </p:cNvPr>
+          <p:cNvCxnSpPr>
+            <a:cxnSpLocks/>
+          </p:cNvCxnSpPr>
+          <p:nvPr/>
+        </p:nvCxnSpPr>
+        <p:spPr>
+          <a:xfrm flipV="1">
+            <a:off x="8832399" y="681676"/>
+            <a:ext cx="260350" cy="1228625"/>
+          </a:xfrm>
+          <a:prstGeom prst="line">
+            <a:avLst/>
+          </a:prstGeom>
+          <a:ln w="19050"/>
+        </p:spPr>
+        <p:style>
+          <a:lnRef idx="1">
+            <a:schemeClr val="accent1"/>
+          </a:lnRef>
+          <a:fillRef idx="0">
+            <a:schemeClr val="accent1"/>
+          </a:fillRef>
+          <a:effectRef idx="0">
+            <a:schemeClr val="accent1"/>
+          </a:effectRef>
+          <a:fontRef idx="minor">
+            <a:schemeClr val="tx1"/>
+          </a:fontRef>
+        </p:style>
+      </p:cxnSp>
+      <p:cxnSp>
+        <p:nvCxnSpPr>
+          <p:cNvPr id="42" name="Straight Connector 41">
+            <a:extLst>
+              <a:ext uri="{FF2B5EF4-FFF2-40B4-BE49-F238E27FC236}">
+                <a16:creationId xmlns:a16="http://schemas.microsoft.com/office/drawing/2014/main" id="{5C4109B6-BFF3-D345-377D-D8E4159A76EA}"/>
+              </a:ext>
+            </a:extLst>
+          </p:cNvPr>
+          <p:cNvCxnSpPr>
+            <a:cxnSpLocks/>
+          </p:cNvCxnSpPr>
+          <p:nvPr/>
+        </p:nvCxnSpPr>
+        <p:spPr>
+          <a:xfrm flipV="1">
+            <a:off x="9092749" y="491278"/>
+            <a:ext cx="256117" cy="190398"/>
+          </a:xfrm>
+          <a:prstGeom prst="line">
+            <a:avLst/>
+          </a:prstGeom>
+          <a:ln w="19050"/>
+        </p:spPr>
+        <p:style>
+          <a:lnRef idx="1">
+            <a:schemeClr val="accent1"/>
+          </a:lnRef>
+          <a:fillRef idx="0">
+            <a:schemeClr val="accent1"/>
+          </a:fillRef>
+          <a:effectRef idx="0">
+            <a:schemeClr val="accent1"/>
+          </a:effectRef>
+          <a:fontRef idx="minor">
+            <a:schemeClr val="tx1"/>
+          </a:fontRef>
+        </p:style>
+      </p:cxnSp>
+      <p:cxnSp>
+        <p:nvCxnSpPr>
+          <p:cNvPr id="44" name="Straight Connector 43">
+            <a:extLst>
+              <a:ext uri="{FF2B5EF4-FFF2-40B4-BE49-F238E27FC236}">
+                <a16:creationId xmlns:a16="http://schemas.microsoft.com/office/drawing/2014/main" id="{36242A0A-638D-CB38-B58D-232F5ADB8DB3}"/>
+              </a:ext>
+            </a:extLst>
+          </p:cNvPr>
+          <p:cNvCxnSpPr>
+            <a:cxnSpLocks/>
+          </p:cNvCxnSpPr>
+          <p:nvPr/>
+        </p:nvCxnSpPr>
+        <p:spPr>
+          <a:xfrm>
+            <a:off x="9348866" y="491278"/>
+            <a:ext cx="171450" cy="0"/>
+          </a:xfrm>
+          <a:prstGeom prst="line">
+            <a:avLst/>
+          </a:prstGeom>
+          <a:ln w="19050"/>
+        </p:spPr>
+        <p:style>
+          <a:lnRef idx="1">
+            <a:schemeClr val="accent1"/>
+          </a:lnRef>
+          <a:fillRef idx="0">
+            <a:schemeClr val="accent1"/>
+          </a:fillRef>
+          <a:effectRef idx="0">
+            <a:schemeClr val="accent1"/>
+          </a:effectRef>
+          <a:fontRef idx="minor">
+            <a:schemeClr val="tx1"/>
+          </a:fontRef>
+        </p:style>
+      </p:cxnSp>
+      <p:cxnSp>
+        <p:nvCxnSpPr>
+          <p:cNvPr id="46" name="Straight Connector 45">
+            <a:extLst>
+              <a:ext uri="{FF2B5EF4-FFF2-40B4-BE49-F238E27FC236}">
+                <a16:creationId xmlns:a16="http://schemas.microsoft.com/office/drawing/2014/main" id="{83518BC1-47E9-F69E-E7EE-A04F4288C72A}"/>
+              </a:ext>
+            </a:extLst>
+          </p:cNvPr>
+          <p:cNvCxnSpPr>
+            <a:cxnSpLocks/>
+          </p:cNvCxnSpPr>
+          <p:nvPr/>
+        </p:nvCxnSpPr>
+        <p:spPr>
+          <a:xfrm>
+            <a:off x="9520316" y="491278"/>
+            <a:ext cx="0" cy="1865640"/>
+          </a:xfrm>
+          <a:prstGeom prst="line">
+            <a:avLst/>
+          </a:prstGeom>
+          <a:ln w="19050"/>
+        </p:spPr>
+        <p:style>
+          <a:lnRef idx="1">
+            <a:schemeClr val="accent1"/>
+          </a:lnRef>
+          <a:fillRef idx="0">
+            <a:schemeClr val="accent1"/>
+          </a:fillRef>
+          <a:effectRef idx="0">
+            <a:schemeClr val="accent1"/>
+          </a:effectRef>
+          <a:fontRef idx="minor">
+            <a:schemeClr val="tx1"/>
+          </a:fontRef>
+        </p:style>
+      </p:cxnSp>
+      <p:cxnSp>
+        <p:nvCxnSpPr>
+          <p:cNvPr id="57" name="Straight Connector 56">
+            <a:extLst>
+              <a:ext uri="{FF2B5EF4-FFF2-40B4-BE49-F238E27FC236}">
+                <a16:creationId xmlns:a16="http://schemas.microsoft.com/office/drawing/2014/main" id="{E06A3079-9548-F745-E859-369EB11A70D2}"/>
+              </a:ext>
+            </a:extLst>
+          </p:cNvPr>
+          <p:cNvCxnSpPr>
+            <a:cxnSpLocks/>
+          </p:cNvCxnSpPr>
+          <p:nvPr/>
+        </p:nvCxnSpPr>
+        <p:spPr>
+          <a:xfrm flipH="1">
+            <a:off x="9143549" y="2347008"/>
+            <a:ext cx="368997" cy="0"/>
+          </a:xfrm>
+          <a:prstGeom prst="line">
+            <a:avLst/>
+          </a:prstGeom>
+          <a:ln w="19050"/>
+        </p:spPr>
+        <p:style>
+          <a:lnRef idx="1">
+            <a:schemeClr val="accent1"/>
+          </a:lnRef>
+          <a:fillRef idx="0">
+            <a:schemeClr val="accent1"/>
+          </a:fillRef>
+          <a:effectRef idx="0">
+            <a:schemeClr val="accent1"/>
+          </a:effectRef>
+          <a:fontRef idx="minor">
+            <a:schemeClr val="tx1"/>
+          </a:fontRef>
+        </p:style>
+      </p:cxnSp>
+      <p:sp>
+        <p:nvSpPr>
+          <p:cNvPr id="61" name="TextBox 60">
+            <a:extLst>
+              <a:ext uri="{FF2B5EF4-FFF2-40B4-BE49-F238E27FC236}">
+                <a16:creationId xmlns:a16="http://schemas.microsoft.com/office/drawing/2014/main" id="{5DD9F754-8289-8F5E-3139-39AA4865A9C7}"/>
+              </a:ext>
+            </a:extLst>
+          </p:cNvPr>
+          <p:cNvSpPr txBox="1"/>
+          <p:nvPr/>
+        </p:nvSpPr>
+        <p:spPr>
+          <a:xfrm>
+            <a:off x="9700133" y="917845"/>
+            <a:ext cx="2452916" cy="923330"/>
+          </a:xfrm>
+          <a:prstGeom prst="rect">
+            <a:avLst/>
+          </a:prstGeom>
+          <a:noFill/>
+        </p:spPr>
+        <p:txBody>
+          <a:bodyPr wrap="none" rtlCol="0">
+            <a:spAutoFit/>
+          </a:bodyPr>
+          <a:lstStyle/>
+          <a:p>
+            <a:r>
+              <a:rPr lang="en-GB" dirty="0"/>
+              <a:t>Blade outline for </a:t>
+            </a:r>
+          </a:p>
+          <a:p>
+            <a:r>
+              <a:rPr lang="en-GB" dirty="0" err="1"/>
+              <a:t>blade_rotation</a:t>
+            </a:r>
+            <a:r>
+              <a:rPr lang="en-GB" dirty="0"/>
+              <a:t>&gt;-pi/2</a:t>
+            </a:r>
+          </a:p>
+          <a:p>
+            <a:r>
+              <a:rPr lang="en-GB" dirty="0"/>
+              <a:t>(and smaller than +pi/2)</a:t>
+            </a:r>
+          </a:p>
+        </p:txBody>
+      </p:sp>
+      <p:cxnSp>
+        <p:nvCxnSpPr>
+          <p:cNvPr id="64" name="Straight Connector 63">
+            <a:extLst>
+              <a:ext uri="{FF2B5EF4-FFF2-40B4-BE49-F238E27FC236}">
+                <a16:creationId xmlns:a16="http://schemas.microsoft.com/office/drawing/2014/main" id="{1CE4D9D9-ABD9-129D-AC09-C125F951DE07}"/>
+              </a:ext>
+            </a:extLst>
+          </p:cNvPr>
+          <p:cNvCxnSpPr>
+            <a:cxnSpLocks/>
+          </p:cNvCxnSpPr>
+          <p:nvPr/>
+        </p:nvCxnSpPr>
+        <p:spPr>
+          <a:xfrm>
+            <a:off x="8631193" y="5800003"/>
+            <a:ext cx="835628" cy="0"/>
+          </a:xfrm>
+          <a:prstGeom prst="line">
+            <a:avLst/>
+          </a:prstGeom>
+          <a:ln w="22225">
+            <a:solidFill>
+              <a:schemeClr val="tx1"/>
+            </a:solidFill>
+          </a:ln>
+        </p:spPr>
+        <p:style>
+          <a:lnRef idx="1">
+            <a:schemeClr val="accent1"/>
+          </a:lnRef>
+          <a:fillRef idx="0">
+            <a:schemeClr val="accent1"/>
+          </a:fillRef>
+          <a:effectRef idx="0">
+            <a:schemeClr val="accent1"/>
+          </a:effectRef>
+          <a:fontRef idx="minor">
+            <a:schemeClr val="tx1"/>
+          </a:fontRef>
+        </p:style>
+      </p:cxnSp>
+      <p:cxnSp>
+        <p:nvCxnSpPr>
+          <p:cNvPr id="65" name="Straight Connector 64">
+            <a:extLst>
+              <a:ext uri="{FF2B5EF4-FFF2-40B4-BE49-F238E27FC236}">
+                <a16:creationId xmlns:a16="http://schemas.microsoft.com/office/drawing/2014/main" id="{5C20DC92-DEDF-0AE3-9579-3DDA057C396F}"/>
+              </a:ext>
+            </a:extLst>
+          </p:cNvPr>
+          <p:cNvCxnSpPr>
+            <a:cxnSpLocks/>
+          </p:cNvCxnSpPr>
+          <p:nvPr/>
+        </p:nvCxnSpPr>
+        <p:spPr>
+          <a:xfrm>
+            <a:off x="8371606" y="5458581"/>
+            <a:ext cx="1095215" cy="0"/>
+          </a:xfrm>
+          <a:prstGeom prst="line">
+            <a:avLst/>
+          </a:prstGeom>
+          <a:ln w="22225">
+            <a:solidFill>
+              <a:schemeClr val="tx1"/>
+            </a:solidFill>
+          </a:ln>
+        </p:spPr>
+        <p:style>
+          <a:lnRef idx="1">
+            <a:schemeClr val="accent1"/>
+          </a:lnRef>
+          <a:fillRef idx="0">
+            <a:schemeClr val="accent1"/>
+          </a:fillRef>
+          <a:effectRef idx="0">
+            <a:schemeClr val="accent1"/>
+          </a:effectRef>
+          <a:fontRef idx="minor">
+            <a:schemeClr val="tx1"/>
+          </a:fontRef>
+        </p:style>
+      </p:cxnSp>
+      <p:cxnSp>
+        <p:nvCxnSpPr>
+          <p:cNvPr id="66" name="Straight Connector 65">
+            <a:extLst>
+              <a:ext uri="{FF2B5EF4-FFF2-40B4-BE49-F238E27FC236}">
+                <a16:creationId xmlns:a16="http://schemas.microsoft.com/office/drawing/2014/main" id="{1B92DF0A-213E-B34D-0580-B2B26120492F}"/>
+              </a:ext>
+            </a:extLst>
+          </p:cNvPr>
+          <p:cNvCxnSpPr>
+            <a:cxnSpLocks/>
+          </p:cNvCxnSpPr>
+          <p:nvPr/>
+        </p:nvCxnSpPr>
+        <p:spPr>
+          <a:xfrm>
+            <a:off x="8442036" y="5131518"/>
+            <a:ext cx="1013024" cy="0"/>
+          </a:xfrm>
+          <a:prstGeom prst="line">
+            <a:avLst/>
+          </a:prstGeom>
+          <a:ln w="22225">
+            <a:solidFill>
+              <a:schemeClr val="tx1"/>
+            </a:solidFill>
+          </a:ln>
+        </p:spPr>
+        <p:style>
+          <a:lnRef idx="1">
+            <a:schemeClr val="accent1"/>
+          </a:lnRef>
+          <a:fillRef idx="0">
+            <a:schemeClr val="accent1"/>
+          </a:fillRef>
+          <a:effectRef idx="0">
+            <a:schemeClr val="accent1"/>
+          </a:effectRef>
+          <a:fontRef idx="minor">
+            <a:schemeClr val="tx1"/>
+          </a:fontRef>
+        </p:style>
+      </p:cxnSp>
+      <p:sp>
+        <p:nvSpPr>
+          <p:cNvPr id="67" name="Oval 66">
+            <a:extLst>
+              <a:ext uri="{FF2B5EF4-FFF2-40B4-BE49-F238E27FC236}">
+                <a16:creationId xmlns:a16="http://schemas.microsoft.com/office/drawing/2014/main" id="{B1B4FF17-DE91-AA99-94EC-33641BC82FA4}"/>
+              </a:ext>
+            </a:extLst>
+          </p:cNvPr>
+          <p:cNvSpPr>
+            <a:spLocks noChangeAspect="1"/>
+          </p:cNvSpPr>
+          <p:nvPr/>
+        </p:nvSpPr>
+        <p:spPr>
+          <a:xfrm>
+            <a:off x="9023450" y="4398373"/>
+            <a:ext cx="36000" cy="36000"/>
+          </a:xfrm>
+          <a:prstGeom prst="ellipse">
+            <a:avLst/>
+          </a:prstGeom>
+          <a:solidFill>
+            <a:schemeClr val="tx1"/>
+          </a:solidFill>
+          <a:ln>
+            <a:solidFill>
+              <a:schemeClr val="tx1"/>
+            </a:solidFill>
+          </a:ln>
+        </p:spPr>
+        <p:style>
+          <a:lnRef idx="2">
+            <a:schemeClr val="accent1">
+              <a:shade val="50000"/>
+            </a:schemeClr>
+          </a:lnRef>
+          <a:fillRef idx="1">
+            <a:schemeClr val="accent1"/>
+          </a:fillRef>
+          <a:effectRef idx="0">
+            <a:schemeClr val="accent1"/>
+          </a:effectRef>
+          <a:fontRef idx="minor">
+            <a:schemeClr val="lt1"/>
+          </a:fontRef>
+        </p:style>
+        <p:txBody>
+          <a:bodyPr rtlCol="0" anchor="ctr"/>
+          <a:lstStyle/>
+          <a:p>
+            <a:pPr algn="ctr"/>
+            <a:endParaRPr lang="en-GB"/>
+          </a:p>
+        </p:txBody>
+      </p:sp>
+      <p:sp>
+        <p:nvSpPr>
+          <p:cNvPr id="68" name="Oval 67">
+            <a:extLst>
+              <a:ext uri="{FF2B5EF4-FFF2-40B4-BE49-F238E27FC236}">
+                <a16:creationId xmlns:a16="http://schemas.microsoft.com/office/drawing/2014/main" id="{EFB4A21F-6441-282E-0437-95C09EAAC657}"/>
+              </a:ext>
+            </a:extLst>
+          </p:cNvPr>
+          <p:cNvSpPr>
+            <a:spLocks noChangeAspect="1"/>
+          </p:cNvSpPr>
+          <p:nvPr/>
+        </p:nvSpPr>
+        <p:spPr>
+          <a:xfrm>
+            <a:off x="9023450" y="4253199"/>
+            <a:ext cx="36000" cy="36000"/>
+          </a:xfrm>
+          <a:prstGeom prst="ellipse">
+            <a:avLst/>
+          </a:prstGeom>
+          <a:solidFill>
+            <a:schemeClr val="tx1"/>
+          </a:solidFill>
+          <a:ln>
+            <a:solidFill>
+              <a:schemeClr val="tx1"/>
+            </a:solidFill>
+          </a:ln>
+        </p:spPr>
+        <p:style>
+          <a:lnRef idx="2">
+            <a:schemeClr val="accent1">
+              <a:shade val="50000"/>
+            </a:schemeClr>
+          </a:lnRef>
+          <a:fillRef idx="1">
+            <a:schemeClr val="accent1"/>
+          </a:fillRef>
+          <a:effectRef idx="0">
+            <a:schemeClr val="accent1"/>
+          </a:effectRef>
+          <a:fontRef idx="minor">
+            <a:schemeClr val="lt1"/>
+          </a:fontRef>
+        </p:style>
+        <p:txBody>
+          <a:bodyPr rtlCol="0" anchor="ctr"/>
+          <a:lstStyle/>
+          <a:p>
+            <a:pPr algn="ctr"/>
+            <a:endParaRPr lang="en-GB"/>
+          </a:p>
+        </p:txBody>
+      </p:sp>
+      <p:sp>
+        <p:nvSpPr>
+          <p:cNvPr id="69" name="Oval 68">
+            <a:extLst>
+              <a:ext uri="{FF2B5EF4-FFF2-40B4-BE49-F238E27FC236}">
+                <a16:creationId xmlns:a16="http://schemas.microsoft.com/office/drawing/2014/main" id="{F733CC09-6728-E605-7902-1D60324604B1}"/>
+              </a:ext>
+            </a:extLst>
+          </p:cNvPr>
+          <p:cNvSpPr>
+            <a:spLocks noChangeAspect="1"/>
+          </p:cNvSpPr>
+          <p:nvPr/>
+        </p:nvSpPr>
+        <p:spPr>
+          <a:xfrm>
+            <a:off x="9023450" y="4126025"/>
+            <a:ext cx="36000" cy="36000"/>
+          </a:xfrm>
+          <a:prstGeom prst="ellipse">
+            <a:avLst/>
+          </a:prstGeom>
+          <a:solidFill>
+            <a:schemeClr val="tx1"/>
+          </a:solidFill>
+          <a:ln>
+            <a:solidFill>
+              <a:schemeClr val="tx1"/>
+            </a:solidFill>
+          </a:ln>
+        </p:spPr>
+        <p:style>
+          <a:lnRef idx="2">
+            <a:schemeClr val="accent1">
+              <a:shade val="50000"/>
+            </a:schemeClr>
+          </a:lnRef>
+          <a:fillRef idx="1">
+            <a:schemeClr val="accent1"/>
+          </a:fillRef>
+          <a:effectRef idx="0">
+            <a:schemeClr val="accent1"/>
+          </a:effectRef>
+          <a:fontRef idx="minor">
+            <a:schemeClr val="lt1"/>
+          </a:fontRef>
+        </p:style>
+        <p:txBody>
+          <a:bodyPr rtlCol="0" anchor="ctr"/>
+          <a:lstStyle/>
+          <a:p>
+            <a:pPr algn="ctr"/>
+            <a:endParaRPr lang="en-GB"/>
+          </a:p>
+        </p:txBody>
+      </p:sp>
+      <p:grpSp>
+        <p:nvGrpSpPr>
+          <p:cNvPr id="89" name="Group 88">
+            <a:extLst>
+              <a:ext uri="{FF2B5EF4-FFF2-40B4-BE49-F238E27FC236}">
+                <a16:creationId xmlns:a16="http://schemas.microsoft.com/office/drawing/2014/main" id="{9FF2F430-125A-C89A-0FF5-32DAF853BF6B}"/>
+              </a:ext>
+            </a:extLst>
+          </p:cNvPr>
+          <p:cNvGrpSpPr>
+            <a:grpSpLocks noChangeAspect="1"/>
+          </p:cNvGrpSpPr>
+          <p:nvPr/>
+        </p:nvGrpSpPr>
+        <p:grpSpPr>
+          <a:xfrm>
+            <a:off x="8371606" y="3183819"/>
+            <a:ext cx="1095831" cy="2971908"/>
+            <a:chOff x="8808547" y="3643581"/>
+            <a:chExt cx="687917" cy="1865640"/>
+          </a:xfrm>
+        </p:grpSpPr>
+        <p:grpSp>
+          <p:nvGrpSpPr>
+            <p:cNvPr id="88" name="Group 87">
+              <a:extLst>
+                <a:ext uri="{FF2B5EF4-FFF2-40B4-BE49-F238E27FC236}">
+                  <a16:creationId xmlns:a16="http://schemas.microsoft.com/office/drawing/2014/main" id="{F91FB49D-57AF-24A4-2D75-748FFA1E55E8}"/>
+                </a:ext>
+              </a:extLst>
+            </p:cNvPr>
+            <p:cNvGrpSpPr/>
+            <p:nvPr/>
+          </p:nvGrpSpPr>
+          <p:grpSpPr>
+            <a:xfrm>
+              <a:off x="8808547" y="3643581"/>
+              <a:ext cx="687917" cy="1865640"/>
+              <a:chOff x="8808547" y="3643581"/>
+              <a:chExt cx="687917" cy="1865640"/>
+            </a:xfrm>
+          </p:grpSpPr>
+          <p:cxnSp>
+            <p:nvCxnSpPr>
+              <p:cNvPr id="77" name="Straight Connector 76">
+                <a:extLst>
+                  <a:ext uri="{FF2B5EF4-FFF2-40B4-BE49-F238E27FC236}">
+                    <a16:creationId xmlns:a16="http://schemas.microsoft.com/office/drawing/2014/main" id="{C9709132-2844-C114-2684-B9E69CA61028}"/>
+                  </a:ext>
+                </a:extLst>
+              </p:cNvPr>
+              <p:cNvCxnSpPr>
+                <a:cxnSpLocks/>
+              </p:cNvCxnSpPr>
+              <p:nvPr/>
+            </p:nvCxnSpPr>
+            <p:spPr>
+              <a:xfrm flipH="1" flipV="1">
+                <a:off x="8808547" y="5062604"/>
+                <a:ext cx="311150" cy="446617"/>
+              </a:xfrm>
+              <a:prstGeom prst="line">
+                <a:avLst/>
+              </a:prstGeom>
+              <a:ln w="19050"/>
+            </p:spPr>
+            <p:style>
+              <a:lnRef idx="1">
+                <a:schemeClr val="accent1"/>
+              </a:lnRef>
+              <a:fillRef idx="0">
+                <a:schemeClr val="accent1"/>
+              </a:fillRef>
+              <a:effectRef idx="0">
+                <a:schemeClr val="accent1"/>
+              </a:effectRef>
+              <a:fontRef idx="minor">
+                <a:schemeClr val="tx1"/>
+              </a:fontRef>
+            </p:style>
+          </p:cxnSp>
+          <p:cxnSp>
+            <p:nvCxnSpPr>
+              <p:cNvPr id="78" name="Straight Connector 77">
+                <a:extLst>
+                  <a:ext uri="{FF2B5EF4-FFF2-40B4-BE49-F238E27FC236}">
+                    <a16:creationId xmlns:a16="http://schemas.microsoft.com/office/drawing/2014/main" id="{60C11D68-CE08-D1B3-0CC1-19B7ABFF7194}"/>
+                  </a:ext>
+                </a:extLst>
+              </p:cNvPr>
+              <p:cNvCxnSpPr>
+                <a:cxnSpLocks/>
+              </p:cNvCxnSpPr>
+              <p:nvPr/>
+            </p:nvCxnSpPr>
+            <p:spPr>
+              <a:xfrm flipV="1">
+                <a:off x="8808547" y="3833979"/>
+                <a:ext cx="260350" cy="1228625"/>
+              </a:xfrm>
+              <a:prstGeom prst="line">
+                <a:avLst/>
+              </a:prstGeom>
+              <a:ln w="19050"/>
+            </p:spPr>
+            <p:style>
+              <a:lnRef idx="1">
+                <a:schemeClr val="accent1"/>
+              </a:lnRef>
+              <a:fillRef idx="0">
+                <a:schemeClr val="accent1"/>
+              </a:fillRef>
+              <a:effectRef idx="0">
+                <a:schemeClr val="accent1"/>
+              </a:effectRef>
+              <a:fontRef idx="minor">
+                <a:schemeClr val="tx1"/>
+              </a:fontRef>
+            </p:style>
+          </p:cxnSp>
+          <p:cxnSp>
+            <p:nvCxnSpPr>
+              <p:cNvPr id="79" name="Straight Connector 78">
+                <a:extLst>
+                  <a:ext uri="{FF2B5EF4-FFF2-40B4-BE49-F238E27FC236}">
+                    <a16:creationId xmlns:a16="http://schemas.microsoft.com/office/drawing/2014/main" id="{3C0EC1A3-BA5A-ADDD-9547-2E7627245D42}"/>
+                  </a:ext>
+                </a:extLst>
+              </p:cNvPr>
+              <p:cNvCxnSpPr>
+                <a:cxnSpLocks/>
+              </p:cNvCxnSpPr>
+              <p:nvPr/>
+            </p:nvCxnSpPr>
+            <p:spPr>
+              <a:xfrm flipV="1">
+                <a:off x="9068897" y="3643581"/>
+                <a:ext cx="256117" cy="190398"/>
+              </a:xfrm>
+              <a:prstGeom prst="line">
+                <a:avLst/>
+              </a:prstGeom>
+              <a:ln w="19050"/>
+            </p:spPr>
+            <p:style>
+              <a:lnRef idx="1">
+                <a:schemeClr val="accent1"/>
+              </a:lnRef>
+              <a:fillRef idx="0">
+                <a:schemeClr val="accent1"/>
+              </a:fillRef>
+              <a:effectRef idx="0">
+                <a:schemeClr val="accent1"/>
+              </a:effectRef>
+              <a:fontRef idx="minor">
+                <a:schemeClr val="tx1"/>
+              </a:fontRef>
+            </p:style>
+          </p:cxnSp>
+          <p:cxnSp>
+            <p:nvCxnSpPr>
+              <p:cNvPr id="80" name="Straight Connector 79">
+                <a:extLst>
+                  <a:ext uri="{FF2B5EF4-FFF2-40B4-BE49-F238E27FC236}">
+                    <a16:creationId xmlns:a16="http://schemas.microsoft.com/office/drawing/2014/main" id="{F7F13CA7-F591-6C72-967C-7767C16808FD}"/>
+                  </a:ext>
+                </a:extLst>
+              </p:cNvPr>
+              <p:cNvCxnSpPr>
+                <a:cxnSpLocks/>
+              </p:cNvCxnSpPr>
+              <p:nvPr/>
+            </p:nvCxnSpPr>
+            <p:spPr>
+              <a:xfrm>
+                <a:off x="9325014" y="3643581"/>
+                <a:ext cx="171450" cy="0"/>
+              </a:xfrm>
+              <a:prstGeom prst="line">
+                <a:avLst/>
+              </a:prstGeom>
+              <a:ln w="19050"/>
+            </p:spPr>
+            <p:style>
+              <a:lnRef idx="1">
+                <a:schemeClr val="accent1"/>
+              </a:lnRef>
+              <a:fillRef idx="0">
+                <a:schemeClr val="accent1"/>
+              </a:fillRef>
+              <a:effectRef idx="0">
+                <a:schemeClr val="accent1"/>
+              </a:effectRef>
+              <a:fontRef idx="minor">
+                <a:schemeClr val="tx1"/>
+              </a:fontRef>
+            </p:style>
+          </p:cxnSp>
+          <p:cxnSp>
+            <p:nvCxnSpPr>
+              <p:cNvPr id="81" name="Straight Connector 80">
+                <a:extLst>
+                  <a:ext uri="{FF2B5EF4-FFF2-40B4-BE49-F238E27FC236}">
+                    <a16:creationId xmlns:a16="http://schemas.microsoft.com/office/drawing/2014/main" id="{CFA184D5-8344-AB7E-CA0C-A2C1F0EB5C3D}"/>
+                  </a:ext>
+                </a:extLst>
+              </p:cNvPr>
+              <p:cNvCxnSpPr>
+                <a:cxnSpLocks/>
+              </p:cNvCxnSpPr>
+              <p:nvPr/>
+            </p:nvCxnSpPr>
+            <p:spPr>
+              <a:xfrm>
+                <a:off x="9496464" y="3643581"/>
+                <a:ext cx="0" cy="1865640"/>
+              </a:xfrm>
+              <a:prstGeom prst="line">
+                <a:avLst/>
+              </a:prstGeom>
+              <a:ln w="19050"/>
+            </p:spPr>
+            <p:style>
+              <a:lnRef idx="1">
+                <a:schemeClr val="accent1"/>
+              </a:lnRef>
+              <a:fillRef idx="0">
+                <a:schemeClr val="accent1"/>
+              </a:fillRef>
+              <a:effectRef idx="0">
+                <a:schemeClr val="accent1"/>
+              </a:effectRef>
+              <a:fontRef idx="minor">
+                <a:schemeClr val="tx1"/>
+              </a:fontRef>
+            </p:style>
+          </p:cxnSp>
+        </p:grpSp>
+        <p:cxnSp>
+          <p:nvCxnSpPr>
+            <p:cNvPr id="82" name="Straight Connector 81">
+              <a:extLst>
+                <a:ext uri="{FF2B5EF4-FFF2-40B4-BE49-F238E27FC236}">
+                  <a16:creationId xmlns:a16="http://schemas.microsoft.com/office/drawing/2014/main" id="{A7ABDDE1-0EE9-D998-2577-71803AAB25C6}"/>
+                </a:ext>
+              </a:extLst>
+            </p:cNvPr>
+            <p:cNvCxnSpPr>
+              <a:cxnSpLocks/>
+            </p:cNvCxnSpPr>
+            <p:nvPr/>
+          </p:nvCxnSpPr>
+          <p:spPr>
+            <a:xfrm flipH="1">
+              <a:off x="9119697" y="5499311"/>
+              <a:ext cx="368997" cy="0"/>
+            </a:xfrm>
+            <a:prstGeom prst="line">
+              <a:avLst/>
+            </a:prstGeom>
+            <a:ln w="19050"/>
+          </p:spPr>
+          <p:style>
+            <a:lnRef idx="1">
+              <a:schemeClr val="accent1"/>
+            </a:lnRef>
+            <a:fillRef idx="0">
+              <a:schemeClr val="accent1"/>
+            </a:fillRef>
+            <a:effectRef idx="0">
+              <a:schemeClr val="accent1"/>
+            </a:effectRef>
+            <a:fontRef idx="minor">
+              <a:schemeClr val="tx1"/>
+            </a:fontRef>
+          </p:style>
+        </p:cxnSp>
+      </p:grpSp>
+      <p:cxnSp>
+        <p:nvCxnSpPr>
+          <p:cNvPr id="94" name="Straight Connector 93">
+            <a:extLst>
+              <a:ext uri="{FF2B5EF4-FFF2-40B4-BE49-F238E27FC236}">
+                <a16:creationId xmlns:a16="http://schemas.microsoft.com/office/drawing/2014/main" id="{095A8D76-977A-A0E6-B514-7E012F0E4ED4}"/>
+              </a:ext>
+            </a:extLst>
+          </p:cNvPr>
+          <p:cNvCxnSpPr>
+            <a:cxnSpLocks/>
+          </p:cNvCxnSpPr>
+          <p:nvPr/>
+        </p:nvCxnSpPr>
+        <p:spPr>
+          <a:xfrm>
+            <a:off x="8792637" y="3492453"/>
+            <a:ext cx="662423" cy="0"/>
+          </a:xfrm>
+          <a:prstGeom prst="line">
+            <a:avLst/>
+          </a:prstGeom>
+          <a:ln w="22225">
+            <a:solidFill>
+              <a:schemeClr val="tx1"/>
+            </a:solidFill>
+          </a:ln>
+        </p:spPr>
+        <p:style>
+          <a:lnRef idx="1">
+            <a:schemeClr val="accent1"/>
+          </a:lnRef>
+          <a:fillRef idx="0">
+            <a:schemeClr val="accent1"/>
+          </a:fillRef>
+          <a:effectRef idx="0">
+            <a:schemeClr val="accent1"/>
+          </a:effectRef>
+          <a:fontRef idx="minor">
+            <a:schemeClr val="tx1"/>
+          </a:fontRef>
+        </p:style>
+      </p:cxnSp>
+      <p:sp>
+        <p:nvSpPr>
+          <p:cNvPr id="98" name="TextBox 97">
+            <a:extLst>
+              <a:ext uri="{FF2B5EF4-FFF2-40B4-BE49-F238E27FC236}">
+                <a16:creationId xmlns:a16="http://schemas.microsoft.com/office/drawing/2014/main" id="{2A71493B-C06A-02D2-29BB-BA38F4639F2F}"/>
+              </a:ext>
+            </a:extLst>
+          </p:cNvPr>
+          <p:cNvSpPr txBox="1"/>
+          <p:nvPr/>
+        </p:nvSpPr>
+        <p:spPr>
+          <a:xfrm>
+            <a:off x="9466821" y="5971062"/>
+            <a:ext cx="938077" cy="369332"/>
+          </a:xfrm>
+          <a:prstGeom prst="rect">
+            <a:avLst/>
+          </a:prstGeom>
+          <a:noFill/>
+        </p:spPr>
+        <p:txBody>
+          <a:bodyPr wrap="none" rtlCol="0">
+            <a:spAutoFit/>
+          </a:bodyPr>
+          <a:lstStyle/>
+          <a:p>
+            <a:r>
+              <a:rPr lang="en-GB" dirty="0"/>
+              <a:t>r_0, c_0</a:t>
+            </a:r>
+          </a:p>
+        </p:txBody>
+      </p:sp>
+      <p:sp>
+        <p:nvSpPr>
+          <p:cNvPr id="99" name="TextBox 98">
+            <a:extLst>
+              <a:ext uri="{FF2B5EF4-FFF2-40B4-BE49-F238E27FC236}">
+                <a16:creationId xmlns:a16="http://schemas.microsoft.com/office/drawing/2014/main" id="{3E14292F-B4C4-D94F-7914-EF40EE9D4458}"/>
+              </a:ext>
+            </a:extLst>
+          </p:cNvPr>
+          <p:cNvSpPr txBox="1"/>
+          <p:nvPr/>
+        </p:nvSpPr>
+        <p:spPr>
+          <a:xfrm>
+            <a:off x="9478716" y="5614486"/>
+            <a:ext cx="938077" cy="369332"/>
+          </a:xfrm>
+          <a:prstGeom prst="rect">
+            <a:avLst/>
+          </a:prstGeom>
+          <a:noFill/>
+        </p:spPr>
+        <p:txBody>
+          <a:bodyPr wrap="none" rtlCol="0">
+            <a:spAutoFit/>
+          </a:bodyPr>
+          <a:lstStyle/>
+          <a:p>
+            <a:r>
+              <a:rPr lang="en-GB" dirty="0"/>
+              <a:t>r_1, c_1</a:t>
+            </a:r>
+          </a:p>
+        </p:txBody>
+      </p:sp>
+      <p:sp>
+        <p:nvSpPr>
+          <p:cNvPr id="100" name="TextBox 99">
+            <a:extLst>
+              <a:ext uri="{FF2B5EF4-FFF2-40B4-BE49-F238E27FC236}">
+                <a16:creationId xmlns:a16="http://schemas.microsoft.com/office/drawing/2014/main" id="{49F8797E-F210-39A1-0ABE-4EA961B2D645}"/>
+              </a:ext>
+            </a:extLst>
+          </p:cNvPr>
+          <p:cNvSpPr txBox="1"/>
+          <p:nvPr/>
+        </p:nvSpPr>
+        <p:spPr>
+          <a:xfrm>
+            <a:off x="9466821" y="5273915"/>
+            <a:ext cx="938077" cy="369332"/>
+          </a:xfrm>
+          <a:prstGeom prst="rect">
+            <a:avLst/>
+          </a:prstGeom>
+          <a:noFill/>
+        </p:spPr>
+        <p:txBody>
+          <a:bodyPr wrap="none" rtlCol="0">
+            <a:spAutoFit/>
+          </a:bodyPr>
+          <a:lstStyle/>
+          <a:p>
+            <a:r>
+              <a:rPr lang="en-GB" dirty="0"/>
+              <a:t>r_2, c_2</a:t>
+            </a:r>
+          </a:p>
+        </p:txBody>
+      </p:sp>
+      <p:sp>
+        <p:nvSpPr>
+          <p:cNvPr id="101" name="TextBox 100">
+            <a:extLst>
+              <a:ext uri="{FF2B5EF4-FFF2-40B4-BE49-F238E27FC236}">
+                <a16:creationId xmlns:a16="http://schemas.microsoft.com/office/drawing/2014/main" id="{A441EFBD-F856-2DA3-DFCC-44A4DDA7E126}"/>
+              </a:ext>
+            </a:extLst>
+          </p:cNvPr>
+          <p:cNvSpPr txBox="1"/>
+          <p:nvPr/>
+        </p:nvSpPr>
+        <p:spPr>
+          <a:xfrm>
+            <a:off x="9455060" y="4925342"/>
+            <a:ext cx="938077" cy="369332"/>
+          </a:xfrm>
+          <a:prstGeom prst="rect">
+            <a:avLst/>
+          </a:prstGeom>
+          <a:noFill/>
+        </p:spPr>
+        <p:txBody>
+          <a:bodyPr wrap="none" rtlCol="0">
+            <a:spAutoFit/>
+          </a:bodyPr>
+          <a:lstStyle/>
+          <a:p>
+            <a:r>
+              <a:rPr lang="en-GB" dirty="0"/>
+              <a:t>r_3, c_3</a:t>
+            </a:r>
+          </a:p>
+        </p:txBody>
+      </p:sp>
+      <p:sp>
+        <p:nvSpPr>
+          <p:cNvPr id="102" name="TextBox 101">
+            <a:extLst>
+              <a:ext uri="{FF2B5EF4-FFF2-40B4-BE49-F238E27FC236}">
+                <a16:creationId xmlns:a16="http://schemas.microsoft.com/office/drawing/2014/main" id="{5852340E-C356-0F62-B492-AC43FE85A8AB}"/>
+              </a:ext>
+            </a:extLst>
+          </p:cNvPr>
+          <p:cNvSpPr txBox="1"/>
+          <p:nvPr/>
+        </p:nvSpPr>
+        <p:spPr>
+          <a:xfrm>
+            <a:off x="9466821" y="3275462"/>
+            <a:ext cx="1322798" cy="369332"/>
+          </a:xfrm>
+          <a:prstGeom prst="rect">
+            <a:avLst/>
+          </a:prstGeom>
+          <a:noFill/>
+        </p:spPr>
+        <p:txBody>
+          <a:bodyPr wrap="none" rtlCol="0">
+            <a:spAutoFit/>
+          </a:bodyPr>
+          <a:lstStyle/>
+          <a:p>
+            <a:r>
+              <a:rPr lang="en-GB" dirty="0"/>
+              <a:t>r_n-1, c_n-1</a:t>
+            </a:r>
+          </a:p>
+        </p:txBody>
+      </p:sp>
+      <p:sp>
+        <p:nvSpPr>
+          <p:cNvPr id="103" name="TextBox 102">
+            <a:extLst>
+              <a:ext uri="{FF2B5EF4-FFF2-40B4-BE49-F238E27FC236}">
+                <a16:creationId xmlns:a16="http://schemas.microsoft.com/office/drawing/2014/main" id="{8E3C2A80-9641-F392-2005-73426F12F719}"/>
+              </a:ext>
+            </a:extLst>
+          </p:cNvPr>
+          <p:cNvSpPr txBox="1"/>
+          <p:nvPr/>
+        </p:nvSpPr>
+        <p:spPr>
+          <a:xfrm>
+            <a:off x="9453101" y="2938754"/>
+            <a:ext cx="974947" cy="369332"/>
+          </a:xfrm>
+          <a:prstGeom prst="rect">
+            <a:avLst/>
+          </a:prstGeom>
+          <a:noFill/>
+        </p:spPr>
+        <p:txBody>
+          <a:bodyPr wrap="none" rtlCol="0">
+            <a:spAutoFit/>
+          </a:bodyPr>
+          <a:lstStyle/>
+          <a:p>
+            <a:r>
+              <a:rPr lang="en-GB" dirty="0" err="1"/>
+              <a:t>r_n</a:t>
+            </a:r>
+            <a:r>
+              <a:rPr lang="en-GB" dirty="0"/>
+              <a:t>, </a:t>
+            </a:r>
+            <a:r>
+              <a:rPr lang="en-GB" dirty="0" err="1"/>
+              <a:t>c_n</a:t>
+            </a:r>
+            <a:endParaRPr lang="en-GB" dirty="0"/>
+          </a:p>
+        </p:txBody>
+      </p:sp>
+      <p:cxnSp>
+        <p:nvCxnSpPr>
+          <p:cNvPr id="105" name="Straight Connector 104">
+            <a:extLst>
+              <a:ext uri="{FF2B5EF4-FFF2-40B4-BE49-F238E27FC236}">
+                <a16:creationId xmlns:a16="http://schemas.microsoft.com/office/drawing/2014/main" id="{FC3F691A-42FE-4138-7DDA-72C0DF562790}"/>
+              </a:ext>
+            </a:extLst>
+          </p:cNvPr>
+          <p:cNvCxnSpPr>
+            <a:cxnSpLocks/>
+          </p:cNvCxnSpPr>
+          <p:nvPr/>
+        </p:nvCxnSpPr>
+        <p:spPr>
+          <a:xfrm>
+            <a:off x="9123848" y="5799152"/>
+            <a:ext cx="96959" cy="340789"/>
+          </a:xfrm>
+          <a:prstGeom prst="line">
+            <a:avLst/>
+          </a:prstGeom>
+          <a:ln w="25400">
+            <a:solidFill>
+              <a:schemeClr val="accent6"/>
+            </a:solidFill>
+          </a:ln>
+        </p:spPr>
+        <p:style>
+          <a:lnRef idx="1">
+            <a:schemeClr val="accent1"/>
+          </a:lnRef>
+          <a:fillRef idx="0">
+            <a:schemeClr val="accent1"/>
+          </a:fillRef>
+          <a:effectRef idx="0">
+            <a:schemeClr val="accent1"/>
+          </a:effectRef>
+          <a:fontRef idx="minor">
+            <a:schemeClr val="tx1"/>
+          </a:fontRef>
+        </p:style>
+      </p:cxnSp>
+      <p:cxnSp>
+        <p:nvCxnSpPr>
+          <p:cNvPr id="106" name="Straight Connector 105">
+            <a:extLst>
+              <a:ext uri="{FF2B5EF4-FFF2-40B4-BE49-F238E27FC236}">
+                <a16:creationId xmlns:a16="http://schemas.microsoft.com/office/drawing/2014/main" id="{B91D3E28-831C-9B90-FE70-BF0CCD43AC4B}"/>
+              </a:ext>
+            </a:extLst>
+          </p:cNvPr>
+          <p:cNvCxnSpPr>
+            <a:cxnSpLocks/>
+          </p:cNvCxnSpPr>
+          <p:nvPr/>
+        </p:nvCxnSpPr>
+        <p:spPr>
+          <a:xfrm>
+            <a:off x="8998574" y="5458581"/>
+            <a:ext cx="125274" cy="340571"/>
+          </a:xfrm>
+          <a:prstGeom prst="line">
+            <a:avLst/>
+          </a:prstGeom>
+          <a:ln w="25400">
+            <a:solidFill>
+              <a:schemeClr val="accent6"/>
+            </a:solidFill>
+          </a:ln>
+        </p:spPr>
+        <p:style>
+          <a:lnRef idx="1">
+            <a:schemeClr val="accent1"/>
+          </a:lnRef>
+          <a:fillRef idx="0">
+            <a:schemeClr val="accent1"/>
+          </a:fillRef>
+          <a:effectRef idx="0">
+            <a:schemeClr val="accent1"/>
+          </a:effectRef>
+          <a:fontRef idx="minor">
+            <a:schemeClr val="tx1"/>
+          </a:fontRef>
+        </p:style>
+      </p:cxnSp>
+      <p:cxnSp>
+        <p:nvCxnSpPr>
+          <p:cNvPr id="107" name="Straight Connector 106">
+            <a:extLst>
+              <a:ext uri="{FF2B5EF4-FFF2-40B4-BE49-F238E27FC236}">
+                <a16:creationId xmlns:a16="http://schemas.microsoft.com/office/drawing/2014/main" id="{14F3300F-508E-E1BF-52D3-489B0CB2BE4B}"/>
+              </a:ext>
+            </a:extLst>
+          </p:cNvPr>
+          <p:cNvCxnSpPr>
+            <a:cxnSpLocks/>
+          </p:cNvCxnSpPr>
+          <p:nvPr/>
+        </p:nvCxnSpPr>
+        <p:spPr>
+          <a:xfrm flipH="1">
+            <a:off x="8987974" y="5110008"/>
+            <a:ext cx="35476" cy="348573"/>
+          </a:xfrm>
+          <a:prstGeom prst="line">
+            <a:avLst/>
+          </a:prstGeom>
+          <a:ln w="25400">
+            <a:solidFill>
+              <a:schemeClr val="accent6"/>
+            </a:solidFill>
+          </a:ln>
+        </p:spPr>
+        <p:style>
+          <a:lnRef idx="1">
+            <a:schemeClr val="accent1"/>
+          </a:lnRef>
+          <a:fillRef idx="0">
+            <a:schemeClr val="accent1"/>
+          </a:fillRef>
+          <a:effectRef idx="0">
+            <a:schemeClr val="accent1"/>
+          </a:effectRef>
+          <a:fontRef idx="minor">
+            <a:schemeClr val="tx1"/>
+          </a:fontRef>
+        </p:style>
+      </p:cxnSp>
+      <p:cxnSp>
+        <p:nvCxnSpPr>
+          <p:cNvPr id="108" name="Straight Connector 107">
+            <a:extLst>
+              <a:ext uri="{FF2B5EF4-FFF2-40B4-BE49-F238E27FC236}">
+                <a16:creationId xmlns:a16="http://schemas.microsoft.com/office/drawing/2014/main" id="{63E201DB-34D7-3B83-3B3D-62FE7A84F158}"/>
+              </a:ext>
+            </a:extLst>
+          </p:cNvPr>
+          <p:cNvCxnSpPr>
+            <a:cxnSpLocks/>
+          </p:cNvCxnSpPr>
+          <p:nvPr/>
+        </p:nvCxnSpPr>
+        <p:spPr>
+          <a:xfrm flipH="1">
+            <a:off x="9289507" y="3183819"/>
+            <a:ext cx="38540" cy="303298"/>
+          </a:xfrm>
+          <a:prstGeom prst="line">
+            <a:avLst/>
+          </a:prstGeom>
+          <a:ln w="25400">
+            <a:solidFill>
+              <a:schemeClr val="accent6"/>
+            </a:solidFill>
+          </a:ln>
+        </p:spPr>
+        <p:style>
+          <a:lnRef idx="1">
+            <a:schemeClr val="accent1"/>
+          </a:lnRef>
+          <a:fillRef idx="0">
+            <a:schemeClr val="accent1"/>
+          </a:fillRef>
+          <a:effectRef idx="0">
+            <a:schemeClr val="accent1"/>
+          </a:effectRef>
+          <a:fontRef idx="minor">
+            <a:schemeClr val="tx1"/>
+          </a:fontRef>
+        </p:style>
+      </p:cxnSp>
+      <p:sp>
+        <p:nvSpPr>
+          <p:cNvPr id="111" name="Oval 110">
+            <a:extLst>
+              <a:ext uri="{FF2B5EF4-FFF2-40B4-BE49-F238E27FC236}">
+                <a16:creationId xmlns:a16="http://schemas.microsoft.com/office/drawing/2014/main" id="{E9308B16-F4D8-610F-D5C1-4D42F2811CFE}"/>
+              </a:ext>
+            </a:extLst>
+          </p:cNvPr>
+          <p:cNvSpPr>
+            <a:spLocks noChangeAspect="1"/>
+          </p:cNvSpPr>
+          <p:nvPr/>
+        </p:nvSpPr>
+        <p:spPr>
+          <a:xfrm>
+            <a:off x="8919213" y="5952773"/>
+            <a:ext cx="36000" cy="36000"/>
+          </a:xfrm>
+          <a:prstGeom prst="ellipse">
+            <a:avLst/>
+          </a:prstGeom>
+          <a:solidFill>
+            <a:schemeClr val="accent2"/>
+          </a:solidFill>
+          <a:ln>
+            <a:solidFill>
+              <a:schemeClr val="accent2"/>
+            </a:solidFill>
+          </a:ln>
+        </p:spPr>
+        <p:style>
+          <a:lnRef idx="2">
+            <a:schemeClr val="accent1">
+              <a:shade val="50000"/>
+            </a:schemeClr>
+          </a:lnRef>
+          <a:fillRef idx="1">
+            <a:schemeClr val="accent1"/>
+          </a:fillRef>
+          <a:effectRef idx="0">
+            <a:schemeClr val="accent1"/>
+          </a:effectRef>
+          <a:fontRef idx="minor">
+            <a:schemeClr val="lt1"/>
+          </a:fontRef>
+        </p:style>
+        <p:txBody>
+          <a:bodyPr rtlCol="0" anchor="ctr"/>
+          <a:lstStyle/>
+          <a:p>
+            <a:pPr algn="ctr"/>
+            <a:endParaRPr lang="en-GB"/>
+          </a:p>
+        </p:txBody>
+      </p:sp>
+      <p:sp>
+        <p:nvSpPr>
+          <p:cNvPr id="112" name="Oval 111">
+            <a:extLst>
+              <a:ext uri="{FF2B5EF4-FFF2-40B4-BE49-F238E27FC236}">
+                <a16:creationId xmlns:a16="http://schemas.microsoft.com/office/drawing/2014/main" id="{64FA2BE4-6B2F-95A4-55BB-700E146C3320}"/>
+              </a:ext>
+            </a:extLst>
+          </p:cNvPr>
+          <p:cNvSpPr>
+            <a:spLocks noChangeAspect="1"/>
+          </p:cNvSpPr>
+          <p:nvPr/>
+        </p:nvSpPr>
+        <p:spPr>
+          <a:xfrm>
+            <a:off x="9289507" y="5616189"/>
+            <a:ext cx="36000" cy="36000"/>
+          </a:xfrm>
+          <a:prstGeom prst="ellipse">
+            <a:avLst/>
+          </a:prstGeom>
+          <a:solidFill>
+            <a:schemeClr val="accent2"/>
+          </a:solidFill>
+          <a:ln>
+            <a:solidFill>
+              <a:schemeClr val="accent2"/>
+            </a:solidFill>
+          </a:ln>
+        </p:spPr>
+        <p:style>
+          <a:lnRef idx="2">
+            <a:schemeClr val="accent1">
+              <a:shade val="50000"/>
+            </a:schemeClr>
+          </a:lnRef>
+          <a:fillRef idx="1">
+            <a:schemeClr val="accent1"/>
+          </a:fillRef>
+          <a:effectRef idx="0">
+            <a:schemeClr val="accent1"/>
+          </a:effectRef>
+          <a:fontRef idx="minor">
+            <a:schemeClr val="lt1"/>
+          </a:fontRef>
+        </p:style>
+        <p:txBody>
+          <a:bodyPr rtlCol="0" anchor="ctr"/>
+          <a:lstStyle/>
+          <a:p>
+            <a:pPr algn="ctr"/>
+            <a:endParaRPr lang="en-GB"/>
+          </a:p>
+        </p:txBody>
+      </p:sp>
+      <p:sp>
+        <p:nvSpPr>
+          <p:cNvPr id="113" name="Oval 112">
+            <a:extLst>
+              <a:ext uri="{FF2B5EF4-FFF2-40B4-BE49-F238E27FC236}">
+                <a16:creationId xmlns:a16="http://schemas.microsoft.com/office/drawing/2014/main" id="{9241E003-827C-5C25-93F2-014363B24F80}"/>
+              </a:ext>
+            </a:extLst>
+          </p:cNvPr>
+          <p:cNvSpPr>
+            <a:spLocks noChangeAspect="1"/>
+          </p:cNvSpPr>
+          <p:nvPr/>
+        </p:nvSpPr>
+        <p:spPr>
+          <a:xfrm>
+            <a:off x="8981080" y="5255380"/>
+            <a:ext cx="36000" cy="36000"/>
+          </a:xfrm>
+          <a:prstGeom prst="ellipse">
+            <a:avLst/>
+          </a:prstGeom>
+          <a:solidFill>
+            <a:schemeClr val="accent2"/>
+          </a:solidFill>
+          <a:ln>
+            <a:solidFill>
+              <a:schemeClr val="accent2"/>
+            </a:solidFill>
+          </a:ln>
+        </p:spPr>
+        <p:style>
+          <a:lnRef idx="2">
+            <a:schemeClr val="accent1">
+              <a:shade val="50000"/>
+            </a:schemeClr>
+          </a:lnRef>
+          <a:fillRef idx="1">
+            <a:schemeClr val="accent1"/>
+          </a:fillRef>
+          <a:effectRef idx="0">
+            <a:schemeClr val="accent1"/>
+          </a:effectRef>
+          <a:fontRef idx="minor">
+            <a:schemeClr val="lt1"/>
+          </a:fontRef>
+        </p:style>
+        <p:txBody>
+          <a:bodyPr rtlCol="0" anchor="ctr"/>
+          <a:lstStyle/>
+          <a:p>
+            <a:pPr algn="ctr"/>
+            <a:endParaRPr lang="en-GB"/>
+          </a:p>
+        </p:txBody>
+      </p:sp>
+      <p:sp>
+        <p:nvSpPr>
+          <p:cNvPr id="115" name="Oval 114">
+            <a:extLst>
+              <a:ext uri="{FF2B5EF4-FFF2-40B4-BE49-F238E27FC236}">
+                <a16:creationId xmlns:a16="http://schemas.microsoft.com/office/drawing/2014/main" id="{F2B9F7BE-5D8E-AF99-6C29-07AEFED75BAD}"/>
+              </a:ext>
+            </a:extLst>
+          </p:cNvPr>
+          <p:cNvSpPr>
+            <a:spLocks noChangeAspect="1"/>
+          </p:cNvSpPr>
+          <p:nvPr/>
+        </p:nvSpPr>
+        <p:spPr>
+          <a:xfrm>
+            <a:off x="9294264" y="3310922"/>
+            <a:ext cx="36000" cy="36000"/>
+          </a:xfrm>
+          <a:prstGeom prst="ellipse">
+            <a:avLst/>
+          </a:prstGeom>
+          <a:solidFill>
+            <a:schemeClr val="accent2"/>
+          </a:solidFill>
+          <a:ln>
+            <a:solidFill>
+              <a:schemeClr val="accent2"/>
+            </a:solidFill>
+          </a:ln>
+        </p:spPr>
+        <p:style>
+          <a:lnRef idx="2">
+            <a:schemeClr val="accent1">
+              <a:shade val="50000"/>
+            </a:schemeClr>
+          </a:lnRef>
+          <a:fillRef idx="1">
+            <a:schemeClr val="accent1"/>
+          </a:fillRef>
+          <a:effectRef idx="0">
+            <a:schemeClr val="accent1"/>
+          </a:effectRef>
+          <a:fontRef idx="minor">
+            <a:schemeClr val="lt1"/>
+          </a:fontRef>
+        </p:style>
+        <p:txBody>
+          <a:bodyPr rtlCol="0" anchor="ctr"/>
+          <a:lstStyle/>
+          <a:p>
+            <a:pPr algn="ctr"/>
+            <a:endParaRPr lang="en-GB"/>
+          </a:p>
+        </p:txBody>
+      </p:sp>
+      <p:cxnSp>
+        <p:nvCxnSpPr>
+          <p:cNvPr id="119" name="Straight Connector 118">
+            <a:extLst>
+              <a:ext uri="{FF2B5EF4-FFF2-40B4-BE49-F238E27FC236}">
+                <a16:creationId xmlns:a16="http://schemas.microsoft.com/office/drawing/2014/main" id="{55F7E854-7408-6EE6-C8DD-CD4655C06DD9}"/>
+              </a:ext>
+            </a:extLst>
+          </p:cNvPr>
+          <p:cNvCxnSpPr/>
+          <p:nvPr/>
+        </p:nvCxnSpPr>
+        <p:spPr>
+          <a:xfrm flipH="1">
+            <a:off x="8442036" y="6139941"/>
+            <a:ext cx="778771" cy="0"/>
+          </a:xfrm>
+          <a:prstGeom prst="line">
+            <a:avLst/>
+          </a:prstGeom>
+          <a:ln w="25400">
+            <a:solidFill>
+              <a:schemeClr val="accent2">
+                <a:lumMod val="75000"/>
+              </a:schemeClr>
+            </a:solidFill>
+          </a:ln>
+        </p:spPr>
+        <p:style>
+          <a:lnRef idx="1">
+            <a:schemeClr val="accent1"/>
+          </a:lnRef>
+          <a:fillRef idx="0">
+            <a:schemeClr val="accent1"/>
+          </a:fillRef>
+          <a:effectRef idx="0">
+            <a:schemeClr val="accent1"/>
+          </a:effectRef>
+          <a:fontRef idx="minor">
+            <a:schemeClr val="tx1"/>
+          </a:fontRef>
+        </p:style>
+      </p:cxnSp>
+      <p:cxnSp>
+        <p:nvCxnSpPr>
+          <p:cNvPr id="120" name="Straight Connector 119">
+            <a:extLst>
+              <a:ext uri="{FF2B5EF4-FFF2-40B4-BE49-F238E27FC236}">
+                <a16:creationId xmlns:a16="http://schemas.microsoft.com/office/drawing/2014/main" id="{D248820D-8FA4-226A-5B5A-9A1F9157CE42}"/>
+              </a:ext>
+            </a:extLst>
+          </p:cNvPr>
+          <p:cNvCxnSpPr>
+            <a:cxnSpLocks/>
+          </p:cNvCxnSpPr>
+          <p:nvPr/>
+        </p:nvCxnSpPr>
+        <p:spPr>
+          <a:xfrm flipH="1">
+            <a:off x="8225009" y="5799152"/>
+            <a:ext cx="918540" cy="0"/>
+          </a:xfrm>
+          <a:prstGeom prst="line">
+            <a:avLst/>
+          </a:prstGeom>
+          <a:ln w="25400">
+            <a:solidFill>
+              <a:schemeClr val="accent2">
+                <a:lumMod val="75000"/>
+              </a:schemeClr>
+            </a:solidFill>
+          </a:ln>
+        </p:spPr>
+        <p:style>
+          <a:lnRef idx="1">
+            <a:schemeClr val="accent1"/>
+          </a:lnRef>
+          <a:fillRef idx="0">
+            <a:schemeClr val="accent1"/>
+          </a:fillRef>
+          <a:effectRef idx="0">
+            <a:schemeClr val="accent1"/>
+          </a:effectRef>
+          <a:fontRef idx="minor">
+            <a:schemeClr val="tx1"/>
+          </a:fontRef>
+        </p:style>
+      </p:cxnSp>
+      <p:cxnSp>
+        <p:nvCxnSpPr>
+          <p:cNvPr id="126" name="Straight Connector 125">
+            <a:extLst>
+              <a:ext uri="{FF2B5EF4-FFF2-40B4-BE49-F238E27FC236}">
+                <a16:creationId xmlns:a16="http://schemas.microsoft.com/office/drawing/2014/main" id="{BA613AE5-2C74-2FC7-A802-B361B47653CB}"/>
+              </a:ext>
+            </a:extLst>
+          </p:cNvPr>
+          <p:cNvCxnSpPr>
+            <a:cxnSpLocks/>
+          </p:cNvCxnSpPr>
+          <p:nvPr/>
+        </p:nvCxnSpPr>
+        <p:spPr>
+          <a:xfrm flipH="1">
+            <a:off x="8080034" y="5458581"/>
+            <a:ext cx="918540" cy="0"/>
+          </a:xfrm>
+          <a:prstGeom prst="line">
+            <a:avLst/>
+          </a:prstGeom>
+          <a:ln w="25400">
+            <a:solidFill>
+              <a:schemeClr val="accent2">
+                <a:lumMod val="75000"/>
+              </a:schemeClr>
+            </a:solidFill>
+          </a:ln>
+        </p:spPr>
+        <p:style>
+          <a:lnRef idx="1">
+            <a:schemeClr val="accent1"/>
+          </a:lnRef>
+          <a:fillRef idx="0">
+            <a:schemeClr val="accent1"/>
+          </a:fillRef>
+          <a:effectRef idx="0">
+            <a:schemeClr val="accent1"/>
+          </a:effectRef>
+          <a:fontRef idx="minor">
+            <a:schemeClr val="tx1"/>
+          </a:fontRef>
+        </p:style>
+      </p:cxnSp>
+      <p:cxnSp>
+        <p:nvCxnSpPr>
+          <p:cNvPr id="127" name="Straight Connector 126">
+            <a:extLst>
+              <a:ext uri="{FF2B5EF4-FFF2-40B4-BE49-F238E27FC236}">
+                <a16:creationId xmlns:a16="http://schemas.microsoft.com/office/drawing/2014/main" id="{EF692E6F-247F-423A-CDB3-A126FD90A185}"/>
+              </a:ext>
+            </a:extLst>
+          </p:cNvPr>
+          <p:cNvCxnSpPr>
+            <a:cxnSpLocks/>
+          </p:cNvCxnSpPr>
+          <p:nvPr/>
+        </p:nvCxnSpPr>
+        <p:spPr>
+          <a:xfrm flipH="1">
+            <a:off x="8111267" y="5131406"/>
+            <a:ext cx="918540" cy="0"/>
+          </a:xfrm>
+          <a:prstGeom prst="line">
+            <a:avLst/>
+          </a:prstGeom>
+          <a:ln w="25400">
+            <a:solidFill>
+              <a:schemeClr val="accent2">
+                <a:lumMod val="75000"/>
+              </a:schemeClr>
+            </a:solidFill>
+          </a:ln>
+        </p:spPr>
+        <p:style>
+          <a:lnRef idx="1">
+            <a:schemeClr val="accent1"/>
+          </a:lnRef>
+          <a:fillRef idx="0">
+            <a:schemeClr val="accent1"/>
+          </a:fillRef>
+          <a:effectRef idx="0">
+            <a:schemeClr val="accent1"/>
+          </a:effectRef>
+          <a:fontRef idx="minor">
+            <a:schemeClr val="tx1"/>
+          </a:fontRef>
+        </p:style>
+      </p:cxnSp>
+      <p:cxnSp>
+        <p:nvCxnSpPr>
+          <p:cNvPr id="128" name="Straight Connector 127">
+            <a:extLst>
+              <a:ext uri="{FF2B5EF4-FFF2-40B4-BE49-F238E27FC236}">
+                <a16:creationId xmlns:a16="http://schemas.microsoft.com/office/drawing/2014/main" id="{D68C965E-F814-AD98-A0E4-028F87C273F4}"/>
+              </a:ext>
+            </a:extLst>
+          </p:cNvPr>
+          <p:cNvCxnSpPr>
+            <a:cxnSpLocks/>
+          </p:cNvCxnSpPr>
+          <p:nvPr/>
+        </p:nvCxnSpPr>
+        <p:spPr>
+          <a:xfrm flipH="1">
+            <a:off x="8378328" y="3479319"/>
+            <a:ext cx="918540" cy="0"/>
+          </a:xfrm>
+          <a:prstGeom prst="line">
+            <a:avLst/>
+          </a:prstGeom>
+          <a:ln w="25400">
+            <a:solidFill>
+              <a:schemeClr val="accent2">
+                <a:lumMod val="75000"/>
+              </a:schemeClr>
+            </a:solidFill>
+          </a:ln>
+        </p:spPr>
+        <p:style>
+          <a:lnRef idx="1">
+            <a:schemeClr val="accent1"/>
+          </a:lnRef>
+          <a:fillRef idx="0">
+            <a:schemeClr val="accent1"/>
+          </a:fillRef>
+          <a:effectRef idx="0">
+            <a:schemeClr val="accent1"/>
+          </a:effectRef>
+          <a:fontRef idx="minor">
+            <a:schemeClr val="tx1"/>
+          </a:fontRef>
+        </p:style>
+      </p:cxnSp>
+      <p:cxnSp>
+        <p:nvCxnSpPr>
+          <p:cNvPr id="129" name="Straight Connector 128">
+            <a:extLst>
+              <a:ext uri="{FF2B5EF4-FFF2-40B4-BE49-F238E27FC236}">
+                <a16:creationId xmlns:a16="http://schemas.microsoft.com/office/drawing/2014/main" id="{3BFDB8B3-0822-2612-C47D-B03E1BF491E5}"/>
+              </a:ext>
+            </a:extLst>
+          </p:cNvPr>
+          <p:cNvCxnSpPr>
+            <a:cxnSpLocks/>
+          </p:cNvCxnSpPr>
+          <p:nvPr/>
+        </p:nvCxnSpPr>
+        <p:spPr>
+          <a:xfrm flipH="1">
+            <a:off x="8430326" y="3183819"/>
+            <a:ext cx="918540" cy="0"/>
+          </a:xfrm>
+          <a:prstGeom prst="line">
+            <a:avLst/>
+          </a:prstGeom>
+          <a:ln w="25400">
+            <a:solidFill>
+              <a:schemeClr val="accent2">
+                <a:lumMod val="75000"/>
+              </a:schemeClr>
+            </a:solidFill>
+          </a:ln>
+        </p:spPr>
+        <p:style>
+          <a:lnRef idx="1">
+            <a:schemeClr val="accent1"/>
+          </a:lnRef>
+          <a:fillRef idx="0">
+            <a:schemeClr val="accent1"/>
+          </a:fillRef>
+          <a:effectRef idx="0">
+            <a:schemeClr val="accent1"/>
+          </a:effectRef>
+          <a:fontRef idx="minor">
+            <a:schemeClr val="tx1"/>
+          </a:fontRef>
+        </p:style>
+      </p:cxnSp>
+      <p:cxnSp>
+        <p:nvCxnSpPr>
+          <p:cNvPr id="130" name="Straight Connector 129">
+            <a:extLst>
+              <a:ext uri="{FF2B5EF4-FFF2-40B4-BE49-F238E27FC236}">
+                <a16:creationId xmlns:a16="http://schemas.microsoft.com/office/drawing/2014/main" id="{B40BBFCE-6FCE-2BFA-23D2-451343AC671C}"/>
+              </a:ext>
+            </a:extLst>
+          </p:cNvPr>
+          <p:cNvCxnSpPr>
+            <a:cxnSpLocks/>
+          </p:cNvCxnSpPr>
+          <p:nvPr/>
+        </p:nvCxnSpPr>
+        <p:spPr>
+          <a:xfrm flipH="1">
+            <a:off x="7685137" y="6139723"/>
+            <a:ext cx="776801" cy="409589"/>
+          </a:xfrm>
+          <a:prstGeom prst="line">
+            <a:avLst/>
+          </a:prstGeom>
+          <a:ln w="25400">
+            <a:solidFill>
+              <a:schemeClr val="accent2">
+                <a:lumMod val="75000"/>
+              </a:schemeClr>
+            </a:solidFill>
+          </a:ln>
+        </p:spPr>
+        <p:style>
+          <a:lnRef idx="1">
+            <a:schemeClr val="accent1"/>
+          </a:lnRef>
+          <a:fillRef idx="0">
+            <a:schemeClr val="accent1"/>
+          </a:fillRef>
+          <a:effectRef idx="0">
+            <a:schemeClr val="accent1"/>
+          </a:effectRef>
+          <a:fontRef idx="minor">
+            <a:schemeClr val="tx1"/>
+          </a:fontRef>
+        </p:style>
+      </p:cxnSp>
+      <p:cxnSp>
+        <p:nvCxnSpPr>
+          <p:cNvPr id="132" name="Straight Connector 131">
+            <a:extLst>
+              <a:ext uri="{FF2B5EF4-FFF2-40B4-BE49-F238E27FC236}">
+                <a16:creationId xmlns:a16="http://schemas.microsoft.com/office/drawing/2014/main" id="{5D971B6C-6B57-BCDA-7447-A12E769A0C8D}"/>
+              </a:ext>
+            </a:extLst>
+          </p:cNvPr>
+          <p:cNvCxnSpPr>
+            <a:cxnSpLocks/>
+          </p:cNvCxnSpPr>
+          <p:nvPr/>
+        </p:nvCxnSpPr>
+        <p:spPr>
+          <a:xfrm flipH="1">
+            <a:off x="7457055" y="5799152"/>
+            <a:ext cx="776801" cy="409589"/>
+          </a:xfrm>
+          <a:prstGeom prst="line">
+            <a:avLst/>
+          </a:prstGeom>
+          <a:ln w="25400">
+            <a:solidFill>
+              <a:schemeClr val="accent2">
+                <a:lumMod val="75000"/>
+              </a:schemeClr>
+            </a:solidFill>
+          </a:ln>
+        </p:spPr>
+        <p:style>
+          <a:lnRef idx="1">
+            <a:schemeClr val="accent1"/>
+          </a:lnRef>
+          <a:fillRef idx="0">
+            <a:schemeClr val="accent1"/>
+          </a:fillRef>
+          <a:effectRef idx="0">
+            <a:schemeClr val="accent1"/>
+          </a:effectRef>
+          <a:fontRef idx="minor">
+            <a:schemeClr val="tx1"/>
+          </a:fontRef>
+        </p:style>
+      </p:cxnSp>
+      <p:cxnSp>
+        <p:nvCxnSpPr>
+          <p:cNvPr id="133" name="Straight Connector 132">
+            <a:extLst>
+              <a:ext uri="{FF2B5EF4-FFF2-40B4-BE49-F238E27FC236}">
+                <a16:creationId xmlns:a16="http://schemas.microsoft.com/office/drawing/2014/main" id="{CC20C3EC-E1EB-4DEF-3E64-8A13AE1573A4}"/>
+              </a:ext>
+            </a:extLst>
+          </p:cNvPr>
+          <p:cNvCxnSpPr>
+            <a:cxnSpLocks/>
+          </p:cNvCxnSpPr>
+          <p:nvPr/>
+        </p:nvCxnSpPr>
+        <p:spPr>
+          <a:xfrm flipH="1">
+            <a:off x="7324893" y="5458468"/>
+            <a:ext cx="776801" cy="409589"/>
+          </a:xfrm>
+          <a:prstGeom prst="line">
+            <a:avLst/>
+          </a:prstGeom>
+          <a:ln w="25400">
+            <a:solidFill>
+              <a:schemeClr val="accent2">
+                <a:lumMod val="75000"/>
+              </a:schemeClr>
+            </a:solidFill>
+          </a:ln>
+        </p:spPr>
+        <p:style>
+          <a:lnRef idx="1">
+            <a:schemeClr val="accent1"/>
+          </a:lnRef>
+          <a:fillRef idx="0">
+            <a:schemeClr val="accent1"/>
+          </a:fillRef>
+          <a:effectRef idx="0">
+            <a:schemeClr val="accent1"/>
+          </a:effectRef>
+          <a:fontRef idx="minor">
+            <a:schemeClr val="tx1"/>
+          </a:fontRef>
+        </p:style>
+      </p:cxnSp>
+      <p:cxnSp>
+        <p:nvCxnSpPr>
+          <p:cNvPr id="134" name="Straight Connector 133">
+            <a:extLst>
+              <a:ext uri="{FF2B5EF4-FFF2-40B4-BE49-F238E27FC236}">
+                <a16:creationId xmlns:a16="http://schemas.microsoft.com/office/drawing/2014/main" id="{34CF9CB7-98AC-1D33-DBDB-EC5BA7CBD512}"/>
+              </a:ext>
+            </a:extLst>
+          </p:cNvPr>
+          <p:cNvCxnSpPr>
+            <a:cxnSpLocks/>
+          </p:cNvCxnSpPr>
+          <p:nvPr/>
+        </p:nvCxnSpPr>
+        <p:spPr>
+          <a:xfrm flipH="1">
+            <a:off x="7338216" y="5131406"/>
+            <a:ext cx="776801" cy="409589"/>
+          </a:xfrm>
+          <a:prstGeom prst="line">
+            <a:avLst/>
+          </a:prstGeom>
+          <a:ln w="25400">
+            <a:solidFill>
+              <a:schemeClr val="accent2">
+                <a:lumMod val="75000"/>
+              </a:schemeClr>
+            </a:solidFill>
+          </a:ln>
+        </p:spPr>
+        <p:style>
+          <a:lnRef idx="1">
+            <a:schemeClr val="accent1"/>
+          </a:lnRef>
+          <a:fillRef idx="0">
+            <a:schemeClr val="accent1"/>
+          </a:fillRef>
+          <a:effectRef idx="0">
+            <a:schemeClr val="accent1"/>
+          </a:effectRef>
+          <a:fontRef idx="minor">
+            <a:schemeClr val="tx1"/>
+          </a:fontRef>
+        </p:style>
+      </p:cxnSp>
+      <p:cxnSp>
+        <p:nvCxnSpPr>
+          <p:cNvPr id="135" name="Straight Connector 134">
+            <a:extLst>
+              <a:ext uri="{FF2B5EF4-FFF2-40B4-BE49-F238E27FC236}">
+                <a16:creationId xmlns:a16="http://schemas.microsoft.com/office/drawing/2014/main" id="{50BD5243-4EC8-0194-9E06-B05DB9FC19FF}"/>
+              </a:ext>
+            </a:extLst>
+          </p:cNvPr>
+          <p:cNvCxnSpPr>
+            <a:cxnSpLocks/>
+          </p:cNvCxnSpPr>
+          <p:nvPr/>
+        </p:nvCxnSpPr>
+        <p:spPr>
+          <a:xfrm flipH="1">
+            <a:off x="7613967" y="3477323"/>
+            <a:ext cx="776801" cy="409589"/>
+          </a:xfrm>
+          <a:prstGeom prst="line">
+            <a:avLst/>
+          </a:prstGeom>
+          <a:ln w="25400">
+            <a:solidFill>
+              <a:schemeClr val="accent2">
+                <a:lumMod val="75000"/>
+              </a:schemeClr>
+            </a:solidFill>
+          </a:ln>
+        </p:spPr>
+        <p:style>
+          <a:lnRef idx="1">
+            <a:schemeClr val="accent1"/>
+          </a:lnRef>
+          <a:fillRef idx="0">
+            <a:schemeClr val="accent1"/>
+          </a:fillRef>
+          <a:effectRef idx="0">
+            <a:schemeClr val="accent1"/>
+          </a:effectRef>
+          <a:fontRef idx="minor">
+            <a:schemeClr val="tx1"/>
+          </a:fontRef>
+        </p:style>
+      </p:cxnSp>
+      <p:cxnSp>
+        <p:nvCxnSpPr>
+          <p:cNvPr id="136" name="Straight Connector 135">
+            <a:extLst>
+              <a:ext uri="{FF2B5EF4-FFF2-40B4-BE49-F238E27FC236}">
+                <a16:creationId xmlns:a16="http://schemas.microsoft.com/office/drawing/2014/main" id="{EC2D49C5-9B13-60F3-9925-A35011FC3EB1}"/>
+              </a:ext>
+            </a:extLst>
+          </p:cNvPr>
+          <p:cNvCxnSpPr>
+            <a:cxnSpLocks/>
+          </p:cNvCxnSpPr>
+          <p:nvPr/>
+        </p:nvCxnSpPr>
+        <p:spPr>
+          <a:xfrm flipH="1">
+            <a:off x="7661542" y="3175882"/>
+            <a:ext cx="776801" cy="409589"/>
+          </a:xfrm>
+          <a:prstGeom prst="line">
+            <a:avLst/>
+          </a:prstGeom>
+          <a:ln w="25400">
+            <a:solidFill>
+              <a:schemeClr val="accent2">
+                <a:lumMod val="75000"/>
+              </a:schemeClr>
+            </a:solidFill>
+          </a:ln>
+        </p:spPr>
+        <p:style>
+          <a:lnRef idx="1">
+            <a:schemeClr val="accent1"/>
+          </a:lnRef>
+          <a:fillRef idx="0">
+            <a:schemeClr val="accent1"/>
+          </a:fillRef>
+          <a:effectRef idx="0">
+            <a:schemeClr val="accent1"/>
+          </a:effectRef>
+          <a:fontRef idx="minor">
+            <a:schemeClr val="tx1"/>
+          </a:fontRef>
+        </p:style>
+      </p:cxnSp>
+      <p:cxnSp>
+        <p:nvCxnSpPr>
+          <p:cNvPr id="141" name="Straight Connector 140">
+            <a:extLst>
+              <a:ext uri="{FF2B5EF4-FFF2-40B4-BE49-F238E27FC236}">
+                <a16:creationId xmlns:a16="http://schemas.microsoft.com/office/drawing/2014/main" id="{739F8672-D492-AD59-904E-F565CA371335}"/>
+              </a:ext>
+            </a:extLst>
+          </p:cNvPr>
+          <p:cNvCxnSpPr>
+            <a:cxnSpLocks/>
+          </p:cNvCxnSpPr>
+          <p:nvPr/>
+        </p:nvCxnSpPr>
+        <p:spPr>
+          <a:xfrm>
+            <a:off x="9220807" y="6139723"/>
+            <a:ext cx="246014" cy="0"/>
+          </a:xfrm>
+          <a:prstGeom prst="line">
+            <a:avLst/>
+          </a:prstGeom>
+          <a:ln w="22225">
+            <a:solidFill>
+              <a:schemeClr val="tx1"/>
+            </a:solidFill>
+          </a:ln>
+        </p:spPr>
+        <p:style>
+          <a:lnRef idx="1">
+            <a:schemeClr val="accent1"/>
+          </a:lnRef>
+          <a:fillRef idx="0">
+            <a:schemeClr val="accent1"/>
+          </a:fillRef>
+          <a:effectRef idx="0">
+            <a:schemeClr val="accent1"/>
+          </a:effectRef>
+          <a:fontRef idx="minor">
+            <a:schemeClr val="tx1"/>
+          </a:fontRef>
+        </p:style>
+      </p:cxnSp>
+      <p:cxnSp>
+        <p:nvCxnSpPr>
+          <p:cNvPr id="143" name="Straight Connector 142">
+            <a:extLst>
+              <a:ext uri="{FF2B5EF4-FFF2-40B4-BE49-F238E27FC236}">
+                <a16:creationId xmlns:a16="http://schemas.microsoft.com/office/drawing/2014/main" id="{F959E42D-06FE-8CA6-461D-819CC39B288E}"/>
+              </a:ext>
+            </a:extLst>
+          </p:cNvPr>
+          <p:cNvCxnSpPr>
+            <a:cxnSpLocks/>
+          </p:cNvCxnSpPr>
+          <p:nvPr/>
+        </p:nvCxnSpPr>
+        <p:spPr>
+          <a:xfrm>
+            <a:off x="9325507" y="3175882"/>
+            <a:ext cx="141314" cy="5478"/>
+          </a:xfrm>
+          <a:prstGeom prst="line">
+            <a:avLst/>
+          </a:prstGeom>
+          <a:ln w="22225">
+            <a:solidFill>
+              <a:schemeClr val="tx1"/>
+            </a:solidFill>
+          </a:ln>
+        </p:spPr>
+        <p:style>
+          <a:lnRef idx="1">
+            <a:schemeClr val="accent1"/>
+          </a:lnRef>
+          <a:fillRef idx="0">
+            <a:schemeClr val="accent1"/>
+          </a:fillRef>
+          <a:effectRef idx="0">
+            <a:schemeClr val="accent1"/>
+          </a:effectRef>
+          <a:fontRef idx="minor">
+            <a:schemeClr val="tx1"/>
+          </a:fontRef>
+        </p:style>
+      </p:cxnSp>
+      <p:sp>
+        <p:nvSpPr>
+          <p:cNvPr id="145" name="TextBox 144">
+            <a:extLst>
+              <a:ext uri="{FF2B5EF4-FFF2-40B4-BE49-F238E27FC236}">
+                <a16:creationId xmlns:a16="http://schemas.microsoft.com/office/drawing/2014/main" id="{1755A387-EB65-135A-7231-4D6BFF12FCB6}"/>
+              </a:ext>
+            </a:extLst>
+          </p:cNvPr>
+          <p:cNvSpPr txBox="1"/>
+          <p:nvPr/>
+        </p:nvSpPr>
+        <p:spPr>
+          <a:xfrm>
+            <a:off x="10441875" y="5786395"/>
+            <a:ext cx="566181" cy="369332"/>
+          </a:xfrm>
+          <a:prstGeom prst="rect">
+            <a:avLst/>
+          </a:prstGeom>
+          <a:noFill/>
+        </p:spPr>
+        <p:txBody>
+          <a:bodyPr wrap="none" rtlCol="0">
+            <a:spAutoFit/>
+          </a:bodyPr>
+          <a:lstStyle/>
+          <a:p>
+            <a:r>
+              <a:rPr lang="en-GB" dirty="0">
+                <a:solidFill>
+                  <a:schemeClr val="accent6">
+                    <a:lumMod val="75000"/>
+                  </a:schemeClr>
+                </a:solidFill>
+              </a:rPr>
+              <a:t> </a:t>
+            </a:r>
+            <a:r>
+              <a:rPr lang="el-GR" dirty="0">
+                <a:solidFill>
+                  <a:schemeClr val="accent6">
+                    <a:lumMod val="75000"/>
+                  </a:schemeClr>
+                </a:solidFill>
+                <a:latin typeface="Calibri" panose="020F0502020204030204" pitchFamily="34" charset="0"/>
+                <a:cs typeface="Calibri" panose="020F0502020204030204" pitchFamily="34" charset="0"/>
+              </a:rPr>
+              <a:t>Γ</a:t>
+            </a:r>
+            <a:r>
+              <a:rPr lang="en-GB" dirty="0">
+                <a:solidFill>
+                  <a:schemeClr val="accent6">
+                    <a:lumMod val="75000"/>
+                  </a:schemeClr>
+                </a:solidFill>
+                <a:latin typeface="Calibri" panose="020F0502020204030204" pitchFamily="34" charset="0"/>
+                <a:cs typeface="Calibri" panose="020F0502020204030204" pitchFamily="34" charset="0"/>
+              </a:rPr>
+              <a:t>_0</a:t>
+            </a:r>
+            <a:endParaRPr lang="en-GB" dirty="0">
+              <a:solidFill>
+                <a:schemeClr val="accent6">
+                  <a:lumMod val="75000"/>
+                </a:schemeClr>
+              </a:solidFill>
+            </a:endParaRPr>
+          </a:p>
+        </p:txBody>
+      </p:sp>
+      <p:sp>
+        <p:nvSpPr>
+          <p:cNvPr id="146" name="TextBox 145">
+            <a:extLst>
+              <a:ext uri="{FF2B5EF4-FFF2-40B4-BE49-F238E27FC236}">
+                <a16:creationId xmlns:a16="http://schemas.microsoft.com/office/drawing/2014/main" id="{C05E5463-C2A2-D1A6-1D74-40013094C535}"/>
+              </a:ext>
+            </a:extLst>
+          </p:cNvPr>
+          <p:cNvSpPr txBox="1"/>
+          <p:nvPr/>
+        </p:nvSpPr>
+        <p:spPr>
+          <a:xfrm>
+            <a:off x="10506528" y="3090796"/>
+            <a:ext cx="758541" cy="369332"/>
+          </a:xfrm>
+          <a:prstGeom prst="rect">
+            <a:avLst/>
+          </a:prstGeom>
+          <a:noFill/>
+        </p:spPr>
+        <p:txBody>
+          <a:bodyPr wrap="none" rtlCol="0">
+            <a:spAutoFit/>
+          </a:bodyPr>
+          <a:lstStyle/>
+          <a:p>
+            <a:r>
+              <a:rPr lang="en-GB" dirty="0">
+                <a:solidFill>
+                  <a:schemeClr val="accent6">
+                    <a:lumMod val="75000"/>
+                  </a:schemeClr>
+                </a:solidFill>
+              </a:rPr>
+              <a:t> </a:t>
+            </a:r>
+            <a:r>
+              <a:rPr lang="el-GR" dirty="0">
+                <a:solidFill>
+                  <a:schemeClr val="accent6">
+                    <a:lumMod val="75000"/>
+                  </a:schemeClr>
+                </a:solidFill>
+                <a:latin typeface="Calibri" panose="020F0502020204030204" pitchFamily="34" charset="0"/>
+                <a:cs typeface="Calibri" panose="020F0502020204030204" pitchFamily="34" charset="0"/>
+              </a:rPr>
+              <a:t>Γ</a:t>
+            </a:r>
+            <a:r>
+              <a:rPr lang="en-GB" dirty="0">
+                <a:solidFill>
+                  <a:schemeClr val="accent6">
+                    <a:lumMod val="75000"/>
+                  </a:schemeClr>
+                </a:solidFill>
+                <a:latin typeface="Calibri" panose="020F0502020204030204" pitchFamily="34" charset="0"/>
+                <a:cs typeface="Calibri" panose="020F0502020204030204" pitchFamily="34" charset="0"/>
+              </a:rPr>
+              <a:t>_n-1</a:t>
+            </a:r>
+            <a:endParaRPr lang="en-GB" dirty="0">
+              <a:solidFill>
+                <a:schemeClr val="accent6">
+                  <a:lumMod val="75000"/>
+                </a:schemeClr>
+              </a:solidFill>
+            </a:endParaRPr>
+          </a:p>
+        </p:txBody>
+      </p:sp>
+      <p:sp>
+        <p:nvSpPr>
+          <p:cNvPr id="147" name="TextBox 146">
+            <a:extLst>
+              <a:ext uri="{FF2B5EF4-FFF2-40B4-BE49-F238E27FC236}">
+                <a16:creationId xmlns:a16="http://schemas.microsoft.com/office/drawing/2014/main" id="{62D480F2-B231-A9E4-14A0-2EAB94700302}"/>
+              </a:ext>
+            </a:extLst>
+          </p:cNvPr>
+          <p:cNvSpPr txBox="1"/>
+          <p:nvPr/>
+        </p:nvSpPr>
+        <p:spPr>
+          <a:xfrm>
+            <a:off x="10428048" y="5131406"/>
+            <a:ext cx="566181" cy="369332"/>
+          </a:xfrm>
+          <a:prstGeom prst="rect">
+            <a:avLst/>
+          </a:prstGeom>
+          <a:noFill/>
+        </p:spPr>
+        <p:txBody>
+          <a:bodyPr wrap="none" rtlCol="0">
+            <a:spAutoFit/>
+          </a:bodyPr>
+          <a:lstStyle/>
+          <a:p>
+            <a:r>
+              <a:rPr lang="en-GB" dirty="0">
+                <a:solidFill>
+                  <a:schemeClr val="accent6">
+                    <a:lumMod val="75000"/>
+                  </a:schemeClr>
+                </a:solidFill>
+              </a:rPr>
+              <a:t> </a:t>
+            </a:r>
+            <a:r>
+              <a:rPr lang="el-GR" dirty="0">
+                <a:solidFill>
+                  <a:schemeClr val="accent6">
+                    <a:lumMod val="75000"/>
+                  </a:schemeClr>
+                </a:solidFill>
+                <a:latin typeface="Calibri" panose="020F0502020204030204" pitchFamily="34" charset="0"/>
+                <a:cs typeface="Calibri" panose="020F0502020204030204" pitchFamily="34" charset="0"/>
+              </a:rPr>
+              <a:t>Γ</a:t>
+            </a:r>
+            <a:r>
+              <a:rPr lang="en-GB" dirty="0">
+                <a:solidFill>
+                  <a:schemeClr val="accent6">
+                    <a:lumMod val="75000"/>
+                  </a:schemeClr>
+                </a:solidFill>
+                <a:latin typeface="Calibri" panose="020F0502020204030204" pitchFamily="34" charset="0"/>
+                <a:cs typeface="Calibri" panose="020F0502020204030204" pitchFamily="34" charset="0"/>
+              </a:rPr>
+              <a:t>_2</a:t>
+            </a:r>
+            <a:endParaRPr lang="en-GB" dirty="0">
+              <a:solidFill>
+                <a:schemeClr val="accent6">
+                  <a:lumMod val="75000"/>
+                </a:schemeClr>
+              </a:solidFill>
+            </a:endParaRPr>
+          </a:p>
+        </p:txBody>
+      </p:sp>
+      <p:sp>
+        <p:nvSpPr>
+          <p:cNvPr id="148" name="TextBox 147">
+            <a:extLst>
+              <a:ext uri="{FF2B5EF4-FFF2-40B4-BE49-F238E27FC236}">
+                <a16:creationId xmlns:a16="http://schemas.microsoft.com/office/drawing/2014/main" id="{D5409101-2275-55D8-93ED-E203E98D8026}"/>
+              </a:ext>
+            </a:extLst>
+          </p:cNvPr>
+          <p:cNvSpPr txBox="1"/>
+          <p:nvPr/>
+        </p:nvSpPr>
+        <p:spPr>
+          <a:xfrm>
+            <a:off x="10453019" y="5444200"/>
+            <a:ext cx="566181" cy="369332"/>
+          </a:xfrm>
+          <a:prstGeom prst="rect">
+            <a:avLst/>
+          </a:prstGeom>
+          <a:noFill/>
+        </p:spPr>
+        <p:txBody>
+          <a:bodyPr wrap="none" rtlCol="0">
+            <a:spAutoFit/>
+          </a:bodyPr>
+          <a:lstStyle/>
+          <a:p>
+            <a:r>
+              <a:rPr lang="en-GB" dirty="0">
+                <a:solidFill>
+                  <a:schemeClr val="accent6">
+                    <a:lumMod val="75000"/>
+                  </a:schemeClr>
+                </a:solidFill>
+              </a:rPr>
+              <a:t> </a:t>
+            </a:r>
+            <a:r>
+              <a:rPr lang="el-GR" dirty="0">
+                <a:solidFill>
+                  <a:schemeClr val="accent6">
+                    <a:lumMod val="75000"/>
+                  </a:schemeClr>
+                </a:solidFill>
+                <a:latin typeface="Calibri" panose="020F0502020204030204" pitchFamily="34" charset="0"/>
+                <a:cs typeface="Calibri" panose="020F0502020204030204" pitchFamily="34" charset="0"/>
+              </a:rPr>
+              <a:t>Γ</a:t>
+            </a:r>
+            <a:r>
+              <a:rPr lang="en-GB" dirty="0">
+                <a:solidFill>
+                  <a:schemeClr val="accent6">
+                    <a:lumMod val="75000"/>
+                  </a:schemeClr>
+                </a:solidFill>
+                <a:latin typeface="Calibri" panose="020F0502020204030204" pitchFamily="34" charset="0"/>
+                <a:cs typeface="Calibri" panose="020F0502020204030204" pitchFamily="34" charset="0"/>
+              </a:rPr>
+              <a:t>_1</a:t>
+            </a:r>
+            <a:endParaRPr lang="en-GB" dirty="0">
+              <a:solidFill>
+                <a:schemeClr val="accent6">
+                  <a:lumMod val="75000"/>
+                </a:schemeClr>
+              </a:solidFill>
+            </a:endParaRPr>
+          </a:p>
+        </p:txBody>
+      </p:sp>
+      <p:sp>
+        <p:nvSpPr>
+          <p:cNvPr id="149" name="TextBox 148">
+            <a:extLst>
+              <a:ext uri="{FF2B5EF4-FFF2-40B4-BE49-F238E27FC236}">
+                <a16:creationId xmlns:a16="http://schemas.microsoft.com/office/drawing/2014/main" id="{D17A558C-D83B-D815-DC20-5EBE0AEA7AF3}"/>
+              </a:ext>
+            </a:extLst>
+          </p:cNvPr>
+          <p:cNvSpPr txBox="1"/>
+          <p:nvPr/>
+        </p:nvSpPr>
+        <p:spPr>
+          <a:xfrm>
+            <a:off x="7941918" y="6331148"/>
+            <a:ext cx="753732" cy="369332"/>
+          </a:xfrm>
+          <a:prstGeom prst="rect">
+            <a:avLst/>
+          </a:prstGeom>
+          <a:noFill/>
+        </p:spPr>
+        <p:txBody>
+          <a:bodyPr wrap="none" rtlCol="0">
+            <a:spAutoFit/>
+          </a:bodyPr>
+          <a:lstStyle/>
+          <a:p>
+            <a:r>
+              <a:rPr lang="en-GB" dirty="0">
+                <a:solidFill>
+                  <a:schemeClr val="accent6">
+                    <a:lumMod val="75000"/>
+                  </a:schemeClr>
+                </a:solidFill>
+              </a:rPr>
+              <a:t> </a:t>
+            </a:r>
+            <a:r>
+              <a:rPr lang="en-GB" dirty="0">
+                <a:solidFill>
+                  <a:schemeClr val="accent2">
+                    <a:lumMod val="75000"/>
+                  </a:schemeClr>
+                </a:solidFill>
+              </a:rPr>
+              <a:t>0-</a:t>
+            </a:r>
+            <a:r>
+              <a:rPr lang="el-GR" dirty="0">
+                <a:solidFill>
+                  <a:schemeClr val="accent2">
+                    <a:lumMod val="75000"/>
+                  </a:schemeClr>
+                </a:solidFill>
+                <a:latin typeface="Calibri" panose="020F0502020204030204" pitchFamily="34" charset="0"/>
+                <a:cs typeface="Calibri" panose="020F0502020204030204" pitchFamily="34" charset="0"/>
+              </a:rPr>
+              <a:t>Γ</a:t>
+            </a:r>
+            <a:r>
+              <a:rPr lang="en-GB" dirty="0">
+                <a:solidFill>
+                  <a:schemeClr val="accent2">
+                    <a:lumMod val="75000"/>
+                  </a:schemeClr>
+                </a:solidFill>
+                <a:latin typeface="Calibri" panose="020F0502020204030204" pitchFamily="34" charset="0"/>
+                <a:cs typeface="Calibri" panose="020F0502020204030204" pitchFamily="34" charset="0"/>
+              </a:rPr>
+              <a:t>_0</a:t>
+            </a:r>
+            <a:endParaRPr lang="en-GB" dirty="0">
+              <a:solidFill>
+                <a:schemeClr val="accent2">
+                  <a:lumMod val="75000"/>
+                </a:schemeClr>
+              </a:solidFill>
+            </a:endParaRPr>
+          </a:p>
+        </p:txBody>
+      </p:sp>
+      <p:sp>
+        <p:nvSpPr>
+          <p:cNvPr id="150" name="TextBox 149">
+            <a:extLst>
+              <a:ext uri="{FF2B5EF4-FFF2-40B4-BE49-F238E27FC236}">
+                <a16:creationId xmlns:a16="http://schemas.microsoft.com/office/drawing/2014/main" id="{E54D262E-A342-FC0E-FB20-7EBA92CBC53E}"/>
+              </a:ext>
+            </a:extLst>
+          </p:cNvPr>
+          <p:cNvSpPr txBox="1"/>
+          <p:nvPr/>
+        </p:nvSpPr>
+        <p:spPr>
+          <a:xfrm>
+            <a:off x="6860235" y="6155727"/>
+            <a:ext cx="965329" cy="369332"/>
+          </a:xfrm>
+          <a:prstGeom prst="rect">
+            <a:avLst/>
+          </a:prstGeom>
+          <a:noFill/>
+        </p:spPr>
+        <p:txBody>
+          <a:bodyPr wrap="none" rtlCol="0">
+            <a:spAutoFit/>
+          </a:bodyPr>
+          <a:lstStyle/>
+          <a:p>
+            <a:r>
+              <a:rPr lang="en-GB" dirty="0">
+                <a:solidFill>
+                  <a:schemeClr val="accent6">
+                    <a:lumMod val="75000"/>
+                  </a:schemeClr>
+                </a:solidFill>
+              </a:rPr>
+              <a:t> </a:t>
+            </a:r>
+            <a:r>
+              <a:rPr lang="el-GR" dirty="0">
+                <a:solidFill>
+                  <a:schemeClr val="accent2">
+                    <a:lumMod val="75000"/>
+                  </a:schemeClr>
+                </a:solidFill>
+                <a:latin typeface="Calibri" panose="020F0502020204030204" pitchFamily="34" charset="0"/>
+                <a:cs typeface="Calibri" panose="020F0502020204030204" pitchFamily="34" charset="0"/>
+              </a:rPr>
+              <a:t>Γ</a:t>
+            </a:r>
+            <a:r>
+              <a:rPr lang="en-GB" dirty="0">
+                <a:solidFill>
+                  <a:schemeClr val="accent2">
+                    <a:lumMod val="75000"/>
+                  </a:schemeClr>
+                </a:solidFill>
+                <a:latin typeface="Calibri" panose="020F0502020204030204" pitchFamily="34" charset="0"/>
+                <a:cs typeface="Calibri" panose="020F0502020204030204" pitchFamily="34" charset="0"/>
+              </a:rPr>
+              <a:t>_0-</a:t>
+            </a:r>
+            <a:r>
+              <a:rPr lang="el-GR" dirty="0">
+                <a:solidFill>
+                  <a:schemeClr val="accent2">
+                    <a:lumMod val="75000"/>
+                  </a:schemeClr>
+                </a:solidFill>
+                <a:latin typeface="Calibri" panose="020F0502020204030204" pitchFamily="34" charset="0"/>
+                <a:cs typeface="Calibri" panose="020F0502020204030204" pitchFamily="34" charset="0"/>
+              </a:rPr>
+              <a:t>Γ</a:t>
+            </a:r>
+            <a:r>
+              <a:rPr lang="en-GB" dirty="0">
+                <a:solidFill>
+                  <a:schemeClr val="accent2">
+                    <a:lumMod val="75000"/>
+                  </a:schemeClr>
+                </a:solidFill>
+                <a:latin typeface="Calibri" panose="020F0502020204030204" pitchFamily="34" charset="0"/>
+                <a:cs typeface="Calibri" panose="020F0502020204030204" pitchFamily="34" charset="0"/>
+              </a:rPr>
+              <a:t>_1</a:t>
+            </a:r>
+            <a:endParaRPr lang="en-GB" dirty="0">
+              <a:solidFill>
+                <a:schemeClr val="accent2">
+                  <a:lumMod val="75000"/>
+                </a:schemeClr>
+              </a:solidFill>
+            </a:endParaRPr>
+          </a:p>
+        </p:txBody>
+      </p:sp>
+      <p:sp>
+        <p:nvSpPr>
+          <p:cNvPr id="151" name="TextBox 150">
+            <a:extLst>
+              <a:ext uri="{FF2B5EF4-FFF2-40B4-BE49-F238E27FC236}">
+                <a16:creationId xmlns:a16="http://schemas.microsoft.com/office/drawing/2014/main" id="{668EB5F1-CFB5-4639-D261-97CE64734334}"/>
+              </a:ext>
+            </a:extLst>
+          </p:cNvPr>
+          <p:cNvSpPr txBox="1"/>
+          <p:nvPr/>
+        </p:nvSpPr>
+        <p:spPr>
+          <a:xfrm>
+            <a:off x="6427626" y="5699395"/>
+            <a:ext cx="965329" cy="369332"/>
+          </a:xfrm>
+          <a:prstGeom prst="rect">
+            <a:avLst/>
+          </a:prstGeom>
+          <a:noFill/>
+        </p:spPr>
+        <p:txBody>
+          <a:bodyPr wrap="none" rtlCol="0">
+            <a:spAutoFit/>
+          </a:bodyPr>
+          <a:lstStyle/>
+          <a:p>
+            <a:r>
+              <a:rPr lang="en-GB" dirty="0">
+                <a:solidFill>
+                  <a:schemeClr val="accent6">
+                    <a:lumMod val="75000"/>
+                  </a:schemeClr>
+                </a:solidFill>
+              </a:rPr>
+              <a:t> </a:t>
+            </a:r>
+            <a:r>
+              <a:rPr lang="el-GR" dirty="0">
+                <a:solidFill>
+                  <a:schemeClr val="accent2">
+                    <a:lumMod val="75000"/>
+                  </a:schemeClr>
+                </a:solidFill>
+                <a:latin typeface="Calibri" panose="020F0502020204030204" pitchFamily="34" charset="0"/>
+                <a:cs typeface="Calibri" panose="020F0502020204030204" pitchFamily="34" charset="0"/>
+              </a:rPr>
+              <a:t>Γ</a:t>
+            </a:r>
+            <a:r>
+              <a:rPr lang="en-GB" dirty="0">
+                <a:solidFill>
+                  <a:schemeClr val="accent2">
+                    <a:lumMod val="75000"/>
+                  </a:schemeClr>
+                </a:solidFill>
+                <a:latin typeface="Calibri" panose="020F0502020204030204" pitchFamily="34" charset="0"/>
+                <a:cs typeface="Calibri" panose="020F0502020204030204" pitchFamily="34" charset="0"/>
+              </a:rPr>
+              <a:t>_1-</a:t>
+            </a:r>
+            <a:r>
+              <a:rPr lang="el-GR" dirty="0">
+                <a:solidFill>
+                  <a:schemeClr val="accent2">
+                    <a:lumMod val="75000"/>
+                  </a:schemeClr>
+                </a:solidFill>
+                <a:latin typeface="Calibri" panose="020F0502020204030204" pitchFamily="34" charset="0"/>
+                <a:cs typeface="Calibri" panose="020F0502020204030204" pitchFamily="34" charset="0"/>
+              </a:rPr>
+              <a:t>Γ</a:t>
+            </a:r>
+            <a:r>
+              <a:rPr lang="en-GB" dirty="0">
+                <a:solidFill>
+                  <a:schemeClr val="accent2">
+                    <a:lumMod val="75000"/>
+                  </a:schemeClr>
+                </a:solidFill>
+                <a:latin typeface="Calibri" panose="020F0502020204030204" pitchFamily="34" charset="0"/>
+                <a:cs typeface="Calibri" panose="020F0502020204030204" pitchFamily="34" charset="0"/>
+              </a:rPr>
+              <a:t>_2</a:t>
+            </a:r>
+            <a:endParaRPr lang="en-GB" dirty="0">
+              <a:solidFill>
+                <a:schemeClr val="accent2">
+                  <a:lumMod val="75000"/>
+                </a:schemeClr>
+              </a:solidFill>
+            </a:endParaRPr>
+          </a:p>
+        </p:txBody>
+      </p:sp>
+      <p:sp>
+        <p:nvSpPr>
+          <p:cNvPr id="152" name="TextBox 151">
+            <a:extLst>
+              <a:ext uri="{FF2B5EF4-FFF2-40B4-BE49-F238E27FC236}">
+                <a16:creationId xmlns:a16="http://schemas.microsoft.com/office/drawing/2014/main" id="{BF89B629-69D6-AFF6-BB27-96FFA91E0B0A}"/>
+              </a:ext>
+            </a:extLst>
+          </p:cNvPr>
+          <p:cNvSpPr txBox="1"/>
+          <p:nvPr/>
+        </p:nvSpPr>
+        <p:spPr>
+          <a:xfrm>
+            <a:off x="6360046" y="5295089"/>
+            <a:ext cx="965329" cy="369332"/>
+          </a:xfrm>
+          <a:prstGeom prst="rect">
+            <a:avLst/>
+          </a:prstGeom>
+          <a:noFill/>
+        </p:spPr>
+        <p:txBody>
+          <a:bodyPr wrap="none" rtlCol="0">
+            <a:spAutoFit/>
+          </a:bodyPr>
+          <a:lstStyle/>
+          <a:p>
+            <a:r>
+              <a:rPr lang="en-GB" dirty="0">
+                <a:solidFill>
+                  <a:schemeClr val="accent6">
+                    <a:lumMod val="75000"/>
+                  </a:schemeClr>
+                </a:solidFill>
+              </a:rPr>
+              <a:t> </a:t>
+            </a:r>
+            <a:r>
+              <a:rPr lang="el-GR" dirty="0">
+                <a:solidFill>
+                  <a:schemeClr val="accent2">
+                    <a:lumMod val="75000"/>
+                  </a:schemeClr>
+                </a:solidFill>
+                <a:latin typeface="Calibri" panose="020F0502020204030204" pitchFamily="34" charset="0"/>
+                <a:cs typeface="Calibri" panose="020F0502020204030204" pitchFamily="34" charset="0"/>
+              </a:rPr>
+              <a:t>Γ</a:t>
+            </a:r>
+            <a:r>
+              <a:rPr lang="en-GB" dirty="0">
+                <a:solidFill>
+                  <a:schemeClr val="accent2">
+                    <a:lumMod val="75000"/>
+                  </a:schemeClr>
+                </a:solidFill>
+                <a:latin typeface="Calibri" panose="020F0502020204030204" pitchFamily="34" charset="0"/>
+                <a:cs typeface="Calibri" panose="020F0502020204030204" pitchFamily="34" charset="0"/>
+              </a:rPr>
+              <a:t>_2-</a:t>
+            </a:r>
+            <a:r>
+              <a:rPr lang="el-GR" dirty="0">
+                <a:solidFill>
+                  <a:schemeClr val="accent2">
+                    <a:lumMod val="75000"/>
+                  </a:schemeClr>
+                </a:solidFill>
+                <a:latin typeface="Calibri" panose="020F0502020204030204" pitchFamily="34" charset="0"/>
+                <a:cs typeface="Calibri" panose="020F0502020204030204" pitchFamily="34" charset="0"/>
+              </a:rPr>
+              <a:t>Γ</a:t>
+            </a:r>
+            <a:r>
+              <a:rPr lang="en-GB" dirty="0">
+                <a:solidFill>
+                  <a:schemeClr val="accent2">
+                    <a:lumMod val="75000"/>
+                  </a:schemeClr>
+                </a:solidFill>
+                <a:latin typeface="Calibri" panose="020F0502020204030204" pitchFamily="34" charset="0"/>
+                <a:cs typeface="Calibri" panose="020F0502020204030204" pitchFamily="34" charset="0"/>
+              </a:rPr>
+              <a:t>_3</a:t>
+            </a:r>
+            <a:endParaRPr lang="en-GB" dirty="0">
+              <a:solidFill>
+                <a:schemeClr val="accent2">
+                  <a:lumMod val="75000"/>
+                </a:schemeClr>
+              </a:solidFill>
+            </a:endParaRPr>
+          </a:p>
+        </p:txBody>
+      </p:sp>
+      <p:sp>
+        <p:nvSpPr>
+          <p:cNvPr id="153" name="TextBox 152">
+            <a:extLst>
+              <a:ext uri="{FF2B5EF4-FFF2-40B4-BE49-F238E27FC236}">
+                <a16:creationId xmlns:a16="http://schemas.microsoft.com/office/drawing/2014/main" id="{8FD540AC-B58B-E76B-EF46-8535324EA044}"/>
+              </a:ext>
+            </a:extLst>
+          </p:cNvPr>
+          <p:cNvSpPr txBox="1"/>
+          <p:nvPr/>
+        </p:nvSpPr>
+        <p:spPr>
+          <a:xfrm>
+            <a:off x="6878361" y="3847299"/>
+            <a:ext cx="1350050" cy="369332"/>
+          </a:xfrm>
+          <a:prstGeom prst="rect">
+            <a:avLst/>
+          </a:prstGeom>
+          <a:noFill/>
+        </p:spPr>
+        <p:txBody>
+          <a:bodyPr wrap="none" rtlCol="0">
+            <a:spAutoFit/>
+          </a:bodyPr>
+          <a:lstStyle/>
+          <a:p>
+            <a:r>
+              <a:rPr lang="en-GB" dirty="0">
+                <a:solidFill>
+                  <a:schemeClr val="accent6">
+                    <a:lumMod val="75000"/>
+                  </a:schemeClr>
+                </a:solidFill>
+              </a:rPr>
+              <a:t> </a:t>
+            </a:r>
+            <a:r>
+              <a:rPr lang="el-GR" dirty="0">
+                <a:solidFill>
+                  <a:schemeClr val="accent2">
+                    <a:lumMod val="75000"/>
+                  </a:schemeClr>
+                </a:solidFill>
+                <a:latin typeface="Calibri" panose="020F0502020204030204" pitchFamily="34" charset="0"/>
+                <a:cs typeface="Calibri" panose="020F0502020204030204" pitchFamily="34" charset="0"/>
+              </a:rPr>
+              <a:t>Γ</a:t>
+            </a:r>
+            <a:r>
+              <a:rPr lang="en-GB" dirty="0">
+                <a:solidFill>
+                  <a:schemeClr val="accent2">
+                    <a:lumMod val="75000"/>
+                  </a:schemeClr>
+                </a:solidFill>
+                <a:latin typeface="Calibri" panose="020F0502020204030204" pitchFamily="34" charset="0"/>
+                <a:cs typeface="Calibri" panose="020F0502020204030204" pitchFamily="34" charset="0"/>
+              </a:rPr>
+              <a:t>_n-1-</a:t>
+            </a:r>
+            <a:r>
+              <a:rPr lang="el-GR" dirty="0">
+                <a:solidFill>
+                  <a:schemeClr val="accent2">
+                    <a:lumMod val="75000"/>
+                  </a:schemeClr>
+                </a:solidFill>
+                <a:latin typeface="Calibri" panose="020F0502020204030204" pitchFamily="34" charset="0"/>
+                <a:cs typeface="Calibri" panose="020F0502020204030204" pitchFamily="34" charset="0"/>
+              </a:rPr>
+              <a:t>Γ</a:t>
+            </a:r>
+            <a:r>
+              <a:rPr lang="en-GB" dirty="0">
+                <a:solidFill>
+                  <a:schemeClr val="accent2">
+                    <a:lumMod val="75000"/>
+                  </a:schemeClr>
+                </a:solidFill>
+                <a:latin typeface="Calibri" panose="020F0502020204030204" pitchFamily="34" charset="0"/>
+                <a:cs typeface="Calibri" panose="020F0502020204030204" pitchFamily="34" charset="0"/>
+              </a:rPr>
+              <a:t>_n-2</a:t>
+            </a:r>
+            <a:endParaRPr lang="en-GB" dirty="0">
+              <a:solidFill>
+                <a:schemeClr val="accent2">
+                  <a:lumMod val="75000"/>
+                </a:schemeClr>
+              </a:solidFill>
+            </a:endParaRPr>
+          </a:p>
+        </p:txBody>
+      </p:sp>
+      <p:sp>
+        <p:nvSpPr>
+          <p:cNvPr id="154" name="TextBox 153">
+            <a:extLst>
+              <a:ext uri="{FF2B5EF4-FFF2-40B4-BE49-F238E27FC236}">
+                <a16:creationId xmlns:a16="http://schemas.microsoft.com/office/drawing/2014/main" id="{A9B627D0-DDEB-BC4F-AFAC-7D57ED1A6459}"/>
+              </a:ext>
+            </a:extLst>
+          </p:cNvPr>
+          <p:cNvSpPr txBox="1"/>
+          <p:nvPr/>
+        </p:nvSpPr>
+        <p:spPr>
+          <a:xfrm>
+            <a:off x="6974722" y="3196333"/>
+            <a:ext cx="946093" cy="369332"/>
+          </a:xfrm>
+          <a:prstGeom prst="rect">
+            <a:avLst/>
+          </a:prstGeom>
+          <a:noFill/>
+        </p:spPr>
+        <p:txBody>
+          <a:bodyPr wrap="none" rtlCol="0">
+            <a:spAutoFit/>
+          </a:bodyPr>
+          <a:lstStyle/>
+          <a:p>
+            <a:r>
+              <a:rPr lang="en-GB" dirty="0">
+                <a:solidFill>
+                  <a:schemeClr val="accent6">
+                    <a:lumMod val="75000"/>
+                  </a:schemeClr>
+                </a:solidFill>
+              </a:rPr>
+              <a:t> </a:t>
+            </a:r>
+            <a:r>
+              <a:rPr lang="el-GR" dirty="0">
+                <a:solidFill>
+                  <a:schemeClr val="accent2">
+                    <a:lumMod val="75000"/>
+                  </a:schemeClr>
+                </a:solidFill>
+                <a:latin typeface="Calibri" panose="020F0502020204030204" pitchFamily="34" charset="0"/>
+                <a:cs typeface="Calibri" panose="020F0502020204030204" pitchFamily="34" charset="0"/>
+              </a:rPr>
+              <a:t>Γ</a:t>
+            </a:r>
+            <a:r>
+              <a:rPr lang="en-GB" dirty="0">
+                <a:solidFill>
+                  <a:schemeClr val="accent2">
+                    <a:lumMod val="75000"/>
+                  </a:schemeClr>
+                </a:solidFill>
+                <a:latin typeface="Calibri" panose="020F0502020204030204" pitchFamily="34" charset="0"/>
+                <a:cs typeface="Calibri" panose="020F0502020204030204" pitchFamily="34" charset="0"/>
+              </a:rPr>
+              <a:t>_n-1-0</a:t>
+            </a:r>
+            <a:endParaRPr lang="en-GB" dirty="0">
+              <a:solidFill>
+                <a:schemeClr val="accent2">
+                  <a:lumMod val="75000"/>
+                </a:schemeClr>
+              </a:solidFill>
+            </a:endParaRPr>
+          </a:p>
+        </p:txBody>
+      </p:sp>
+      <p:sp>
+        <p:nvSpPr>
+          <p:cNvPr id="155" name="Slide Number Placeholder 154">
+            <a:extLst>
+              <a:ext uri="{FF2B5EF4-FFF2-40B4-BE49-F238E27FC236}">
+                <a16:creationId xmlns:a16="http://schemas.microsoft.com/office/drawing/2014/main" id="{53BA9B4B-898E-5C80-B865-12387B3231B4}"/>
+              </a:ext>
+            </a:extLst>
+          </p:cNvPr>
+          <p:cNvSpPr>
+            <a:spLocks noGrp="1"/>
+          </p:cNvSpPr>
+          <p:nvPr>
+            <p:ph type="sldNum" sz="quarter" idx="12"/>
+          </p:nvPr>
+        </p:nvSpPr>
+        <p:spPr/>
+        <p:txBody>
+          <a:bodyPr/>
+          <a:lstStyle/>
+          <a:p>
+            <a:fld id="{978F724D-8C6F-42B5-AA71-1C7F80E824C8}" type="slidenum">
+              <a:rPr lang="de-DE" smtClean="0"/>
+              <a:t>6</a:t>
+            </a:fld>
+            <a:endParaRPr lang="de-DE" dirty="0"/>
+          </a:p>
+        </p:txBody>
+      </p:sp>
+      <p:sp>
+        <p:nvSpPr>
+          <p:cNvPr id="156" name="Oval 155">
+            <a:extLst>
+              <a:ext uri="{FF2B5EF4-FFF2-40B4-BE49-F238E27FC236}">
+                <a16:creationId xmlns:a16="http://schemas.microsoft.com/office/drawing/2014/main" id="{35E7C542-C85A-6089-8CA9-BA94A2BAB126}"/>
+              </a:ext>
+            </a:extLst>
+          </p:cNvPr>
+          <p:cNvSpPr>
+            <a:spLocks noChangeAspect="1"/>
+          </p:cNvSpPr>
+          <p:nvPr/>
+        </p:nvSpPr>
+        <p:spPr>
+          <a:xfrm>
+            <a:off x="9804730" y="4095673"/>
+            <a:ext cx="36000" cy="36000"/>
+          </a:xfrm>
+          <a:prstGeom prst="ellipse">
+            <a:avLst/>
+          </a:prstGeom>
+          <a:solidFill>
+            <a:schemeClr val="accent2"/>
+          </a:solidFill>
+          <a:ln>
+            <a:solidFill>
+              <a:schemeClr val="accent2"/>
+            </a:solidFill>
+          </a:ln>
+        </p:spPr>
+        <p:style>
+          <a:lnRef idx="2">
+            <a:schemeClr val="accent1">
+              <a:shade val="50000"/>
+            </a:schemeClr>
+          </a:lnRef>
+          <a:fillRef idx="1">
+            <a:schemeClr val="accent1"/>
+          </a:fillRef>
+          <a:effectRef idx="0">
+            <a:schemeClr val="accent1"/>
+          </a:effectRef>
+          <a:fontRef idx="minor">
+            <a:schemeClr val="lt1"/>
+          </a:fontRef>
+        </p:style>
+        <p:txBody>
+          <a:bodyPr rtlCol="0" anchor="ctr"/>
+          <a:lstStyle/>
+          <a:p>
+            <a:pPr algn="ctr"/>
+            <a:endParaRPr lang="en-GB" dirty="0"/>
+          </a:p>
+        </p:txBody>
+      </p:sp>
+      <p:sp>
+        <p:nvSpPr>
+          <p:cNvPr id="157" name="TextBox 156">
+            <a:extLst>
+              <a:ext uri="{FF2B5EF4-FFF2-40B4-BE49-F238E27FC236}">
+                <a16:creationId xmlns:a16="http://schemas.microsoft.com/office/drawing/2014/main" id="{CBDD922F-D236-E923-8053-ADB2900517BF}"/>
+              </a:ext>
+            </a:extLst>
+          </p:cNvPr>
+          <p:cNvSpPr txBox="1"/>
+          <p:nvPr/>
+        </p:nvSpPr>
+        <p:spPr>
+          <a:xfrm>
+            <a:off x="9791326" y="3912691"/>
+            <a:ext cx="2293641" cy="646331"/>
+          </a:xfrm>
+          <a:prstGeom prst="rect">
+            <a:avLst/>
+          </a:prstGeom>
+          <a:noFill/>
+        </p:spPr>
+        <p:txBody>
+          <a:bodyPr wrap="none" rtlCol="0">
+            <a:spAutoFit/>
+          </a:bodyPr>
+          <a:lstStyle/>
+          <a:p>
+            <a:r>
+              <a:rPr lang="en-GB" dirty="0"/>
+              <a:t>: control point, can be </a:t>
+            </a:r>
+          </a:p>
+          <a:p>
+            <a:r>
+              <a:rPr lang="en-GB" dirty="0"/>
+              <a:t>anywhere</a:t>
+            </a:r>
+          </a:p>
+        </p:txBody>
+      </p:sp>
     </p:spTree>
     <p:extLst>
       <p:ext uri="{BB962C8B-B14F-4D97-AF65-F5344CB8AC3E}">
         <p14:creationId xmlns:p14="http://schemas.microsoft.com/office/powerpoint/2010/main" val="2591095046"/>
+      </p:ext>
+    </p:extLst>
+  </p:cSld>
+  <p:clrMapOvr>
+    <a:masterClrMapping/>
+  </p:clrMapOvr>
+</p:sld>
+</file>
+
+<file path=ppt/slides/slide7.xml><?xml version="1.0" encoding="utf-8"?>
+<p:sld xmlns:a="http://schemas.openxmlformats.org/drawingml/2006/main" xmlns:r="http://schemas.openxmlformats.org/officeDocument/2006/relationships" xmlns:p="http://schemas.openxmlformats.org/presentationml/2006/main">
+  <p:cSld>
+    <p:spTree>
+      <p:nvGrpSpPr>
+        <p:cNvPr id="1" name=""/>
+        <p:cNvGrpSpPr/>
+        <p:nvPr/>
+      </p:nvGrpSpPr>
+      <p:grpSpPr>
+        <a:xfrm>
+          <a:off x="0" y="0"/>
+          <a:ext cx="0" cy="0"/>
+          <a:chOff x="0" y="0"/>
+          <a:chExt cx="0" cy="0"/>
+        </a:xfrm>
+      </p:grpSpPr>
+      <p:sp>
+        <p:nvSpPr>
+          <p:cNvPr id="2" name="Title 1">
+            <a:extLst>
+              <a:ext uri="{FF2B5EF4-FFF2-40B4-BE49-F238E27FC236}">
+                <a16:creationId xmlns:a16="http://schemas.microsoft.com/office/drawing/2014/main" id="{3DBF94F2-EB4E-61F1-607F-4AD35D72DBBA}"/>
+              </a:ext>
+            </a:extLst>
+          </p:cNvPr>
+          <p:cNvSpPr>
+            <a:spLocks noGrp="1"/>
+          </p:cNvSpPr>
+          <p:nvPr>
+            <p:ph type="title"/>
+          </p:nvPr>
+        </p:nvSpPr>
+        <p:spPr/>
+        <p:txBody>
+          <a:bodyPr/>
+          <a:lstStyle/>
+          <a:p>
+            <a:r>
+              <a:rPr lang="en-GB" dirty="0"/>
+              <a:t>For the user – calculating induction matrices</a:t>
+            </a:r>
+          </a:p>
+        </p:txBody>
+      </p:sp>
+      <p:sp>
+        <p:nvSpPr>
+          <p:cNvPr id="3" name="Content Placeholder 2">
+            <a:extLst>
+              <a:ext uri="{FF2B5EF4-FFF2-40B4-BE49-F238E27FC236}">
+                <a16:creationId xmlns:a16="http://schemas.microsoft.com/office/drawing/2014/main" id="{00089600-33A6-A6E8-02A4-C848DDF54769}"/>
+              </a:ext>
+            </a:extLst>
+          </p:cNvPr>
+          <p:cNvSpPr>
+            <a:spLocks noGrp="1"/>
+          </p:cNvSpPr>
+          <p:nvPr>
+            <p:ph idx="1"/>
+          </p:nvPr>
+        </p:nvSpPr>
+        <p:spPr/>
+        <p:txBody>
+          <a:bodyPr>
+            <a:normAutofit fontScale="92500" lnSpcReduction="10000"/>
+          </a:bodyPr>
+          <a:lstStyle/>
+          <a:p>
+            <a:pPr marL="514350" indent="-514350">
+              <a:buAutoNum type="arabicPeriod"/>
+            </a:pPr>
+            <a:r>
+              <a:rPr lang="en-GB" dirty="0"/>
+              <a:t>Create instance of </a:t>
+            </a:r>
+            <a:r>
+              <a:rPr lang="en-GB" dirty="0" err="1"/>
+              <a:t>VortexSystem</a:t>
+            </a:r>
+            <a:r>
+              <a:rPr lang="en-GB" dirty="0"/>
+              <a:t>()</a:t>
+            </a:r>
+          </a:p>
+          <a:p>
+            <a:pPr marL="514350" indent="-514350">
+              <a:buAutoNum type="arabicPeriod"/>
+            </a:pPr>
+            <a:r>
+              <a:rPr lang="en-GB" dirty="0" err="1"/>
+              <a:t>set_rotor</a:t>
+            </a:r>
+            <a:r>
+              <a:rPr lang="en-GB" dirty="0"/>
+              <a:t>(</a:t>
+            </a:r>
+            <a:r>
+              <a:rPr lang="en-GB" i="1" dirty="0"/>
+              <a:t>params1</a:t>
+            </a:r>
+            <a:r>
+              <a:rPr lang="en-GB" dirty="0"/>
+              <a:t>): set the rotor properties</a:t>
+            </a:r>
+          </a:p>
+          <a:p>
+            <a:pPr marL="514350" indent="-514350">
+              <a:buAutoNum type="arabicPeriod"/>
+            </a:pPr>
+            <a:r>
+              <a:rPr lang="en-GB" dirty="0" err="1"/>
+              <a:t>set_wake</a:t>
+            </a:r>
+            <a:r>
+              <a:rPr lang="en-GB" dirty="0"/>
+              <a:t>(</a:t>
+            </a:r>
+            <a:r>
+              <a:rPr lang="en-GB" i="1" dirty="0"/>
+              <a:t>params2</a:t>
+            </a:r>
+            <a:r>
+              <a:rPr lang="en-GB" dirty="0"/>
+              <a:t>): set the wake properties</a:t>
+            </a:r>
+          </a:p>
+          <a:p>
+            <a:pPr marL="514350" indent="-514350">
+              <a:buAutoNum type="arabicPeriod"/>
+            </a:pPr>
+            <a:r>
+              <a:rPr lang="en-GB" dirty="0"/>
+              <a:t>rotor(): calculates the coordinates of the vortex system</a:t>
+            </a:r>
+          </a:p>
+          <a:p>
+            <a:pPr marL="514350" indent="-514350">
+              <a:buAutoNum type="arabicPeriod"/>
+            </a:pPr>
+            <a:r>
+              <a:rPr lang="en-GB" dirty="0" err="1"/>
+              <a:t>set_control_points</a:t>
+            </a:r>
+            <a:r>
+              <a:rPr lang="en-GB" dirty="0"/>
+              <a:t>(</a:t>
+            </a:r>
+            <a:r>
+              <a:rPr lang="en-GB" i="1" dirty="0"/>
+              <a:t>params3</a:t>
+            </a:r>
+            <a:r>
+              <a:rPr lang="en-GB" dirty="0"/>
+              <a:t>): set the control points</a:t>
+            </a:r>
+          </a:p>
+          <a:p>
+            <a:pPr marL="514350" indent="-514350">
+              <a:buAutoNum type="arabicPeriod"/>
+            </a:pPr>
+            <a:r>
+              <a:rPr lang="en-GB" dirty="0" err="1"/>
+              <a:t>tu</a:t>
+            </a:r>
+            <a:r>
+              <a:rPr lang="en-GB" dirty="0"/>
+              <a:t>, tv, </a:t>
+            </a:r>
+            <a:r>
+              <a:rPr lang="en-GB" dirty="0" err="1"/>
+              <a:t>tw</a:t>
+            </a:r>
+            <a:r>
+              <a:rPr lang="en-GB" dirty="0"/>
+              <a:t> = </a:t>
+            </a:r>
+            <a:r>
+              <a:rPr lang="en-GB" dirty="0" err="1"/>
+              <a:t>trailing_induction_matrices</a:t>
+            </a:r>
+            <a:r>
+              <a:rPr lang="en-GB" dirty="0"/>
+              <a:t>(): get induction matrices from the trailing vortices for the three velocity components </a:t>
+            </a:r>
+          </a:p>
+          <a:p>
+            <a:pPr marL="514350" indent="-514350">
+              <a:buFont typeface="Arial" panose="020B0604020202020204" pitchFamily="34" charset="0"/>
+              <a:buAutoNum type="arabicPeriod"/>
+            </a:pPr>
+            <a:r>
+              <a:rPr lang="en-GB" dirty="0" err="1"/>
+              <a:t>bu</a:t>
+            </a:r>
+            <a:r>
+              <a:rPr lang="en-GB" dirty="0"/>
+              <a:t>, </a:t>
+            </a:r>
+            <a:r>
+              <a:rPr lang="en-GB" dirty="0" err="1"/>
+              <a:t>bv</a:t>
+            </a:r>
+            <a:r>
+              <a:rPr lang="en-GB" dirty="0"/>
+              <a:t>, </a:t>
+            </a:r>
+            <a:r>
+              <a:rPr lang="en-GB" dirty="0" err="1"/>
+              <a:t>bw</a:t>
+            </a:r>
+            <a:r>
+              <a:rPr lang="en-GB" dirty="0"/>
+              <a:t> = </a:t>
+            </a:r>
+            <a:r>
+              <a:rPr lang="en-GB" dirty="0" err="1"/>
+              <a:t>bound_induction_matrices</a:t>
+            </a:r>
+            <a:r>
+              <a:rPr lang="en-GB" dirty="0"/>
+              <a:t>() : get induction matrices from the bound vortices for the three velocity components </a:t>
+            </a:r>
+          </a:p>
+          <a:p>
+            <a:pPr marL="514350" indent="-514350">
+              <a:buFont typeface="Arial" panose="020B0604020202020204" pitchFamily="34" charset="0"/>
+              <a:buAutoNum type="arabicPeriod"/>
+            </a:pPr>
+            <a:r>
+              <a:rPr lang="en-GB" dirty="0"/>
+              <a:t>Do calculations with the bound and trailing circulations.</a:t>
+            </a:r>
+          </a:p>
+          <a:p>
+            <a:pPr marL="514350" indent="-514350">
+              <a:buAutoNum type="arabicPeriod"/>
+            </a:pPr>
+            <a:endParaRPr lang="en-GB" dirty="0"/>
+          </a:p>
+          <a:p>
+            <a:pPr marL="514350" indent="-514350">
+              <a:buAutoNum type="arabicPeriod"/>
+            </a:pPr>
+            <a:endParaRPr lang="en-GB" dirty="0"/>
+          </a:p>
+          <a:p>
+            <a:pPr marL="514350" indent="-514350">
+              <a:buAutoNum type="arabicPeriod"/>
+            </a:pPr>
+            <a:endParaRPr lang="en-GB" dirty="0"/>
+          </a:p>
+        </p:txBody>
+      </p:sp>
+      <p:sp>
+        <p:nvSpPr>
+          <p:cNvPr id="4" name="Slide Number Placeholder 3">
+            <a:extLst>
+              <a:ext uri="{FF2B5EF4-FFF2-40B4-BE49-F238E27FC236}">
+                <a16:creationId xmlns:a16="http://schemas.microsoft.com/office/drawing/2014/main" id="{EBE95B8A-B577-D7CC-CEEA-9BDB2F9DF0E1}"/>
+              </a:ext>
+            </a:extLst>
+          </p:cNvPr>
+          <p:cNvSpPr>
+            <a:spLocks noGrp="1"/>
+          </p:cNvSpPr>
+          <p:nvPr>
+            <p:ph type="sldNum" sz="quarter" idx="12"/>
+          </p:nvPr>
+        </p:nvSpPr>
+        <p:spPr/>
+        <p:txBody>
+          <a:bodyPr/>
+          <a:lstStyle/>
+          <a:p>
+            <a:fld id="{978F724D-8C6F-42B5-AA71-1C7F80E824C8}" type="slidenum">
+              <a:rPr lang="de-DE" smtClean="0"/>
+              <a:t>7</a:t>
+            </a:fld>
+            <a:endParaRPr lang="de-DE"/>
+          </a:p>
+        </p:txBody>
+      </p:sp>
+    </p:spTree>
+    <p:extLst>
+      <p:ext uri="{BB962C8B-B14F-4D97-AF65-F5344CB8AC3E}">
+        <p14:creationId xmlns:p14="http://schemas.microsoft.com/office/powerpoint/2010/main" val="710166037"/>
+      </p:ext>
+    </p:extLst>
+  </p:cSld>
+  <p:clrMapOvr>
+    <a:masterClrMapping/>
+  </p:clrMapOvr>
+</p:sld>
+</file>
+
+<file path=ppt/slides/slide8.xml><?xml version="1.0" encoding="utf-8"?>
+<p:sld xmlns:a="http://schemas.openxmlformats.org/drawingml/2006/main" xmlns:r="http://schemas.openxmlformats.org/officeDocument/2006/relationships" xmlns:p="http://schemas.openxmlformats.org/presentationml/2006/main">
+  <p:cSld>
+    <p:spTree>
+      <p:nvGrpSpPr>
+        <p:cNvPr id="1" name=""/>
+        <p:cNvGrpSpPr/>
+        <p:nvPr/>
+      </p:nvGrpSpPr>
+      <p:grpSpPr>
+        <a:xfrm>
+          <a:off x="0" y="0"/>
+          <a:ext cx="0" cy="0"/>
+          <a:chOff x="0" y="0"/>
+          <a:chExt cx="0" cy="0"/>
+        </a:xfrm>
+      </p:grpSpPr>
+      <p:sp>
+        <p:nvSpPr>
+          <p:cNvPr id="2" name="Title 1">
+            <a:extLst>
+              <a:ext uri="{FF2B5EF4-FFF2-40B4-BE49-F238E27FC236}">
+                <a16:creationId xmlns:a16="http://schemas.microsoft.com/office/drawing/2014/main" id="{7154C859-7FD3-007D-D2F0-CCFA637BD6D1}"/>
+              </a:ext>
+            </a:extLst>
+          </p:cNvPr>
+          <p:cNvSpPr>
+            <a:spLocks noGrp="1"/>
+          </p:cNvSpPr>
+          <p:nvPr>
+            <p:ph type="title"/>
+          </p:nvPr>
+        </p:nvSpPr>
+        <p:spPr/>
+        <p:txBody>
+          <a:bodyPr/>
+          <a:lstStyle/>
+          <a:p>
+            <a:r>
+              <a:rPr lang="en-GB" dirty="0"/>
+              <a:t>For the coder – idea of calculating the vortex system coordinates</a:t>
+            </a:r>
+          </a:p>
+        </p:txBody>
+      </p:sp>
+      <p:sp>
+        <p:nvSpPr>
+          <p:cNvPr id="3" name="Content Placeholder 2">
+            <a:extLst>
+              <a:ext uri="{FF2B5EF4-FFF2-40B4-BE49-F238E27FC236}">
+                <a16:creationId xmlns:a16="http://schemas.microsoft.com/office/drawing/2014/main" id="{3F0A5ECC-331A-A9E6-723E-5BB5C92DE47F}"/>
+              </a:ext>
+            </a:extLst>
+          </p:cNvPr>
+          <p:cNvSpPr>
+            <a:spLocks noGrp="1"/>
+          </p:cNvSpPr>
+          <p:nvPr>
+            <p:ph idx="1"/>
+          </p:nvPr>
+        </p:nvSpPr>
+        <p:spPr/>
+        <p:txBody>
+          <a:bodyPr>
+            <a:normAutofit lnSpcReduction="10000"/>
+          </a:bodyPr>
+          <a:lstStyle/>
+          <a:p>
+            <a:pPr marL="0" indent="0">
+              <a:buNone/>
+            </a:pPr>
+            <a:r>
+              <a:rPr lang="en-GB" dirty="0"/>
+              <a:t>Same procedure for bound and trailing vortices. </a:t>
+            </a:r>
+          </a:p>
+          <a:p>
+            <a:pPr marL="0" indent="0">
+              <a:buNone/>
+            </a:pPr>
+            <a:r>
+              <a:rPr lang="en-GB" dirty="0"/>
+              <a:t>First, the coordinates of the vortex filaments of the vortex system have to be calculated. There are 3 levels of the vortex systems:</a:t>
+            </a:r>
+          </a:p>
+          <a:p>
+            <a:pPr>
+              <a:buFontTx/>
+              <a:buChar char="-"/>
+            </a:pPr>
+            <a:r>
+              <a:rPr lang="en-GB" dirty="0"/>
+              <a:t>“</a:t>
+            </a:r>
+            <a:r>
+              <a:rPr lang="en-GB" dirty="0" err="1"/>
+              <a:t>element_wise</a:t>
+            </a:r>
+            <a:r>
+              <a:rPr lang="en-GB" dirty="0"/>
+              <a:t>”: dictionary for which the keys are the radial positions and their values are their respective vortex’ coordinates</a:t>
+            </a:r>
+          </a:p>
+          <a:p>
+            <a:pPr>
+              <a:buFontTx/>
+              <a:buChar char="-"/>
+            </a:pPr>
+            <a:r>
+              <a:rPr lang="en-GB" dirty="0"/>
+              <a:t>“blade”: same points as “</a:t>
+            </a:r>
+            <a:r>
+              <a:rPr lang="en-GB" dirty="0" err="1"/>
+              <a:t>element_wise</a:t>
+            </a:r>
+            <a:r>
+              <a:rPr lang="en-GB" dirty="0"/>
+              <a:t>” but all coordinates are in one large </a:t>
+            </a:r>
+            <a:r>
+              <a:rPr lang="en-GB" dirty="0" err="1"/>
+              <a:t>numpy</a:t>
+            </a:r>
+            <a:r>
+              <a:rPr lang="en-GB" dirty="0"/>
+              <a:t> array</a:t>
+            </a:r>
+          </a:p>
+          <a:p>
+            <a:pPr>
+              <a:buFontTx/>
+              <a:buChar char="-"/>
+            </a:pPr>
+            <a:r>
+              <a:rPr lang="en-GB" dirty="0"/>
+              <a:t>“rotor”: a list of the array “blade” and rotations of “blade”</a:t>
+            </a:r>
+          </a:p>
+          <a:p>
+            <a:pPr marL="0" indent="0">
+              <a:buNone/>
+            </a:pPr>
+            <a:r>
+              <a:rPr lang="en-GB" dirty="0"/>
+              <a:t>The calculations are performed in the order “</a:t>
+            </a:r>
+            <a:r>
+              <a:rPr lang="en-GB" dirty="0" err="1"/>
+              <a:t>element_wise</a:t>
+            </a:r>
+            <a:r>
+              <a:rPr lang="en-GB" dirty="0"/>
+              <a:t>” -&gt; “blade”</a:t>
+            </a:r>
+          </a:p>
+          <a:p>
+            <a:pPr marL="0" indent="0">
+              <a:buNone/>
+            </a:pPr>
+            <a:r>
+              <a:rPr lang="en-GB" dirty="0"/>
+              <a:t>-&gt; “rotor”.</a:t>
+            </a:r>
+          </a:p>
+        </p:txBody>
+      </p:sp>
+      <p:sp>
+        <p:nvSpPr>
+          <p:cNvPr id="4" name="Slide Number Placeholder 3">
+            <a:extLst>
+              <a:ext uri="{FF2B5EF4-FFF2-40B4-BE49-F238E27FC236}">
+                <a16:creationId xmlns:a16="http://schemas.microsoft.com/office/drawing/2014/main" id="{CCB5F5DE-BD72-D149-4FD9-5D21EC1FEB8E}"/>
+              </a:ext>
+            </a:extLst>
+          </p:cNvPr>
+          <p:cNvSpPr>
+            <a:spLocks noGrp="1"/>
+          </p:cNvSpPr>
+          <p:nvPr>
+            <p:ph type="sldNum" sz="quarter" idx="12"/>
+          </p:nvPr>
+        </p:nvSpPr>
+        <p:spPr/>
+        <p:txBody>
+          <a:bodyPr/>
+          <a:lstStyle/>
+          <a:p>
+            <a:fld id="{978F724D-8C6F-42B5-AA71-1C7F80E824C8}" type="slidenum">
+              <a:rPr lang="de-DE" smtClean="0"/>
+              <a:t>8</a:t>
+            </a:fld>
+            <a:endParaRPr lang="de-DE"/>
+          </a:p>
+        </p:txBody>
+      </p:sp>
+    </p:spTree>
+    <p:extLst>
+      <p:ext uri="{BB962C8B-B14F-4D97-AF65-F5344CB8AC3E}">
+        <p14:creationId xmlns:p14="http://schemas.microsoft.com/office/powerpoint/2010/main" val="2556138193"/>
+      </p:ext>
+    </p:extLst>
+  </p:cSld>
+  <p:clrMapOvr>
+    <a:masterClrMapping/>
+  </p:clrMapOvr>
+</p:sld>
+</file>
+
+<file path=ppt/slides/slide9.xml><?xml version="1.0" encoding="utf-8"?>
+<p:sld xmlns:a="http://schemas.openxmlformats.org/drawingml/2006/main" xmlns:r="http://schemas.openxmlformats.org/officeDocument/2006/relationships" xmlns:p="http://schemas.openxmlformats.org/presentationml/2006/main">
+  <p:cSld>
+    <p:spTree>
+      <p:nvGrpSpPr>
+        <p:cNvPr id="1" name=""/>
+        <p:cNvGrpSpPr/>
+        <p:nvPr/>
+      </p:nvGrpSpPr>
+      <p:grpSpPr>
+        <a:xfrm>
+          <a:off x="0" y="0"/>
+          <a:ext cx="0" cy="0"/>
+          <a:chOff x="0" y="0"/>
+          <a:chExt cx="0" cy="0"/>
+        </a:xfrm>
+      </p:grpSpPr>
+      <p:sp>
+        <p:nvSpPr>
+          <p:cNvPr id="2" name="Title 1">
+            <a:extLst>
+              <a:ext uri="{FF2B5EF4-FFF2-40B4-BE49-F238E27FC236}">
+                <a16:creationId xmlns:a16="http://schemas.microsoft.com/office/drawing/2014/main" id="{C7B65CAA-BFE8-AFD7-5637-D03F6BDB083F}"/>
+              </a:ext>
+            </a:extLst>
+          </p:cNvPr>
+          <p:cNvSpPr>
+            <a:spLocks noGrp="1"/>
+          </p:cNvSpPr>
+          <p:nvPr>
+            <p:ph type="title"/>
+          </p:nvPr>
+        </p:nvSpPr>
+        <p:spPr/>
+        <p:txBody>
+          <a:bodyPr/>
+          <a:lstStyle/>
+          <a:p>
+            <a:r>
+              <a:rPr lang="en-GB" dirty="0"/>
+              <a:t>For the coder – flowchart of calculating the vortex system coordinates</a:t>
+            </a:r>
+          </a:p>
+        </p:txBody>
+      </p:sp>
+      <p:sp>
+        <p:nvSpPr>
+          <p:cNvPr id="3" name="Content Placeholder 2">
+            <a:extLst>
+              <a:ext uri="{FF2B5EF4-FFF2-40B4-BE49-F238E27FC236}">
+                <a16:creationId xmlns:a16="http://schemas.microsoft.com/office/drawing/2014/main" id="{3FEAB6AB-AEFE-AD49-5984-13DCCE4ECDC0}"/>
+              </a:ext>
+            </a:extLst>
+          </p:cNvPr>
+          <p:cNvSpPr>
+            <a:spLocks noGrp="1"/>
+          </p:cNvSpPr>
+          <p:nvPr>
+            <p:ph idx="1"/>
+          </p:nvPr>
+        </p:nvSpPr>
+        <p:spPr/>
+        <p:txBody>
+          <a:bodyPr/>
+          <a:lstStyle/>
+          <a:p>
+            <a:pPr marL="0" indent="0">
+              <a:buNone/>
+            </a:pPr>
+            <a:r>
+              <a:rPr lang="en-GB" dirty="0"/>
+              <a:t>If no prior calculations have been done, the following happens (remember that trailing and bound have the same workflow):</a:t>
+            </a:r>
+          </a:p>
+        </p:txBody>
+      </p:sp>
+      <p:sp>
+        <p:nvSpPr>
+          <p:cNvPr id="4" name="Slide Number Placeholder 3">
+            <a:extLst>
+              <a:ext uri="{FF2B5EF4-FFF2-40B4-BE49-F238E27FC236}">
+                <a16:creationId xmlns:a16="http://schemas.microsoft.com/office/drawing/2014/main" id="{B34718C9-14B7-6708-B8F9-B514A910FCCA}"/>
+              </a:ext>
+            </a:extLst>
+          </p:cNvPr>
+          <p:cNvSpPr>
+            <a:spLocks noGrp="1"/>
+          </p:cNvSpPr>
+          <p:nvPr>
+            <p:ph type="sldNum" sz="quarter" idx="12"/>
+          </p:nvPr>
+        </p:nvSpPr>
+        <p:spPr/>
+        <p:txBody>
+          <a:bodyPr/>
+          <a:lstStyle/>
+          <a:p>
+            <a:fld id="{978F724D-8C6F-42B5-AA71-1C7F80E824C8}" type="slidenum">
+              <a:rPr lang="de-DE" smtClean="0"/>
+              <a:t>9</a:t>
+            </a:fld>
+            <a:endParaRPr lang="de-DE"/>
+          </a:p>
+        </p:txBody>
+      </p:sp>
+      <p:sp>
+        <p:nvSpPr>
+          <p:cNvPr id="5" name="Rectangle 4">
+            <a:extLst>
+              <a:ext uri="{FF2B5EF4-FFF2-40B4-BE49-F238E27FC236}">
+                <a16:creationId xmlns:a16="http://schemas.microsoft.com/office/drawing/2014/main" id="{5629C1FD-A492-7AD4-8EFD-FDD3A29B0BD8}"/>
+              </a:ext>
+            </a:extLst>
+          </p:cNvPr>
+          <p:cNvSpPr/>
+          <p:nvPr/>
+        </p:nvSpPr>
+        <p:spPr>
+          <a:xfrm>
+            <a:off x="886692" y="4001294"/>
+            <a:ext cx="1542472" cy="609600"/>
+          </a:xfrm>
+          <a:prstGeom prst="rect">
+            <a:avLst/>
+          </a:prstGeom>
+        </p:spPr>
+        <p:style>
+          <a:lnRef idx="2">
+            <a:schemeClr val="accent1">
+              <a:shade val="50000"/>
+            </a:schemeClr>
+          </a:lnRef>
+          <a:fillRef idx="1">
+            <a:schemeClr val="accent1"/>
+          </a:fillRef>
+          <a:effectRef idx="0">
+            <a:schemeClr val="accent1"/>
+          </a:effectRef>
+          <a:fontRef idx="minor">
+            <a:schemeClr val="lt1"/>
+          </a:fontRef>
+        </p:style>
+        <p:txBody>
+          <a:bodyPr rtlCol="0" anchor="ctr"/>
+          <a:lstStyle/>
+          <a:p>
+            <a:pPr algn="ctr"/>
+            <a:r>
+              <a:rPr lang="en-GB" dirty="0"/>
+              <a:t>rotor()</a:t>
+            </a:r>
+          </a:p>
+        </p:txBody>
+      </p:sp>
+      <p:sp>
+        <p:nvSpPr>
+          <p:cNvPr id="6" name="Arrow: Right 5">
+            <a:extLst>
+              <a:ext uri="{FF2B5EF4-FFF2-40B4-BE49-F238E27FC236}">
+                <a16:creationId xmlns:a16="http://schemas.microsoft.com/office/drawing/2014/main" id="{2EA58B72-6309-8513-C1E8-A7E36BBDB764}"/>
+              </a:ext>
+            </a:extLst>
+          </p:cNvPr>
+          <p:cNvSpPr/>
+          <p:nvPr/>
+        </p:nvSpPr>
+        <p:spPr>
+          <a:xfrm>
+            <a:off x="213592" y="4243748"/>
+            <a:ext cx="639618" cy="124691"/>
+          </a:xfrm>
+          <a:prstGeom prst="rightArrow">
+            <a:avLst/>
+          </a:prstGeom>
+        </p:spPr>
+        <p:style>
+          <a:lnRef idx="2">
+            <a:schemeClr val="accent1">
+              <a:shade val="50000"/>
+            </a:schemeClr>
+          </a:lnRef>
+          <a:fillRef idx="1">
+            <a:schemeClr val="accent1"/>
+          </a:fillRef>
+          <a:effectRef idx="0">
+            <a:schemeClr val="accent1"/>
+          </a:effectRef>
+          <a:fontRef idx="minor">
+            <a:schemeClr val="lt1"/>
+          </a:fontRef>
+        </p:style>
+        <p:txBody>
+          <a:bodyPr rtlCol="0" anchor="ctr"/>
+          <a:lstStyle/>
+          <a:p>
+            <a:pPr algn="ctr"/>
+            <a:endParaRPr lang="en-GB"/>
+          </a:p>
+        </p:txBody>
+      </p:sp>
+      <p:sp>
+        <p:nvSpPr>
+          <p:cNvPr id="7" name="Rectangle 6">
+            <a:extLst>
+              <a:ext uri="{FF2B5EF4-FFF2-40B4-BE49-F238E27FC236}">
+                <a16:creationId xmlns:a16="http://schemas.microsoft.com/office/drawing/2014/main" id="{7264CA4D-AC6E-C5CE-A2EB-379260BE5FDE}"/>
+              </a:ext>
+            </a:extLst>
+          </p:cNvPr>
+          <p:cNvSpPr/>
+          <p:nvPr/>
+        </p:nvSpPr>
+        <p:spPr>
+          <a:xfrm>
+            <a:off x="1307360" y="5444120"/>
+            <a:ext cx="1592117" cy="609600"/>
+          </a:xfrm>
+          <a:prstGeom prst="rect">
+            <a:avLst/>
+          </a:prstGeom>
+        </p:spPr>
+        <p:style>
+          <a:lnRef idx="2">
+            <a:schemeClr val="accent1">
+              <a:shade val="50000"/>
+            </a:schemeClr>
+          </a:lnRef>
+          <a:fillRef idx="1">
+            <a:schemeClr val="accent1"/>
+          </a:fillRef>
+          <a:effectRef idx="0">
+            <a:schemeClr val="accent1"/>
+          </a:effectRef>
+          <a:fontRef idx="minor">
+            <a:schemeClr val="lt1"/>
+          </a:fontRef>
+        </p:style>
+        <p:txBody>
+          <a:bodyPr rtlCol="0" anchor="ctr"/>
+          <a:lstStyle/>
+          <a:p>
+            <a:pPr algn="ctr"/>
+            <a:r>
+              <a:rPr lang="en-GB" dirty="0" err="1"/>
+              <a:t>rotor_bound</a:t>
+            </a:r>
+            <a:r>
+              <a:rPr lang="en-GB" dirty="0"/>
+              <a:t>()</a:t>
+            </a:r>
+          </a:p>
+        </p:txBody>
+      </p:sp>
+      <p:sp>
+        <p:nvSpPr>
+          <p:cNvPr id="8" name="Rectangle 7">
+            <a:extLst>
+              <a:ext uri="{FF2B5EF4-FFF2-40B4-BE49-F238E27FC236}">
+                <a16:creationId xmlns:a16="http://schemas.microsoft.com/office/drawing/2014/main" id="{36BAB74B-A53F-EB92-3119-1038BAEB32C5}"/>
+              </a:ext>
+            </a:extLst>
+          </p:cNvPr>
+          <p:cNvSpPr/>
+          <p:nvPr/>
+        </p:nvSpPr>
+        <p:spPr>
+          <a:xfrm>
+            <a:off x="2910609" y="2963791"/>
+            <a:ext cx="1592118" cy="609600"/>
+          </a:xfrm>
+          <a:prstGeom prst="rect">
+            <a:avLst/>
+          </a:prstGeom>
+        </p:spPr>
+        <p:style>
+          <a:lnRef idx="2">
+            <a:schemeClr val="accent1">
+              <a:shade val="50000"/>
+            </a:schemeClr>
+          </a:lnRef>
+          <a:fillRef idx="1">
+            <a:schemeClr val="accent1"/>
+          </a:fillRef>
+          <a:effectRef idx="0">
+            <a:schemeClr val="accent1"/>
+          </a:effectRef>
+          <a:fontRef idx="minor">
+            <a:schemeClr val="lt1"/>
+          </a:fontRef>
+        </p:style>
+        <p:txBody>
+          <a:bodyPr rtlCol="0" anchor="ctr"/>
+          <a:lstStyle/>
+          <a:p>
+            <a:pPr algn="ctr"/>
+            <a:r>
+              <a:rPr lang="en-GB" dirty="0" err="1"/>
+              <a:t>rotor_trailing</a:t>
+            </a:r>
+            <a:r>
+              <a:rPr lang="en-GB" dirty="0"/>
+              <a:t>()</a:t>
+            </a:r>
+          </a:p>
+        </p:txBody>
+      </p:sp>
+      <p:sp>
+        <p:nvSpPr>
+          <p:cNvPr id="9" name="Arrow: Right 8">
+            <a:extLst>
+              <a:ext uri="{FF2B5EF4-FFF2-40B4-BE49-F238E27FC236}">
+                <a16:creationId xmlns:a16="http://schemas.microsoft.com/office/drawing/2014/main" id="{B73454FF-FB81-3589-4F93-822EA199D690}"/>
+              </a:ext>
+            </a:extLst>
+          </p:cNvPr>
+          <p:cNvSpPr/>
+          <p:nvPr/>
+        </p:nvSpPr>
+        <p:spPr>
+          <a:xfrm rot="18907890">
+            <a:off x="2428488" y="3877327"/>
+            <a:ext cx="639618" cy="124691"/>
+          </a:xfrm>
+          <a:prstGeom prst="rightArrow">
+            <a:avLst/>
+          </a:prstGeom>
+        </p:spPr>
+        <p:style>
+          <a:lnRef idx="2">
+            <a:schemeClr val="accent1">
+              <a:shade val="50000"/>
+            </a:schemeClr>
+          </a:lnRef>
+          <a:fillRef idx="1">
+            <a:schemeClr val="accent1"/>
+          </a:fillRef>
+          <a:effectRef idx="0">
+            <a:schemeClr val="accent1"/>
+          </a:effectRef>
+          <a:fontRef idx="minor">
+            <a:schemeClr val="lt1"/>
+          </a:fontRef>
+        </p:style>
+        <p:txBody>
+          <a:bodyPr rtlCol="0" anchor="ctr"/>
+          <a:lstStyle/>
+          <a:p>
+            <a:pPr algn="ctr"/>
+            <a:endParaRPr lang="en-GB"/>
+          </a:p>
+        </p:txBody>
+      </p:sp>
+      <p:sp>
+        <p:nvSpPr>
+          <p:cNvPr id="10" name="Arrow: Right 9">
+            <a:extLst>
+              <a:ext uri="{FF2B5EF4-FFF2-40B4-BE49-F238E27FC236}">
+                <a16:creationId xmlns:a16="http://schemas.microsoft.com/office/drawing/2014/main" id="{60B76CEF-C053-EA39-4EC8-6DC240DF8C03}"/>
+              </a:ext>
+            </a:extLst>
+          </p:cNvPr>
+          <p:cNvSpPr/>
+          <p:nvPr/>
+        </p:nvSpPr>
+        <p:spPr>
+          <a:xfrm rot="4341018" flipV="1">
+            <a:off x="1536030" y="4965161"/>
+            <a:ext cx="639618" cy="124691"/>
+          </a:xfrm>
+          <a:prstGeom prst="rightArrow">
+            <a:avLst/>
+          </a:prstGeom>
+        </p:spPr>
+        <p:style>
+          <a:lnRef idx="2">
+            <a:schemeClr val="accent1">
+              <a:shade val="50000"/>
+            </a:schemeClr>
+          </a:lnRef>
+          <a:fillRef idx="1">
+            <a:schemeClr val="accent1"/>
+          </a:fillRef>
+          <a:effectRef idx="0">
+            <a:schemeClr val="accent1"/>
+          </a:effectRef>
+          <a:fontRef idx="minor">
+            <a:schemeClr val="lt1"/>
+          </a:fontRef>
+        </p:style>
+        <p:txBody>
+          <a:bodyPr rtlCol="0" anchor="ctr"/>
+          <a:lstStyle/>
+          <a:p>
+            <a:pPr algn="ctr"/>
+            <a:endParaRPr lang="en-GB"/>
+          </a:p>
+        </p:txBody>
+      </p:sp>
+      <p:sp>
+        <p:nvSpPr>
+          <p:cNvPr id="11" name="Rectangle 10">
+            <a:extLst>
+              <a:ext uri="{FF2B5EF4-FFF2-40B4-BE49-F238E27FC236}">
+                <a16:creationId xmlns:a16="http://schemas.microsoft.com/office/drawing/2014/main" id="{AA229A9D-C0F6-6DBA-EABD-49354901DAAC}"/>
+              </a:ext>
+            </a:extLst>
+          </p:cNvPr>
+          <p:cNvSpPr/>
+          <p:nvPr/>
+        </p:nvSpPr>
+        <p:spPr>
+          <a:xfrm>
+            <a:off x="5175824" y="2974260"/>
+            <a:ext cx="2048167" cy="609600"/>
+          </a:xfrm>
+          <a:prstGeom prst="rect">
+            <a:avLst/>
+          </a:prstGeom>
+        </p:spPr>
+        <p:style>
+          <a:lnRef idx="2">
+            <a:schemeClr val="accent1">
+              <a:shade val="50000"/>
+            </a:schemeClr>
+          </a:lnRef>
+          <a:fillRef idx="1">
+            <a:schemeClr val="accent1"/>
+          </a:fillRef>
+          <a:effectRef idx="0">
+            <a:schemeClr val="accent1"/>
+          </a:effectRef>
+          <a:fontRef idx="minor">
+            <a:schemeClr val="lt1"/>
+          </a:fontRef>
+        </p:style>
+        <p:txBody>
+          <a:bodyPr rtlCol="0" anchor="ctr"/>
+          <a:lstStyle/>
+          <a:p>
+            <a:pPr algn="ctr"/>
+            <a:r>
+              <a:rPr lang="en-GB" dirty="0"/>
+              <a:t>_</a:t>
+            </a:r>
+            <a:r>
+              <a:rPr lang="en-GB" dirty="0" err="1"/>
+              <a:t>rotate_combined</a:t>
+            </a:r>
+            <a:r>
+              <a:rPr lang="en-GB" dirty="0"/>
+              <a:t>()</a:t>
+            </a:r>
+          </a:p>
+        </p:txBody>
+      </p:sp>
+      <p:sp>
+        <p:nvSpPr>
+          <p:cNvPr id="12" name="Arrow: Right 11">
+            <a:extLst>
+              <a:ext uri="{FF2B5EF4-FFF2-40B4-BE49-F238E27FC236}">
+                <a16:creationId xmlns:a16="http://schemas.microsoft.com/office/drawing/2014/main" id="{5AD9CE32-1827-0407-FF58-A41FB2521083}"/>
+              </a:ext>
+            </a:extLst>
+          </p:cNvPr>
+          <p:cNvSpPr/>
+          <p:nvPr/>
+        </p:nvSpPr>
+        <p:spPr>
+          <a:xfrm>
+            <a:off x="4528711" y="3033135"/>
+            <a:ext cx="639618" cy="124691"/>
+          </a:xfrm>
+          <a:prstGeom prst="rightArrow">
+            <a:avLst/>
+          </a:prstGeom>
+        </p:spPr>
+        <p:style>
+          <a:lnRef idx="2">
+            <a:schemeClr val="accent1">
+              <a:shade val="50000"/>
+            </a:schemeClr>
+          </a:lnRef>
+          <a:fillRef idx="1">
+            <a:schemeClr val="accent1"/>
+          </a:fillRef>
+          <a:effectRef idx="0">
+            <a:schemeClr val="accent1"/>
+          </a:effectRef>
+          <a:fontRef idx="minor">
+            <a:schemeClr val="lt1"/>
+          </a:fontRef>
+        </p:style>
+        <p:txBody>
+          <a:bodyPr rtlCol="0" anchor="ctr"/>
+          <a:lstStyle/>
+          <a:p>
+            <a:pPr algn="ctr"/>
+            <a:endParaRPr lang="en-GB"/>
+          </a:p>
+        </p:txBody>
+      </p:sp>
+      <p:sp>
+        <p:nvSpPr>
+          <p:cNvPr id="13" name="Rectangle 12">
+            <a:extLst>
+              <a:ext uri="{FF2B5EF4-FFF2-40B4-BE49-F238E27FC236}">
+                <a16:creationId xmlns:a16="http://schemas.microsoft.com/office/drawing/2014/main" id="{CECE3B64-1AC2-C3C7-6C00-EB79E2472365}"/>
+              </a:ext>
+            </a:extLst>
+          </p:cNvPr>
+          <p:cNvSpPr/>
+          <p:nvPr/>
+        </p:nvSpPr>
+        <p:spPr>
+          <a:xfrm>
+            <a:off x="7897090" y="2960406"/>
+            <a:ext cx="1616359" cy="609600"/>
+          </a:xfrm>
+          <a:prstGeom prst="rect">
+            <a:avLst/>
+          </a:prstGeom>
+        </p:spPr>
+        <p:style>
+          <a:lnRef idx="2">
+            <a:schemeClr val="accent1">
+              <a:shade val="50000"/>
+            </a:schemeClr>
+          </a:lnRef>
+          <a:fillRef idx="1">
+            <a:schemeClr val="accent1"/>
+          </a:fillRef>
+          <a:effectRef idx="0">
+            <a:schemeClr val="accent1"/>
+          </a:effectRef>
+          <a:fontRef idx="minor">
+            <a:schemeClr val="lt1"/>
+          </a:fontRef>
+        </p:style>
+        <p:txBody>
+          <a:bodyPr rtlCol="0" anchor="ctr"/>
+          <a:lstStyle/>
+          <a:p>
+            <a:pPr algn="ctr"/>
+            <a:r>
+              <a:rPr lang="en-GB" dirty="0" err="1"/>
+              <a:t>blade_trailing</a:t>
+            </a:r>
+            <a:r>
+              <a:rPr lang="en-GB" dirty="0"/>
+              <a:t>()</a:t>
+            </a:r>
+          </a:p>
+        </p:txBody>
+      </p:sp>
+      <p:sp>
+        <p:nvSpPr>
+          <p:cNvPr id="14" name="Arrow: Right 13">
+            <a:extLst>
+              <a:ext uri="{FF2B5EF4-FFF2-40B4-BE49-F238E27FC236}">
+                <a16:creationId xmlns:a16="http://schemas.microsoft.com/office/drawing/2014/main" id="{D379EA31-B52D-0788-A93C-B4B013F6BA40}"/>
+              </a:ext>
+            </a:extLst>
+          </p:cNvPr>
+          <p:cNvSpPr/>
+          <p:nvPr/>
+        </p:nvSpPr>
+        <p:spPr>
+          <a:xfrm>
+            <a:off x="7249977" y="3019281"/>
+            <a:ext cx="639618" cy="124691"/>
+          </a:xfrm>
+          <a:prstGeom prst="rightArrow">
+            <a:avLst/>
+          </a:prstGeom>
+        </p:spPr>
+        <p:style>
+          <a:lnRef idx="2">
+            <a:schemeClr val="accent1">
+              <a:shade val="50000"/>
+            </a:schemeClr>
+          </a:lnRef>
+          <a:fillRef idx="1">
+            <a:schemeClr val="accent1"/>
+          </a:fillRef>
+          <a:effectRef idx="0">
+            <a:schemeClr val="accent1"/>
+          </a:effectRef>
+          <a:fontRef idx="minor">
+            <a:schemeClr val="lt1"/>
+          </a:fontRef>
+        </p:style>
+        <p:txBody>
+          <a:bodyPr rtlCol="0" anchor="ctr"/>
+          <a:lstStyle/>
+          <a:p>
+            <a:pPr algn="ctr"/>
+            <a:endParaRPr lang="en-GB"/>
+          </a:p>
+        </p:txBody>
+      </p:sp>
+      <p:sp>
+        <p:nvSpPr>
+          <p:cNvPr id="15" name="Rectangle 14">
+            <a:extLst>
+              <a:ext uri="{FF2B5EF4-FFF2-40B4-BE49-F238E27FC236}">
+                <a16:creationId xmlns:a16="http://schemas.microsoft.com/office/drawing/2014/main" id="{C4D08C04-EA1B-58E6-9D08-45A1AF67422F}"/>
+              </a:ext>
+            </a:extLst>
+          </p:cNvPr>
+          <p:cNvSpPr/>
+          <p:nvPr/>
+        </p:nvSpPr>
+        <p:spPr>
+          <a:xfrm>
+            <a:off x="10217720" y="2974260"/>
+            <a:ext cx="1716817" cy="609600"/>
+          </a:xfrm>
+          <a:prstGeom prst="rect">
+            <a:avLst/>
+          </a:prstGeom>
+        </p:spPr>
+        <p:style>
+          <a:lnRef idx="2">
+            <a:schemeClr val="accent1">
+              <a:shade val="50000"/>
+            </a:schemeClr>
+          </a:lnRef>
+          <a:fillRef idx="1">
+            <a:schemeClr val="accent1"/>
+          </a:fillRef>
+          <a:effectRef idx="0">
+            <a:schemeClr val="accent1"/>
+          </a:effectRef>
+          <a:fontRef idx="minor">
+            <a:schemeClr val="lt1"/>
+          </a:fontRef>
+        </p:style>
+        <p:txBody>
+          <a:bodyPr rtlCol="0" anchor="ctr"/>
+          <a:lstStyle/>
+          <a:p>
+            <a:pPr algn="ctr"/>
+            <a:r>
+              <a:rPr lang="en-GB" dirty="0"/>
+              <a:t>_</a:t>
+            </a:r>
+            <a:r>
+              <a:rPr lang="en-GB" dirty="0" err="1"/>
+              <a:t>combine_elementwise</a:t>
+            </a:r>
+            <a:r>
+              <a:rPr lang="en-GB" dirty="0"/>
+              <a:t>()</a:t>
+            </a:r>
+          </a:p>
+        </p:txBody>
+      </p:sp>
+      <p:sp>
+        <p:nvSpPr>
+          <p:cNvPr id="16" name="Arrow: Right 15">
+            <a:extLst>
+              <a:ext uri="{FF2B5EF4-FFF2-40B4-BE49-F238E27FC236}">
+                <a16:creationId xmlns:a16="http://schemas.microsoft.com/office/drawing/2014/main" id="{C318C2F0-4E35-99C8-3456-24EB661DC63B}"/>
+              </a:ext>
+            </a:extLst>
+          </p:cNvPr>
+          <p:cNvSpPr/>
+          <p:nvPr/>
+        </p:nvSpPr>
+        <p:spPr>
+          <a:xfrm>
+            <a:off x="9570607" y="3033135"/>
+            <a:ext cx="639618" cy="124691"/>
+          </a:xfrm>
+          <a:prstGeom prst="rightArrow">
+            <a:avLst/>
+          </a:prstGeom>
+        </p:spPr>
+        <p:style>
+          <a:lnRef idx="2">
+            <a:schemeClr val="accent1">
+              <a:shade val="50000"/>
+            </a:schemeClr>
+          </a:lnRef>
+          <a:fillRef idx="1">
+            <a:schemeClr val="accent1"/>
+          </a:fillRef>
+          <a:effectRef idx="0">
+            <a:schemeClr val="accent1"/>
+          </a:effectRef>
+          <a:fontRef idx="minor">
+            <a:schemeClr val="lt1"/>
+          </a:fontRef>
+        </p:style>
+        <p:txBody>
+          <a:bodyPr rtlCol="0" anchor="ctr"/>
+          <a:lstStyle/>
+          <a:p>
+            <a:pPr algn="ctr"/>
+            <a:endParaRPr lang="en-GB"/>
+          </a:p>
+        </p:txBody>
+      </p:sp>
+      <p:sp>
+        <p:nvSpPr>
+          <p:cNvPr id="17" name="Arrow: Right 16">
+            <a:extLst>
+              <a:ext uri="{FF2B5EF4-FFF2-40B4-BE49-F238E27FC236}">
+                <a16:creationId xmlns:a16="http://schemas.microsoft.com/office/drawing/2014/main" id="{9C98F494-ADB9-7E2E-CC76-4A9686C0D89B}"/>
+              </a:ext>
+            </a:extLst>
+          </p:cNvPr>
+          <p:cNvSpPr/>
+          <p:nvPr/>
+        </p:nvSpPr>
+        <p:spPr>
+          <a:xfrm rot="-10800000">
+            <a:off x="622155" y="5702695"/>
+            <a:ext cx="639618" cy="124691"/>
+          </a:xfrm>
+          <a:prstGeom prst="rightArrow">
+            <a:avLst/>
+          </a:prstGeom>
+        </p:spPr>
+        <p:style>
+          <a:lnRef idx="2">
+            <a:schemeClr val="accent1">
+              <a:shade val="50000"/>
+            </a:schemeClr>
+          </a:lnRef>
+          <a:fillRef idx="1">
+            <a:schemeClr val="accent1"/>
+          </a:fillRef>
+          <a:effectRef idx="0">
+            <a:schemeClr val="accent1"/>
+          </a:effectRef>
+          <a:fontRef idx="minor">
+            <a:schemeClr val="lt1"/>
+          </a:fontRef>
+        </p:style>
+        <p:txBody>
+          <a:bodyPr rtlCol="0" anchor="ctr"/>
+          <a:lstStyle/>
+          <a:p>
+            <a:pPr algn="ctr"/>
+            <a:endParaRPr lang="en-GB"/>
+          </a:p>
+        </p:txBody>
+      </p:sp>
+      <p:grpSp>
+        <p:nvGrpSpPr>
+          <p:cNvPr id="21" name="Group 20">
+            <a:extLst>
+              <a:ext uri="{FF2B5EF4-FFF2-40B4-BE49-F238E27FC236}">
+                <a16:creationId xmlns:a16="http://schemas.microsoft.com/office/drawing/2014/main" id="{CDA1D723-0E62-F584-6021-EF18C5CD2150}"/>
+              </a:ext>
+            </a:extLst>
+          </p:cNvPr>
+          <p:cNvGrpSpPr/>
+          <p:nvPr/>
+        </p:nvGrpSpPr>
+        <p:grpSpPr>
+          <a:xfrm rot="5400000">
+            <a:off x="349766" y="5619414"/>
+            <a:ext cx="36000" cy="308348"/>
+            <a:chOff x="9023450" y="4126025"/>
+            <a:chExt cx="36000" cy="308348"/>
+          </a:xfrm>
+        </p:grpSpPr>
+        <p:sp>
+          <p:nvSpPr>
+            <p:cNvPr id="18" name="Oval 17">
+              <a:extLst>
+                <a:ext uri="{FF2B5EF4-FFF2-40B4-BE49-F238E27FC236}">
+                  <a16:creationId xmlns:a16="http://schemas.microsoft.com/office/drawing/2014/main" id="{D78D2B49-9921-5F70-4B0C-4924F7450DE7}"/>
+                </a:ext>
+              </a:extLst>
+            </p:cNvPr>
+            <p:cNvSpPr>
+              <a:spLocks noChangeAspect="1"/>
+            </p:cNvSpPr>
+            <p:nvPr/>
+          </p:nvSpPr>
+          <p:spPr>
+            <a:xfrm>
+              <a:off x="9023450" y="4398373"/>
+              <a:ext cx="36000" cy="36000"/>
+            </a:xfrm>
+            <a:prstGeom prst="ellipse">
+              <a:avLst/>
+            </a:prstGeom>
+            <a:solidFill>
+              <a:schemeClr val="tx1"/>
+            </a:solidFill>
+            <a:ln>
+              <a:solidFill>
+                <a:schemeClr val="tx1"/>
+              </a:solidFill>
+            </a:ln>
+          </p:spPr>
+          <p:style>
+            <a:lnRef idx="2">
+              <a:schemeClr val="accent1">
+                <a:shade val="50000"/>
+              </a:schemeClr>
+            </a:lnRef>
+            <a:fillRef idx="1">
+              <a:schemeClr val="accent1"/>
+            </a:fillRef>
+            <a:effectRef idx="0">
+              <a:schemeClr val="accent1"/>
+            </a:effectRef>
+            <a:fontRef idx="minor">
+              <a:schemeClr val="lt1"/>
+            </a:fontRef>
+          </p:style>
+          <p:txBody>
+            <a:bodyPr rtlCol="0" anchor="ctr"/>
+            <a:lstStyle/>
+            <a:p>
+              <a:pPr algn="ctr"/>
+              <a:endParaRPr lang="en-GB"/>
+            </a:p>
+          </p:txBody>
+        </p:sp>
+        <p:sp>
+          <p:nvSpPr>
+            <p:cNvPr id="19" name="Oval 18">
+              <a:extLst>
+                <a:ext uri="{FF2B5EF4-FFF2-40B4-BE49-F238E27FC236}">
+                  <a16:creationId xmlns:a16="http://schemas.microsoft.com/office/drawing/2014/main" id="{B5B05CA5-060C-82E3-9792-7ACBD0C5E364}"/>
+                </a:ext>
+              </a:extLst>
+            </p:cNvPr>
+            <p:cNvSpPr>
+              <a:spLocks noChangeAspect="1"/>
+            </p:cNvSpPr>
+            <p:nvPr/>
+          </p:nvSpPr>
+          <p:spPr>
+            <a:xfrm>
+              <a:off x="9023450" y="4253199"/>
+              <a:ext cx="36000" cy="36000"/>
+            </a:xfrm>
+            <a:prstGeom prst="ellipse">
+              <a:avLst/>
+            </a:prstGeom>
+            <a:solidFill>
+              <a:schemeClr val="tx1"/>
+            </a:solidFill>
+            <a:ln>
+              <a:solidFill>
+                <a:schemeClr val="tx1"/>
+              </a:solidFill>
+            </a:ln>
+          </p:spPr>
+          <p:style>
+            <a:lnRef idx="2">
+              <a:schemeClr val="accent1">
+                <a:shade val="50000"/>
+              </a:schemeClr>
+            </a:lnRef>
+            <a:fillRef idx="1">
+              <a:schemeClr val="accent1"/>
+            </a:fillRef>
+            <a:effectRef idx="0">
+              <a:schemeClr val="accent1"/>
+            </a:effectRef>
+            <a:fontRef idx="minor">
+              <a:schemeClr val="lt1"/>
+            </a:fontRef>
+          </p:style>
+          <p:txBody>
+            <a:bodyPr rtlCol="0" anchor="ctr"/>
+            <a:lstStyle/>
+            <a:p>
+              <a:pPr algn="ctr"/>
+              <a:endParaRPr lang="en-GB"/>
+            </a:p>
+          </p:txBody>
+        </p:sp>
+        <p:sp>
+          <p:nvSpPr>
+            <p:cNvPr id="20" name="Oval 19">
+              <a:extLst>
+                <a:ext uri="{FF2B5EF4-FFF2-40B4-BE49-F238E27FC236}">
+                  <a16:creationId xmlns:a16="http://schemas.microsoft.com/office/drawing/2014/main" id="{1890702B-A4A0-F017-5055-A3CB8D424B6F}"/>
+                </a:ext>
+              </a:extLst>
+            </p:cNvPr>
+            <p:cNvSpPr>
+              <a:spLocks noChangeAspect="1"/>
+            </p:cNvSpPr>
+            <p:nvPr/>
+          </p:nvSpPr>
+          <p:spPr>
+            <a:xfrm>
+              <a:off x="9023450" y="4126025"/>
+              <a:ext cx="36000" cy="36000"/>
+            </a:xfrm>
+            <a:prstGeom prst="ellipse">
+              <a:avLst/>
+            </a:prstGeom>
+            <a:solidFill>
+              <a:schemeClr val="tx1"/>
+            </a:solidFill>
+            <a:ln>
+              <a:solidFill>
+                <a:schemeClr val="tx1"/>
+              </a:solidFill>
+            </a:ln>
+          </p:spPr>
+          <p:style>
+            <a:lnRef idx="2">
+              <a:schemeClr val="accent1">
+                <a:shade val="50000"/>
+              </a:schemeClr>
+            </a:lnRef>
+            <a:fillRef idx="1">
+              <a:schemeClr val="accent1"/>
+            </a:fillRef>
+            <a:effectRef idx="0">
+              <a:schemeClr val="accent1"/>
+            </a:effectRef>
+            <a:fontRef idx="minor">
+              <a:schemeClr val="lt1"/>
+            </a:fontRef>
+          </p:style>
+          <p:txBody>
+            <a:bodyPr rtlCol="0" anchor="ctr"/>
+            <a:lstStyle/>
+            <a:p>
+              <a:pPr algn="ctr"/>
+              <a:endParaRPr lang="en-GB"/>
+            </a:p>
+          </p:txBody>
+        </p:sp>
+      </p:grpSp>
+      <p:sp>
+        <p:nvSpPr>
+          <p:cNvPr id="22" name="Arrow: Right 21">
+            <a:extLst>
+              <a:ext uri="{FF2B5EF4-FFF2-40B4-BE49-F238E27FC236}">
+                <a16:creationId xmlns:a16="http://schemas.microsoft.com/office/drawing/2014/main" id="{380AD217-C3A1-C4B0-05BD-FAC09DF57468}"/>
+              </a:ext>
+            </a:extLst>
+          </p:cNvPr>
+          <p:cNvSpPr/>
+          <p:nvPr/>
+        </p:nvSpPr>
+        <p:spPr>
+          <a:xfrm rot="5400000">
+            <a:off x="11106144" y="3861594"/>
+            <a:ext cx="639618" cy="124691"/>
+          </a:xfrm>
+          <a:prstGeom prst="rightArrow">
+            <a:avLst/>
+          </a:prstGeom>
+        </p:spPr>
+        <p:style>
+          <a:lnRef idx="2">
+            <a:schemeClr val="accent1">
+              <a:shade val="50000"/>
+            </a:schemeClr>
+          </a:lnRef>
+          <a:fillRef idx="1">
+            <a:schemeClr val="accent1"/>
+          </a:fillRef>
+          <a:effectRef idx="0">
+            <a:schemeClr val="accent1"/>
+          </a:effectRef>
+          <a:fontRef idx="minor">
+            <a:schemeClr val="lt1"/>
+          </a:fontRef>
+        </p:style>
+        <p:txBody>
+          <a:bodyPr rtlCol="0" anchor="ctr"/>
+          <a:lstStyle/>
+          <a:p>
+            <a:pPr algn="ctr"/>
+            <a:endParaRPr lang="en-GB"/>
+          </a:p>
+        </p:txBody>
+      </p:sp>
+      <p:sp>
+        <p:nvSpPr>
+          <p:cNvPr id="23" name="Rectangle 22">
+            <a:extLst>
+              <a:ext uri="{FF2B5EF4-FFF2-40B4-BE49-F238E27FC236}">
+                <a16:creationId xmlns:a16="http://schemas.microsoft.com/office/drawing/2014/main" id="{D9A9DE7A-AA3B-1487-5CFD-AF5A82225277}"/>
+              </a:ext>
+            </a:extLst>
+          </p:cNvPr>
+          <p:cNvSpPr/>
+          <p:nvPr/>
+        </p:nvSpPr>
+        <p:spPr>
+          <a:xfrm>
+            <a:off x="10217718" y="4251325"/>
+            <a:ext cx="1716817" cy="609600"/>
+          </a:xfrm>
+          <a:prstGeom prst="rect">
+            <a:avLst/>
+          </a:prstGeom>
+        </p:spPr>
+        <p:style>
+          <a:lnRef idx="2">
+            <a:schemeClr val="accent1">
+              <a:shade val="50000"/>
+            </a:schemeClr>
+          </a:lnRef>
+          <a:fillRef idx="1">
+            <a:schemeClr val="accent1"/>
+          </a:fillRef>
+          <a:effectRef idx="0">
+            <a:schemeClr val="accent1"/>
+          </a:effectRef>
+          <a:fontRef idx="minor">
+            <a:schemeClr val="lt1"/>
+          </a:fontRef>
+        </p:style>
+        <p:txBody>
+          <a:bodyPr rtlCol="0" anchor="ctr"/>
+          <a:lstStyle/>
+          <a:p>
+            <a:pPr algn="ctr"/>
+            <a:r>
+              <a:rPr lang="en-GB" dirty="0"/>
+              <a:t>_</a:t>
+            </a:r>
+            <a:r>
+              <a:rPr lang="en-GB" dirty="0" err="1"/>
+              <a:t>blade_trailing_elementwise</a:t>
+            </a:r>
+            <a:r>
+              <a:rPr lang="en-GB" dirty="0"/>
+              <a:t>()</a:t>
+            </a:r>
+          </a:p>
+        </p:txBody>
+      </p:sp>
+      <p:sp>
+        <p:nvSpPr>
+          <p:cNvPr id="24" name="Arrow: Right 23">
+            <a:extLst>
+              <a:ext uri="{FF2B5EF4-FFF2-40B4-BE49-F238E27FC236}">
+                <a16:creationId xmlns:a16="http://schemas.microsoft.com/office/drawing/2014/main" id="{BFD5F77A-4462-3237-04E0-5F63C58941FC}"/>
+              </a:ext>
+            </a:extLst>
+          </p:cNvPr>
+          <p:cNvSpPr/>
+          <p:nvPr/>
+        </p:nvSpPr>
+        <p:spPr>
+          <a:xfrm rot="-5400000">
+            <a:off x="10389755" y="3859724"/>
+            <a:ext cx="639618" cy="124691"/>
+          </a:xfrm>
+          <a:prstGeom prst="rightArrow">
+            <a:avLst/>
+          </a:prstGeom>
+          <a:solidFill>
+            <a:schemeClr val="accent6">
+              <a:lumMod val="75000"/>
+            </a:schemeClr>
+          </a:solidFill>
+        </p:spPr>
+        <p:style>
+          <a:lnRef idx="2">
+            <a:schemeClr val="accent1">
+              <a:shade val="50000"/>
+            </a:schemeClr>
+          </a:lnRef>
+          <a:fillRef idx="1">
+            <a:schemeClr val="accent1"/>
+          </a:fillRef>
+          <a:effectRef idx="0">
+            <a:schemeClr val="accent1"/>
+          </a:effectRef>
+          <a:fontRef idx="minor">
+            <a:schemeClr val="lt1"/>
+          </a:fontRef>
+        </p:style>
+        <p:txBody>
+          <a:bodyPr rtlCol="0" anchor="ctr"/>
+          <a:lstStyle/>
+          <a:p>
+            <a:pPr algn="ctr"/>
+            <a:endParaRPr lang="en-GB"/>
+          </a:p>
+        </p:txBody>
+      </p:sp>
+      <p:sp>
+        <p:nvSpPr>
+          <p:cNvPr id="25" name="Arrow: Right 24">
+            <a:extLst>
+              <a:ext uri="{FF2B5EF4-FFF2-40B4-BE49-F238E27FC236}">
+                <a16:creationId xmlns:a16="http://schemas.microsoft.com/office/drawing/2014/main" id="{C3C85F30-2005-EDCF-82E0-12EE5512B4A5}"/>
+              </a:ext>
+            </a:extLst>
+          </p:cNvPr>
+          <p:cNvSpPr/>
+          <p:nvPr/>
+        </p:nvSpPr>
+        <p:spPr>
+          <a:xfrm rot="-10800000">
+            <a:off x="4502725" y="3271763"/>
+            <a:ext cx="639618" cy="124691"/>
+          </a:xfrm>
+          <a:prstGeom prst="rightArrow">
+            <a:avLst/>
+          </a:prstGeom>
+          <a:solidFill>
+            <a:schemeClr val="accent6">
+              <a:lumMod val="75000"/>
+            </a:schemeClr>
+          </a:solidFill>
+        </p:spPr>
+        <p:style>
+          <a:lnRef idx="2">
+            <a:schemeClr val="accent1">
+              <a:shade val="50000"/>
+            </a:schemeClr>
+          </a:lnRef>
+          <a:fillRef idx="1">
+            <a:schemeClr val="accent1"/>
+          </a:fillRef>
+          <a:effectRef idx="0">
+            <a:schemeClr val="accent1"/>
+          </a:effectRef>
+          <a:fontRef idx="minor">
+            <a:schemeClr val="lt1"/>
+          </a:fontRef>
+        </p:style>
+        <p:txBody>
+          <a:bodyPr rtlCol="0" anchor="ctr"/>
+          <a:lstStyle/>
+          <a:p>
+            <a:pPr algn="ctr"/>
+            <a:endParaRPr lang="en-GB"/>
+          </a:p>
+        </p:txBody>
+      </p:sp>
+      <p:sp>
+        <p:nvSpPr>
+          <p:cNvPr id="26" name="Arrow: Right 25">
+            <a:extLst>
+              <a:ext uri="{FF2B5EF4-FFF2-40B4-BE49-F238E27FC236}">
+                <a16:creationId xmlns:a16="http://schemas.microsoft.com/office/drawing/2014/main" id="{50993C26-B677-6123-E056-BBCF5AD63E45}"/>
+              </a:ext>
+            </a:extLst>
+          </p:cNvPr>
+          <p:cNvSpPr/>
+          <p:nvPr/>
+        </p:nvSpPr>
+        <p:spPr>
+          <a:xfrm rot="-10800000">
+            <a:off x="7223991" y="3257909"/>
+            <a:ext cx="639618" cy="124691"/>
+          </a:xfrm>
+          <a:prstGeom prst="rightArrow">
+            <a:avLst/>
+          </a:prstGeom>
+          <a:solidFill>
+            <a:schemeClr val="accent6">
+              <a:lumMod val="75000"/>
+            </a:schemeClr>
+          </a:solidFill>
+        </p:spPr>
+        <p:style>
+          <a:lnRef idx="2">
+            <a:schemeClr val="accent1">
+              <a:shade val="50000"/>
+            </a:schemeClr>
+          </a:lnRef>
+          <a:fillRef idx="1">
+            <a:schemeClr val="accent1"/>
+          </a:fillRef>
+          <a:effectRef idx="0">
+            <a:schemeClr val="accent1"/>
+          </a:effectRef>
+          <a:fontRef idx="minor">
+            <a:schemeClr val="lt1"/>
+          </a:fontRef>
+        </p:style>
+        <p:txBody>
+          <a:bodyPr rtlCol="0" anchor="ctr"/>
+          <a:lstStyle/>
+          <a:p>
+            <a:pPr algn="ctr"/>
+            <a:endParaRPr lang="en-GB"/>
+          </a:p>
+        </p:txBody>
+      </p:sp>
+      <p:sp>
+        <p:nvSpPr>
+          <p:cNvPr id="27" name="Arrow: Right 26">
+            <a:extLst>
+              <a:ext uri="{FF2B5EF4-FFF2-40B4-BE49-F238E27FC236}">
+                <a16:creationId xmlns:a16="http://schemas.microsoft.com/office/drawing/2014/main" id="{8E087216-A617-24AC-D1C1-8907F93F9267}"/>
+              </a:ext>
+            </a:extLst>
+          </p:cNvPr>
+          <p:cNvSpPr/>
+          <p:nvPr/>
+        </p:nvSpPr>
+        <p:spPr>
+          <a:xfrm rot="-10800000">
+            <a:off x="9544621" y="3271763"/>
+            <a:ext cx="639618" cy="124691"/>
+          </a:xfrm>
+          <a:prstGeom prst="rightArrow">
+            <a:avLst/>
+          </a:prstGeom>
+          <a:solidFill>
+            <a:schemeClr val="accent6">
+              <a:lumMod val="75000"/>
+            </a:schemeClr>
+          </a:solidFill>
+        </p:spPr>
+        <p:style>
+          <a:lnRef idx="2">
+            <a:schemeClr val="accent1">
+              <a:shade val="50000"/>
+            </a:schemeClr>
+          </a:lnRef>
+          <a:fillRef idx="1">
+            <a:schemeClr val="accent1"/>
+          </a:fillRef>
+          <a:effectRef idx="0">
+            <a:schemeClr val="accent1"/>
+          </a:effectRef>
+          <a:fontRef idx="minor">
+            <a:schemeClr val="lt1"/>
+          </a:fontRef>
+        </p:style>
+        <p:txBody>
+          <a:bodyPr rtlCol="0" anchor="ctr"/>
+          <a:lstStyle/>
+          <a:p>
+            <a:pPr algn="ctr"/>
+            <a:endParaRPr lang="en-GB"/>
+          </a:p>
+        </p:txBody>
+      </p:sp>
+      <p:sp>
+        <p:nvSpPr>
+          <p:cNvPr id="29" name="Arrow: Right 28">
+            <a:extLst>
+              <a:ext uri="{FF2B5EF4-FFF2-40B4-BE49-F238E27FC236}">
+                <a16:creationId xmlns:a16="http://schemas.microsoft.com/office/drawing/2014/main" id="{665BBC71-A72C-35BB-48E4-619E2EF2E573}"/>
+              </a:ext>
+            </a:extLst>
+          </p:cNvPr>
+          <p:cNvSpPr/>
+          <p:nvPr/>
+        </p:nvSpPr>
+        <p:spPr>
+          <a:xfrm>
+            <a:off x="3934298" y="4193002"/>
+            <a:ext cx="636664" cy="124691"/>
+          </a:xfrm>
+          <a:prstGeom prst="rightArrow">
+            <a:avLst/>
+          </a:prstGeom>
+        </p:spPr>
+        <p:style>
+          <a:lnRef idx="2">
+            <a:schemeClr val="accent1">
+              <a:shade val="50000"/>
+            </a:schemeClr>
+          </a:lnRef>
+          <a:fillRef idx="1">
+            <a:schemeClr val="accent1"/>
+          </a:fillRef>
+          <a:effectRef idx="0">
+            <a:schemeClr val="accent1"/>
+          </a:effectRef>
+          <a:fontRef idx="minor">
+            <a:schemeClr val="lt1"/>
+          </a:fontRef>
+        </p:style>
+        <p:txBody>
+          <a:bodyPr rtlCol="0" anchor="ctr"/>
+          <a:lstStyle/>
+          <a:p>
+            <a:pPr algn="ctr"/>
+            <a:endParaRPr lang="en-GB" dirty="0"/>
+          </a:p>
+        </p:txBody>
+      </p:sp>
+      <p:sp>
+        <p:nvSpPr>
+          <p:cNvPr id="30" name="TextBox 29">
+            <a:extLst>
+              <a:ext uri="{FF2B5EF4-FFF2-40B4-BE49-F238E27FC236}">
+                <a16:creationId xmlns:a16="http://schemas.microsoft.com/office/drawing/2014/main" id="{07BE5B90-FFFA-4A8A-4008-D60EDB320C0B}"/>
+              </a:ext>
+            </a:extLst>
+          </p:cNvPr>
+          <p:cNvSpPr txBox="1"/>
+          <p:nvPr/>
+        </p:nvSpPr>
+        <p:spPr>
+          <a:xfrm>
+            <a:off x="4573916" y="4073574"/>
+            <a:ext cx="1453593" cy="369332"/>
+          </a:xfrm>
+          <a:prstGeom prst="rect">
+            <a:avLst/>
+          </a:prstGeom>
+          <a:noFill/>
+        </p:spPr>
+        <p:txBody>
+          <a:bodyPr wrap="square" rtlCol="0">
+            <a:spAutoFit/>
+          </a:bodyPr>
+          <a:lstStyle/>
+          <a:p>
+            <a:r>
+              <a:rPr lang="en-GB" dirty="0"/>
+              <a:t>Function calls</a:t>
+            </a:r>
+          </a:p>
+        </p:txBody>
+      </p:sp>
+      <p:sp>
+        <p:nvSpPr>
+          <p:cNvPr id="31" name="Arrow: Right 30">
+            <a:extLst>
+              <a:ext uri="{FF2B5EF4-FFF2-40B4-BE49-F238E27FC236}">
+                <a16:creationId xmlns:a16="http://schemas.microsoft.com/office/drawing/2014/main" id="{261E74F2-7DB6-0E01-48CD-A42CE2A007FA}"/>
+              </a:ext>
+            </a:extLst>
+          </p:cNvPr>
+          <p:cNvSpPr/>
+          <p:nvPr/>
+        </p:nvSpPr>
+        <p:spPr>
+          <a:xfrm>
+            <a:off x="3934298" y="4534748"/>
+            <a:ext cx="636664" cy="124691"/>
+          </a:xfrm>
+          <a:prstGeom prst="rightArrow">
+            <a:avLst/>
+          </a:prstGeom>
+          <a:solidFill>
+            <a:schemeClr val="accent6">
+              <a:lumMod val="75000"/>
+            </a:schemeClr>
+          </a:solidFill>
+        </p:spPr>
+        <p:style>
+          <a:lnRef idx="2">
+            <a:schemeClr val="accent1">
+              <a:shade val="50000"/>
+            </a:schemeClr>
+          </a:lnRef>
+          <a:fillRef idx="1">
+            <a:schemeClr val="accent1"/>
+          </a:fillRef>
+          <a:effectRef idx="0">
+            <a:schemeClr val="accent1"/>
+          </a:effectRef>
+          <a:fontRef idx="minor">
+            <a:schemeClr val="lt1"/>
+          </a:fontRef>
+        </p:style>
+        <p:txBody>
+          <a:bodyPr rtlCol="0" anchor="ctr"/>
+          <a:lstStyle/>
+          <a:p>
+            <a:pPr algn="ctr"/>
+            <a:endParaRPr lang="en-GB" dirty="0"/>
+          </a:p>
+        </p:txBody>
+      </p:sp>
+      <p:sp>
+        <p:nvSpPr>
+          <p:cNvPr id="32" name="TextBox 31">
+            <a:extLst>
+              <a:ext uri="{FF2B5EF4-FFF2-40B4-BE49-F238E27FC236}">
+                <a16:creationId xmlns:a16="http://schemas.microsoft.com/office/drawing/2014/main" id="{86D058F4-1948-2B4E-9F1A-5B95D80AF6DB}"/>
+              </a:ext>
+            </a:extLst>
+          </p:cNvPr>
+          <p:cNvSpPr txBox="1"/>
+          <p:nvPr/>
+        </p:nvSpPr>
+        <p:spPr>
+          <a:xfrm>
+            <a:off x="4573916" y="4434370"/>
+            <a:ext cx="3019707" cy="369332"/>
+          </a:xfrm>
+          <a:prstGeom prst="rect">
+            <a:avLst/>
+          </a:prstGeom>
+          <a:noFill/>
+        </p:spPr>
+        <p:txBody>
+          <a:bodyPr wrap="square" rtlCol="0">
+            <a:spAutoFit/>
+          </a:bodyPr>
+          <a:lstStyle/>
+          <a:p>
+            <a:r>
+              <a:rPr lang="en-GB" dirty="0"/>
+              <a:t>Flow of calculated coordinates</a:t>
+            </a:r>
+          </a:p>
+        </p:txBody>
+      </p:sp>
+      <p:sp>
+        <p:nvSpPr>
+          <p:cNvPr id="33" name="TextBox 32">
+            <a:extLst>
+              <a:ext uri="{FF2B5EF4-FFF2-40B4-BE49-F238E27FC236}">
+                <a16:creationId xmlns:a16="http://schemas.microsoft.com/office/drawing/2014/main" id="{81796ADF-A02E-DFFC-A3CF-8AB899AA5419}"/>
+              </a:ext>
+            </a:extLst>
+          </p:cNvPr>
+          <p:cNvSpPr txBox="1"/>
+          <p:nvPr/>
+        </p:nvSpPr>
+        <p:spPr>
+          <a:xfrm>
+            <a:off x="3855450" y="4952767"/>
+            <a:ext cx="7437036" cy="1754326"/>
+          </a:xfrm>
+          <a:prstGeom prst="rect">
+            <a:avLst/>
+          </a:prstGeom>
+          <a:noFill/>
+        </p:spPr>
+        <p:txBody>
+          <a:bodyPr wrap="none" rtlCol="0">
+            <a:spAutoFit/>
+          </a:bodyPr>
+          <a:lstStyle/>
+          <a:p>
+            <a:r>
+              <a:rPr lang="en-GB" dirty="0"/>
+              <a:t>If </a:t>
+            </a:r>
+            <a:r>
+              <a:rPr lang="en-GB" dirty="0" err="1"/>
+              <a:t>blade_trailing</a:t>
+            </a:r>
+            <a:r>
+              <a:rPr lang="en-GB" dirty="0"/>
+              <a:t>() has been called before, then _</a:t>
+            </a:r>
+            <a:r>
+              <a:rPr lang="en-GB" dirty="0" err="1"/>
+              <a:t>combine_elementwise</a:t>
+            </a:r>
+            <a:r>
+              <a:rPr lang="en-GB" dirty="0"/>
+              <a:t>() and</a:t>
+            </a:r>
+          </a:p>
+          <a:p>
+            <a:r>
+              <a:rPr lang="en-GB" dirty="0"/>
+              <a:t>_</a:t>
+            </a:r>
+            <a:r>
+              <a:rPr lang="en-GB" dirty="0" err="1"/>
+              <a:t>blade_trailing_elementwise</a:t>
+            </a:r>
+            <a:r>
+              <a:rPr lang="en-GB" dirty="0"/>
+              <a:t>() are not called. Likewise, if </a:t>
+            </a:r>
+            <a:r>
+              <a:rPr lang="en-GB" dirty="0" err="1"/>
+              <a:t>rotor_trailing</a:t>
+            </a:r>
+            <a:r>
+              <a:rPr lang="en-GB" dirty="0"/>
+              <a:t>() has </a:t>
+            </a:r>
+          </a:p>
+          <a:p>
+            <a:r>
+              <a:rPr lang="en-GB" dirty="0"/>
+              <a:t>been called before then _</a:t>
+            </a:r>
+            <a:r>
+              <a:rPr lang="en-GB" dirty="0" err="1"/>
+              <a:t>rotate_combined</a:t>
+            </a:r>
+            <a:r>
+              <a:rPr lang="en-GB" dirty="0"/>
+              <a:t>() is not called again.</a:t>
+            </a:r>
+          </a:p>
+          <a:p>
+            <a:r>
+              <a:rPr lang="en-GB" dirty="0"/>
+              <a:t>blade() can also be called by the user to only calculate the vortex system for a</a:t>
+            </a:r>
+          </a:p>
+          <a:p>
+            <a:r>
+              <a:rPr lang="en-GB" dirty="0"/>
+              <a:t>blade, not for the whole rotor. The flowchart then omits </a:t>
+            </a:r>
+            <a:r>
+              <a:rPr lang="en-GB" dirty="0" err="1"/>
+              <a:t>rotor_trailing</a:t>
+            </a:r>
+            <a:r>
+              <a:rPr lang="en-GB" dirty="0"/>
+              <a:t>() and </a:t>
+            </a:r>
+          </a:p>
+          <a:p>
+            <a:r>
+              <a:rPr lang="en-GB" dirty="0"/>
+              <a:t>_</a:t>
+            </a:r>
+            <a:r>
+              <a:rPr lang="en-GB" dirty="0" err="1"/>
+              <a:t>rotate_combined</a:t>
+            </a:r>
+            <a:r>
+              <a:rPr lang="en-GB" dirty="0"/>
+              <a:t>().</a:t>
+            </a:r>
+          </a:p>
+        </p:txBody>
+      </p:sp>
+    </p:spTree>
+    <p:extLst>
+      <p:ext uri="{BB962C8B-B14F-4D97-AF65-F5344CB8AC3E}">
+        <p14:creationId xmlns:p14="http://schemas.microsoft.com/office/powerpoint/2010/main" val="4017953615"/>
       </p:ext>
     </p:extLst>
   </p:cSld>
@@ -6277,4 +12917,299 @@
     </a:ext>
   </a:extLst>
 </a:theme>
+</file>
+
+<file path=ppt/theme/theme2.xml><?xml version="1.0" encoding="utf-8"?>
+<a:theme xmlns:a="http://schemas.openxmlformats.org/drawingml/2006/main" name="Office Theme">
+  <a:themeElements>
+    <a:clrScheme name="Office">
+      <a:dk1>
+        <a:sysClr val="windowText" lastClr="000000"/>
+      </a:dk1>
+      <a:lt1>
+        <a:sysClr val="window" lastClr="FFFFFF"/>
+      </a:lt1>
+      <a:dk2>
+        <a:srgbClr val="44546A"/>
+      </a:dk2>
+      <a:lt2>
+        <a:srgbClr val="E7E6E6"/>
+      </a:lt2>
+      <a:accent1>
+        <a:srgbClr val="4472C4"/>
+      </a:accent1>
+      <a:accent2>
+        <a:srgbClr val="ED7D31"/>
+      </a:accent2>
+      <a:accent3>
+        <a:srgbClr val="A5A5A5"/>
+      </a:accent3>
+      <a:accent4>
+        <a:srgbClr val="FFC000"/>
+      </a:accent4>
+      <a:accent5>
+        <a:srgbClr val="5B9BD5"/>
+      </a:accent5>
+      <a:accent6>
+        <a:srgbClr val="70AD47"/>
+      </a:accent6>
+      <a:hlink>
+        <a:srgbClr val="0563C1"/>
+      </a:hlink>
+      <a:folHlink>
+        <a:srgbClr val="954F72"/>
+      </a:folHlink>
+    </a:clrScheme>
+    <a:fontScheme name="Office">
+      <a:majorFont>
+        <a:latin typeface="Calibri Light" panose="020F0302020204030204"/>
+        <a:ea typeface=""/>
+        <a:cs typeface=""/>
+        <a:font script="Jpan" typeface="游ゴシック Light"/>
+        <a:font script="Hang" typeface="맑은 고딕"/>
+        <a:font script="Hans" typeface="等线 Light"/>
+        <a:font script="Hant" typeface="新細明體"/>
+        <a:font script="Arab" typeface="Times New Roman"/>
+        <a:font script="Hebr" typeface="Times New Roman"/>
+        <a:font script="Thai" typeface="Angsana New"/>
+        <a:font script="Ethi" typeface="Nyala"/>
+        <a:font script="Beng" typeface="Vrinda"/>
+        <a:font script="Gujr" typeface="Shruti"/>
+        <a:font script="Khmr" typeface="MoolBoran"/>
+        <a:font script="Knda" typeface="Tunga"/>
+        <a:font script="Guru" typeface="Raavi"/>
+        <a:font script="Cans" typeface="Euphemia"/>
+        <a:font script="Cher" typeface="Plantagenet Cherokee"/>
+        <a:font script="Yiii" typeface="Microsoft Yi Baiti"/>
+        <a:font script="Tibt" typeface="Microsoft Himalaya"/>
+        <a:font script="Thaa" typeface="MV Boli"/>
+        <a:font script="Deva" typeface="Mangal"/>
+        <a:font script="Telu" typeface="Gautami"/>
+        <a:font script="Taml" typeface="Latha"/>
+        <a:font script="Syrc" typeface="Estrangelo Edessa"/>
+        <a:font script="Orya" typeface="Kalinga"/>
+        <a:font script="Mlym" typeface="Kartika"/>
+        <a:font script="Laoo" typeface="DokChampa"/>
+        <a:font script="Sinh" typeface="Iskoola Pota"/>
+        <a:font script="Mong" typeface="Mongolian Baiti"/>
+        <a:font script="Viet" typeface="Times New Roman"/>
+        <a:font script="Uigh" typeface="Microsoft Uighur"/>
+        <a:font script="Geor" typeface="Sylfaen"/>
+        <a:font script="Armn" typeface="Arial"/>
+        <a:font script="Bugi" typeface="Leelawadee UI"/>
+        <a:font script="Bopo" typeface="Microsoft JhengHei"/>
+        <a:font script="Java" typeface="Javanese Text"/>
+        <a:font script="Lisu" typeface="Segoe UI"/>
+        <a:font script="Mymr" typeface="Myanmar Text"/>
+        <a:font script="Nkoo" typeface="Ebrima"/>
+        <a:font script="Olck" typeface="Nirmala UI"/>
+        <a:font script="Osma" typeface="Ebrima"/>
+        <a:font script="Phag" typeface="Phagspa"/>
+        <a:font script="Syrn" typeface="Estrangelo Edessa"/>
+        <a:font script="Syrj" typeface="Estrangelo Edessa"/>
+        <a:font script="Syre" typeface="Estrangelo Edessa"/>
+        <a:font script="Sora" typeface="Nirmala UI"/>
+        <a:font script="Tale" typeface="Microsoft Tai Le"/>
+        <a:font script="Talu" typeface="Microsoft New Tai Lue"/>
+        <a:font script="Tfng" typeface="Ebrima"/>
+      </a:majorFont>
+      <a:minorFont>
+        <a:latin typeface="Calibri" panose="020F0502020204030204"/>
+        <a:ea typeface=""/>
+        <a:cs typeface=""/>
+        <a:font script="Jpan" typeface="游ゴシック"/>
+        <a:font script="Hang" typeface="맑은 고딕"/>
+        <a:font script="Hans" typeface="等线"/>
+        <a:font script="Hant" typeface="新細明體"/>
+        <a:font script="Arab" typeface="Arial"/>
+        <a:font script="Hebr" typeface="Arial"/>
+        <a:font script="Thai" typeface="Cordia New"/>
+        <a:font script="Ethi" typeface="Nyala"/>
+        <a:font script="Beng" typeface="Vrinda"/>
+        <a:font script="Gujr" typeface="Shruti"/>
+        <a:font script="Khmr" typeface="DaunPenh"/>
+        <a:font script="Knda" typeface="Tunga"/>
+        <a:font script="Guru" typeface="Raavi"/>
+        <a:font script="Cans" typeface="Euphemia"/>
+        <a:font script="Cher" typeface="Plantagenet Cherokee"/>
+        <a:font script="Yiii" typeface="Microsoft Yi Baiti"/>
+        <a:font script="Tibt" typeface="Microsoft Himalaya"/>
+        <a:font script="Thaa" typeface="MV Boli"/>
+        <a:font script="Deva" typeface="Mangal"/>
+        <a:font script="Telu" typeface="Gautami"/>
+        <a:font script="Taml" typeface="Latha"/>
+        <a:font script="Syrc" typeface="Estrangelo Edessa"/>
+        <a:font script="Orya" typeface="Kalinga"/>
+        <a:font script="Mlym" typeface="Kartika"/>
+        <a:font script="Laoo" typeface="DokChampa"/>
+        <a:font script="Sinh" typeface="Iskoola Pota"/>
+        <a:font script="Mong" typeface="Mongolian Baiti"/>
+        <a:font script="Viet" typeface="Arial"/>
+        <a:font script="Uigh" typeface="Microsoft Uighur"/>
+        <a:font script="Geor" typeface="Sylfaen"/>
+        <a:font script="Armn" typeface="Arial"/>
+        <a:font script="Bugi" typeface="Leelawadee UI"/>
+        <a:font script="Bopo" typeface="Microsoft JhengHei"/>
+        <a:font script="Java" typeface="Javanese Text"/>
+        <a:font script="Lisu" typeface="Segoe UI"/>
+        <a:font script="Mymr" typeface="Myanmar Text"/>
+        <a:font script="Nkoo" typeface="Ebrima"/>
+        <a:font script="Olck" typeface="Nirmala UI"/>
+        <a:font script="Osma" typeface="Ebrima"/>
+        <a:font script="Phag" typeface="Phagspa"/>
+        <a:font script="Syrn" typeface="Estrangelo Edessa"/>
+        <a:font script="Syrj" typeface="Estrangelo Edessa"/>
+        <a:font script="Syre" typeface="Estrangelo Edessa"/>
+        <a:font script="Sora" typeface="Nirmala UI"/>
+        <a:font script="Tale" typeface="Microsoft Tai Le"/>
+        <a:font script="Talu" typeface="Microsoft New Tai Lue"/>
+        <a:font script="Tfng" typeface="Ebrima"/>
+      </a:minorFont>
+    </a:fontScheme>
+    <a:fmtScheme name="Office">
+      <a:fillStyleLst>
+        <a:solidFill>
+          <a:schemeClr val="phClr"/>
+        </a:solidFill>
+        <a:gradFill rotWithShape="1">
+          <a:gsLst>
+            <a:gs pos="0">
+              <a:schemeClr val="phClr">
+                <a:lumMod val="110000"/>
+                <a:satMod val="105000"/>
+                <a:tint val="67000"/>
+              </a:schemeClr>
+            </a:gs>
+            <a:gs pos="50000">
+              <a:schemeClr val="phClr">
+                <a:lumMod val="105000"/>
+                <a:satMod val="103000"/>
+                <a:tint val="73000"/>
+              </a:schemeClr>
+            </a:gs>
+            <a:gs pos="100000">
+              <a:schemeClr val="phClr">
+                <a:lumMod val="105000"/>
+                <a:satMod val="109000"/>
+                <a:tint val="81000"/>
+              </a:schemeClr>
+            </a:gs>
+          </a:gsLst>
+          <a:lin ang="5400000" scaled="0"/>
+        </a:gradFill>
+        <a:gradFill rotWithShape="1">
+          <a:gsLst>
+            <a:gs pos="0">
+              <a:schemeClr val="phClr">
+                <a:satMod val="103000"/>
+                <a:lumMod val="102000"/>
+                <a:tint val="94000"/>
+              </a:schemeClr>
+            </a:gs>
+            <a:gs pos="50000">
+              <a:schemeClr val="phClr">
+                <a:satMod val="110000"/>
+                <a:lumMod val="100000"/>
+                <a:shade val="100000"/>
+              </a:schemeClr>
+            </a:gs>
+            <a:gs pos="100000">
+              <a:schemeClr val="phClr">
+                <a:lumMod val="99000"/>
+                <a:satMod val="120000"/>
+                <a:shade val="78000"/>
+              </a:schemeClr>
+            </a:gs>
+          </a:gsLst>
+          <a:lin ang="5400000" scaled="0"/>
+        </a:gradFill>
+      </a:fillStyleLst>
+      <a:lnStyleLst>
+        <a:ln w="6350" cap="flat" cmpd="sng" algn="ctr">
+          <a:solidFill>
+            <a:schemeClr val="phClr"/>
+          </a:solidFill>
+          <a:prstDash val="solid"/>
+          <a:miter lim="800000"/>
+        </a:ln>
+        <a:ln w="12700" cap="flat" cmpd="sng" algn="ctr">
+          <a:solidFill>
+            <a:schemeClr val="phClr"/>
+          </a:solidFill>
+          <a:prstDash val="solid"/>
+          <a:miter lim="800000"/>
+        </a:ln>
+        <a:ln w="19050" cap="flat" cmpd="sng" algn="ctr">
+          <a:solidFill>
+            <a:schemeClr val="phClr"/>
+          </a:solidFill>
+          <a:prstDash val="solid"/>
+          <a:miter lim="800000"/>
+        </a:ln>
+      </a:lnStyleLst>
+      <a:effectStyleLst>
+        <a:effectStyle>
+          <a:effectLst/>
+        </a:effectStyle>
+        <a:effectStyle>
+          <a:effectLst/>
+        </a:effectStyle>
+        <a:effectStyle>
+          <a:effectLst>
+            <a:outerShdw blurRad="57150" dist="19050" dir="5400000" algn="ctr" rotWithShape="0">
+              <a:srgbClr val="000000">
+                <a:alpha val="63000"/>
+              </a:srgbClr>
+            </a:outerShdw>
+          </a:effectLst>
+        </a:effectStyle>
+      </a:effectStyleLst>
+      <a:bgFillStyleLst>
+        <a:solidFill>
+          <a:schemeClr val="phClr"/>
+        </a:solidFill>
+        <a:solidFill>
+          <a:schemeClr val="phClr">
+            <a:tint val="95000"/>
+            <a:satMod val="170000"/>
+          </a:schemeClr>
+        </a:solidFill>
+        <a:gradFill rotWithShape="1">
+          <a:gsLst>
+            <a:gs pos="0">
+              <a:schemeClr val="phClr">
+                <a:tint val="93000"/>
+                <a:satMod val="150000"/>
+                <a:shade val="98000"/>
+                <a:lumMod val="102000"/>
+              </a:schemeClr>
+            </a:gs>
+            <a:gs pos="50000">
+              <a:schemeClr val="phClr">
+                <a:tint val="98000"/>
+                <a:satMod val="130000"/>
+                <a:shade val="90000"/>
+                <a:lumMod val="103000"/>
+              </a:schemeClr>
+            </a:gs>
+            <a:gs pos="100000">
+              <a:schemeClr val="phClr">
+                <a:shade val="63000"/>
+                <a:satMod val="120000"/>
+              </a:schemeClr>
+            </a:gs>
+          </a:gsLst>
+          <a:lin ang="5400000" scaled="0"/>
+        </a:gradFill>
+      </a:bgFillStyleLst>
+    </a:fmtScheme>
+  </a:themeElements>
+  <a:objectDefaults/>
+  <a:extraClrSchemeLst/>
+  <a:extLst>
+    <a:ext uri="{05A4C25C-085E-4340-85A3-A5531E510DB2}">
+      <thm15:themeFamily xmlns:thm15="http://schemas.microsoft.com/office/thememl/2012/main" name="Office Theme" id="{62F939B6-93AF-4DB8-9C6B-D6C7DFDC589F}" vid="{4A3C46E8-61CC-4603-A589-7422A47A8E4A}"/>
+    </a:ext>
+  </a:extLst>
+</a:theme>
 </file>